--- a/Lab1/Описание реверсивного счетчика на VHDL.pptx
+++ b/Lab1/Описание реверсивного счетчика на VHDL.pptx
@@ -1,39 +1,39 @@
 
 <file path=ppt/presentation.xml><?xml version="1.0" encoding="utf-8"?>
-<p:presentation xmlns:a="http://schemas.openxmlformats.org/drawingml/2006/main" xmlns:r="http://schemas.openxmlformats.org/officeDocument/2006/relationships" xmlns:mc="http://schemas.openxmlformats.org/markup-compatibility/2006" xmlns:mv="urn:schemas-microsoft-com:mac:vml" xmlns:p="http://schemas.openxmlformats.org/presentationml/2006/main" xmlns:c="http://schemas.openxmlformats.org/drawingml/2006/chart" xmlns:dgm="http://schemas.openxmlformats.org/drawingml/2006/diagram" xmlns:o="urn:schemas-microsoft-com:office:office" xmlns:v="urn:schemas-microsoft-com:vml" xmlns:pvml="urn:schemas-microsoft-com:office:powerpoint" xmlns:com="http://schemas.openxmlformats.org/drawingml/2006/compatibility" xmlns:p14="http://schemas.microsoft.com/office/powerpoint/2010/main" xmlns:p15="http://schemas.microsoft.com/office/powerpoint/2012/main" xmlns:ahyp="http://schemas.microsoft.com/office/drawing/2018/hyperlinkcolor" autoCompressPictures="0" embedTrueTypeFonts="1" strictFirstAndLastChars="0" saveSubsetFonts="1" showSpecialPlsOnTitleSld="0">
+<p:presentation xmlns:a="http://schemas.openxmlformats.org/drawingml/2006/main" xmlns:r="http://schemas.openxmlformats.org/officeDocument/2006/relationships" xmlns:p="http://schemas.openxmlformats.org/presentationml/2006/main" showSpecialPlsOnTitleSld="0" strictFirstAndLastChars="0" embedTrueTypeFonts="1" saveSubsetFonts="1" autoCompressPictures="0">
   <p:sldMasterIdLst>
-    <p:sldMasterId id="2147483659" r:id="rId5"/>
+    <p:sldMasterId id="2147483659" r:id="rId1"/>
   </p:sldMasterIdLst>
   <p:notesMasterIdLst>
-    <p:notesMasterId r:id="rId6"/>
+    <p:notesMasterId r:id="rId14"/>
   </p:notesMasterIdLst>
   <p:sldIdLst>
-    <p:sldId id="256" r:id="rId7"/>
-    <p:sldId id="257" r:id="rId8"/>
-    <p:sldId id="258" r:id="rId9"/>
-    <p:sldId id="259" r:id="rId10"/>
-    <p:sldId id="260" r:id="rId11"/>
-    <p:sldId id="261" r:id="rId12"/>
-    <p:sldId id="262" r:id="rId13"/>
-    <p:sldId id="263" r:id="rId14"/>
-    <p:sldId id="264" r:id="rId15"/>
-    <p:sldId id="265" r:id="rId16"/>
-    <p:sldId id="266" r:id="rId17"/>
-    <p:sldId id="267" r:id="rId18"/>
+    <p:sldId id="256" r:id="rId2"/>
+    <p:sldId id="257" r:id="rId3"/>
+    <p:sldId id="258" r:id="rId4"/>
+    <p:sldId id="259" r:id="rId5"/>
+    <p:sldId id="260" r:id="rId6"/>
+    <p:sldId id="261" r:id="rId7"/>
+    <p:sldId id="262" r:id="rId8"/>
+    <p:sldId id="263" r:id="rId9"/>
+    <p:sldId id="264" r:id="rId10"/>
+    <p:sldId id="265" r:id="rId11"/>
+    <p:sldId id="266" r:id="rId12"/>
+    <p:sldId id="267" r:id="rId13"/>
   </p:sldIdLst>
-  <p:sldSz cy="5143500" cx="9144000"/>
+  <p:sldSz cx="9144000" cy="5143500" type="screen16x9"/>
   <p:notesSz cx="6858000" cy="9144000"/>
   <p:embeddedFontLst>
     <p:embeddedFont>
-      <p:font typeface="Roboto"/>
-      <p:regular r:id="rId19"/>
-      <p:bold r:id="rId20"/>
-      <p:italic r:id="rId21"/>
-      <p:boldItalic r:id="rId22"/>
+      <p:font typeface="Roboto" panose="020B0604020202020204" charset="0"/>
+      <p:regular r:id="rId15"/>
+      <p:bold r:id="rId16"/>
+      <p:italic r:id="rId17"/>
+      <p:boldItalic r:id="rId18"/>
     </p:embeddedFont>
   </p:embeddedFontLst>
   <p:defaultTextStyle>
-    <a:defPPr lvl="0" marR="0" rtl="0" algn="l">
+    <a:defPPr marR="0" lvl="0" algn="l" rtl="0">
       <a:lnSpc>
         <a:spcPct val="100000"/>
       </a:lnSpc>
@@ -44,7 +44,7 @@
         <a:spcPts val="0"/>
       </a:spcAft>
     </a:defPPr>
-    <a:lvl1pPr lvl="0" marR="0" rtl="0" algn="l">
+    <a:lvl1pPr marR="0" lvl="0" algn="l" rtl="0">
       <a:lnSpc>
         <a:spcPct val="100000"/>
       </a:lnSpc>
@@ -58,7 +58,7 @@
         <a:srgbClr val="000000"/>
       </a:buClr>
       <a:buFont typeface="Arial"/>
-      <a:defRPr b="0" i="0" sz="1400" u="none" cap="none" strike="noStrike">
+      <a:defRPr sz="1400" b="0" i="0" u="none" strike="noStrike" cap="none">
         <a:solidFill>
           <a:srgbClr val="000000"/>
         </a:solidFill>
@@ -68,7 +68,7 @@
         <a:sym typeface="Arial"/>
       </a:defRPr>
     </a:lvl1pPr>
-    <a:lvl2pPr lvl="1" marR="0" rtl="0" algn="l">
+    <a:lvl2pPr marR="0" lvl="1" algn="l" rtl="0">
       <a:lnSpc>
         <a:spcPct val="100000"/>
       </a:lnSpc>
@@ -82,7 +82,7 @@
         <a:srgbClr val="000000"/>
       </a:buClr>
       <a:buFont typeface="Arial"/>
-      <a:defRPr b="0" i="0" sz="1400" u="none" cap="none" strike="noStrike">
+      <a:defRPr sz="1400" b="0" i="0" u="none" strike="noStrike" cap="none">
         <a:solidFill>
           <a:srgbClr val="000000"/>
         </a:solidFill>
@@ -92,7 +92,7 @@
         <a:sym typeface="Arial"/>
       </a:defRPr>
     </a:lvl2pPr>
-    <a:lvl3pPr lvl="2" marR="0" rtl="0" algn="l">
+    <a:lvl3pPr marR="0" lvl="2" algn="l" rtl="0">
       <a:lnSpc>
         <a:spcPct val="100000"/>
       </a:lnSpc>
@@ -106,7 +106,7 @@
         <a:srgbClr val="000000"/>
       </a:buClr>
       <a:buFont typeface="Arial"/>
-      <a:defRPr b="0" i="0" sz="1400" u="none" cap="none" strike="noStrike">
+      <a:defRPr sz="1400" b="0" i="0" u="none" strike="noStrike" cap="none">
         <a:solidFill>
           <a:srgbClr val="000000"/>
         </a:solidFill>
@@ -116,7 +116,7 @@
         <a:sym typeface="Arial"/>
       </a:defRPr>
     </a:lvl3pPr>
-    <a:lvl4pPr lvl="3" marR="0" rtl="0" algn="l">
+    <a:lvl4pPr marR="0" lvl="3" algn="l" rtl="0">
       <a:lnSpc>
         <a:spcPct val="100000"/>
       </a:lnSpc>
@@ -130,7 +130,7 @@
         <a:srgbClr val="000000"/>
       </a:buClr>
       <a:buFont typeface="Arial"/>
-      <a:defRPr b="0" i="0" sz="1400" u="none" cap="none" strike="noStrike">
+      <a:defRPr sz="1400" b="0" i="0" u="none" strike="noStrike" cap="none">
         <a:solidFill>
           <a:srgbClr val="000000"/>
         </a:solidFill>
@@ -140,7 +140,7 @@
         <a:sym typeface="Arial"/>
       </a:defRPr>
     </a:lvl4pPr>
-    <a:lvl5pPr lvl="4" marR="0" rtl="0" algn="l">
+    <a:lvl5pPr marR="0" lvl="4" algn="l" rtl="0">
       <a:lnSpc>
         <a:spcPct val="100000"/>
       </a:lnSpc>
@@ -154,7 +154,7 @@
         <a:srgbClr val="000000"/>
       </a:buClr>
       <a:buFont typeface="Arial"/>
-      <a:defRPr b="0" i="0" sz="1400" u="none" cap="none" strike="noStrike">
+      <a:defRPr sz="1400" b="0" i="0" u="none" strike="noStrike" cap="none">
         <a:solidFill>
           <a:srgbClr val="000000"/>
         </a:solidFill>
@@ -164,7 +164,7 @@
         <a:sym typeface="Arial"/>
       </a:defRPr>
     </a:lvl5pPr>
-    <a:lvl6pPr lvl="5" marR="0" rtl="0" algn="l">
+    <a:lvl6pPr marR="0" lvl="5" algn="l" rtl="0">
       <a:lnSpc>
         <a:spcPct val="100000"/>
       </a:lnSpc>
@@ -178,7 +178,7 @@
         <a:srgbClr val="000000"/>
       </a:buClr>
       <a:buFont typeface="Arial"/>
-      <a:defRPr b="0" i="0" sz="1400" u="none" cap="none" strike="noStrike">
+      <a:defRPr sz="1400" b="0" i="0" u="none" strike="noStrike" cap="none">
         <a:solidFill>
           <a:srgbClr val="000000"/>
         </a:solidFill>
@@ -188,7 +188,7 @@
         <a:sym typeface="Arial"/>
       </a:defRPr>
     </a:lvl6pPr>
-    <a:lvl7pPr lvl="6" marR="0" rtl="0" algn="l">
+    <a:lvl7pPr marR="0" lvl="6" algn="l" rtl="0">
       <a:lnSpc>
         <a:spcPct val="100000"/>
       </a:lnSpc>
@@ -202,7 +202,7 @@
         <a:srgbClr val="000000"/>
       </a:buClr>
       <a:buFont typeface="Arial"/>
-      <a:defRPr b="0" i="0" sz="1400" u="none" cap="none" strike="noStrike">
+      <a:defRPr sz="1400" b="0" i="0" u="none" strike="noStrike" cap="none">
         <a:solidFill>
           <a:srgbClr val="000000"/>
         </a:solidFill>
@@ -212,7 +212,7 @@
         <a:sym typeface="Arial"/>
       </a:defRPr>
     </a:lvl7pPr>
-    <a:lvl8pPr lvl="7" marR="0" rtl="0" algn="l">
+    <a:lvl8pPr marR="0" lvl="7" algn="l" rtl="0">
       <a:lnSpc>
         <a:spcPct val="100000"/>
       </a:lnSpc>
@@ -226,7 +226,7 @@
         <a:srgbClr val="000000"/>
       </a:buClr>
       <a:buFont typeface="Arial"/>
-      <a:defRPr b="0" i="0" sz="1400" u="none" cap="none" strike="noStrike">
+      <a:defRPr sz="1400" b="0" i="0" u="none" strike="noStrike" cap="none">
         <a:solidFill>
           <a:srgbClr val="000000"/>
         </a:solidFill>
@@ -236,7 +236,7 @@
         <a:sym typeface="Arial"/>
       </a:defRPr>
     </a:lvl8pPr>
-    <a:lvl9pPr lvl="8" marR="0" rtl="0" algn="l">
+    <a:lvl9pPr marR="0" lvl="8" algn="l" rtl="0">
       <a:lnSpc>
         <a:spcPct val="100000"/>
       </a:lnSpc>
@@ -250,7 +250,7 @@
         <a:srgbClr val="000000"/>
       </a:buClr>
       <a:buFont typeface="Arial"/>
-      <a:defRPr b="0" i="0" sz="1400" u="none" cap="none" strike="noStrike">
+      <a:defRPr sz="1400" b="0" i="0" u="none" strike="noStrike" cap="none">
         <a:solidFill>
           <a:srgbClr val="000000"/>
         </a:solidFill>
@@ -263,7 +263,7 @@
   </p:defaultTextStyle>
   <p:extLst>
     <p:ext uri="{EFAFB233-063F-42B5-8137-9DF3F51BA10A}">
-      <p15:sldGuideLst>
+      <p15:sldGuideLst xmlns:p15="http://schemas.microsoft.com/office/powerpoint/2012/main">
         <p15:guide id="1" orient="horz" pos="1620">
           <p15:clr>
             <a:srgbClr val="A4A3A4"/>
@@ -281,14 +281,14 @@
 </file>
 
 <file path=ppt/commentAuthors.xml><?xml version="1.0" encoding="utf-8"?>
-<p:cmAuthorLst xmlns:a="http://schemas.openxmlformats.org/drawingml/2006/main" xmlns:r="http://schemas.openxmlformats.org/officeDocument/2006/relationships" xmlns:mc="http://schemas.openxmlformats.org/markup-compatibility/2006" xmlns:mv="urn:schemas-microsoft-com:mac:vml" xmlns:p="http://schemas.openxmlformats.org/presentationml/2006/main" xmlns:c="http://schemas.openxmlformats.org/drawingml/2006/chart" xmlns:dgm="http://schemas.openxmlformats.org/drawingml/2006/diagram" xmlns:o="urn:schemas-microsoft-com:office:office" xmlns:v="urn:schemas-microsoft-com:vml" xmlns:pvml="urn:schemas-microsoft-com:office:powerpoint" xmlns:com="http://schemas.openxmlformats.org/drawingml/2006/compatibility" xmlns:p14="http://schemas.microsoft.com/office/powerpoint/2010/main" xmlns:p15="http://schemas.microsoft.com/office/powerpoint/2012/main" xmlns:ahyp="http://schemas.microsoft.com/office/drawing/2018/hyperlinkcolor">
-  <p:cmAuthor clrIdx="0" id="0" initials="" lastIdx="1" name="Анастасия Катаева"/>
+<p:cmAuthorLst xmlns:a="http://schemas.openxmlformats.org/drawingml/2006/main" xmlns:r="http://schemas.openxmlformats.org/officeDocument/2006/relationships" xmlns:p="http://schemas.openxmlformats.org/presentationml/2006/main">
+  <p:cmAuthor id="0" name="Анастасия Катаева" initials="" lastIdx="1" clrIdx="0"/>
 </p:cmAuthorLst>
 </file>
 
 <file path=ppt/comments/comment1.xml><?xml version="1.0" encoding="utf-8"?>
-<p:cmLst xmlns:a="http://schemas.openxmlformats.org/drawingml/2006/main" xmlns:r="http://schemas.openxmlformats.org/officeDocument/2006/relationships" xmlns:mc="http://schemas.openxmlformats.org/markup-compatibility/2006" xmlns:mv="urn:schemas-microsoft-com:mac:vml" xmlns:p="http://schemas.openxmlformats.org/presentationml/2006/main" xmlns:c="http://schemas.openxmlformats.org/drawingml/2006/chart" xmlns:dgm="http://schemas.openxmlformats.org/drawingml/2006/diagram" xmlns:o="urn:schemas-microsoft-com:office:office" xmlns:v="urn:schemas-microsoft-com:vml" xmlns:pvml="urn:schemas-microsoft-com:office:powerpoint" xmlns:com="http://schemas.openxmlformats.org/drawingml/2006/compatibility" xmlns:p14="http://schemas.microsoft.com/office/powerpoint/2010/main" xmlns:p15="http://schemas.microsoft.com/office/powerpoint/2012/main" xmlns:ahyp="http://schemas.microsoft.com/office/drawing/2018/hyperlinkcolor">
-  <p:cm authorId="0" idx="1" dt="2022-10-16T12:26:46.123">
+<p:cmLst xmlns:a="http://schemas.openxmlformats.org/drawingml/2006/main" xmlns:r="http://schemas.openxmlformats.org/officeDocument/2006/relationships" xmlns:p="http://schemas.openxmlformats.org/presentationml/2006/main">
+  <p:cm authorId="0" dt="2022-10-16T12:26:46.123" idx="1">
     <p:pos x="196" y="725"/>
     <p:text>хз че тут написать</p:text>
   </p:cm>
@@ -296,11 +296,16 @@
 </file>
 
 <file path=ppt/notesMasters/notesMaster1.xml><?xml version="1.0" encoding="utf-8"?>
-<p:notesMaster xmlns:a="http://schemas.openxmlformats.org/drawingml/2006/main" xmlns:r="http://schemas.openxmlformats.org/officeDocument/2006/relationships" xmlns:mc="http://schemas.openxmlformats.org/markup-compatibility/2006" xmlns:mv="urn:schemas-microsoft-com:mac:vml" xmlns:p="http://schemas.openxmlformats.org/presentationml/2006/main" xmlns:c="http://schemas.openxmlformats.org/drawingml/2006/chart" xmlns:dgm="http://schemas.openxmlformats.org/drawingml/2006/diagram" xmlns:o="urn:schemas-microsoft-com:office:office" xmlns:v="urn:schemas-microsoft-com:vml" xmlns:pvml="urn:schemas-microsoft-com:office:powerpoint" xmlns:com="http://schemas.openxmlformats.org/drawingml/2006/compatibility" xmlns:p14="http://schemas.microsoft.com/office/powerpoint/2010/main" xmlns:p15="http://schemas.microsoft.com/office/powerpoint/2012/main" xmlns:ahyp="http://schemas.microsoft.com/office/drawing/2018/hyperlinkcolor">
+<p:notesMaster xmlns:a="http://schemas.openxmlformats.org/drawingml/2006/main" xmlns:r="http://schemas.openxmlformats.org/officeDocument/2006/relationships" xmlns:p="http://schemas.openxmlformats.org/presentationml/2006/main">
   <p:cSld>
+    <p:bg>
+      <p:bgRef idx="1001">
+        <a:schemeClr val="bg1"/>
+      </p:bgRef>
+    </p:bg>
     <p:spTree>
       <p:nvGrpSpPr>
-        <p:cNvPr id="2" name="Shape 2"/>
+        <p:cNvPr id="1" name="Shape 2"/>
         <p:cNvGrpSpPr/>
         <p:nvPr/>
       </p:nvGrpSpPr>
@@ -315,9 +320,11 @@
       <p:sp>
         <p:nvSpPr>
           <p:cNvPr id="3" name="Google Shape;3;n"/>
-          <p:cNvSpPr/>
+          <p:cNvSpPr>
+            <a:spLocks noGrp="1" noRot="1" noChangeAspect="1"/>
+          </p:cNvSpPr>
           <p:nvPr>
-            <p:ph idx="2" type="sldImg"/>
+            <p:ph type="sldImg" idx="2"/>
           </p:nvPr>
         </p:nvSpPr>
         <p:spPr>
@@ -326,9 +333,13 @@
             <a:ext cx="6096075" cy="3429000"/>
           </a:xfrm>
           <a:custGeom>
-            <a:rect b="b" l="l" r="r" t="t"/>
+            <a:avLst/>
+            <a:gdLst/>
+            <a:ahLst/>
+            <a:cxnLst/>
+            <a:rect l="l" t="t" r="r" b="b"/>
             <a:pathLst>
-              <a:path extrusionOk="0" h="120000" w="120000">
+              <a:path w="120000" h="120000" extrusionOk="0">
                 <a:moveTo>
                   <a:pt x="0" y="0"/>
                 </a:moveTo>
@@ -346,23 +357,25 @@
             </a:pathLst>
           </a:custGeom>
           <a:noFill/>
-          <a:ln cap="flat" cmpd="sng" w="9525">
+          <a:ln w="9525" cap="flat" cmpd="sng">
             <a:solidFill>
               <a:srgbClr val="000000"/>
             </a:solidFill>
             <a:prstDash val="solid"/>
             <a:round/>
-            <a:headEnd len="sm" w="sm" type="none"/>
-            <a:tailEnd len="sm" w="sm" type="none"/>
+            <a:headEnd type="none" w="sm" len="sm"/>
+            <a:tailEnd type="none" w="sm" len="sm"/>
           </a:ln>
         </p:spPr>
       </p:sp>
       <p:sp>
         <p:nvSpPr>
           <p:cNvPr id="4" name="Google Shape;4;n"/>
-          <p:cNvSpPr txBox="1"/>
+          <p:cNvSpPr txBox="1">
+            <a:spLocks noGrp="1"/>
+          </p:cNvSpPr>
           <p:nvPr>
-            <p:ph idx="1" type="body"/>
+            <p:ph type="body" idx="1"/>
           </p:nvPr>
         </p:nvSpPr>
         <p:spPr>
@@ -379,11 +392,11 @@
           </a:ln>
         </p:spPr>
         <p:txBody>
-          <a:bodyPr anchorCtr="0" anchor="t" bIns="91425" lIns="91425" spcFirstLastPara="1" rIns="91425" wrap="square" tIns="91425">
+          <a:bodyPr spcFirstLastPara="1" wrap="square" lIns="91425" tIns="91425" rIns="91425" bIns="91425" anchor="t" anchorCtr="0">
             <a:noAutofit/>
           </a:bodyPr>
           <a:lstStyle>
-            <a:lvl1pPr indent="-298450" lvl="0" marL="457200">
+            <a:lvl1pPr marL="457200" lvl="0" indent="-298450">
               <a:spcBef>
                 <a:spcPts val="0"/>
               </a:spcBef>
@@ -394,7 +407,7 @@
               <a:buChar char="●"/>
               <a:defRPr sz="1100"/>
             </a:lvl1pPr>
-            <a:lvl2pPr indent="-298450" lvl="1" marL="914400">
+            <a:lvl2pPr marL="914400" lvl="1" indent="-298450">
               <a:spcBef>
                 <a:spcPts val="0"/>
               </a:spcBef>
@@ -405,7 +418,7 @@
               <a:buChar char="○"/>
               <a:defRPr sz="1100"/>
             </a:lvl2pPr>
-            <a:lvl3pPr indent="-298450" lvl="2" marL="1371600">
+            <a:lvl3pPr marL="1371600" lvl="2" indent="-298450">
               <a:spcBef>
                 <a:spcPts val="0"/>
               </a:spcBef>
@@ -416,7 +429,7 @@
               <a:buChar char="■"/>
               <a:defRPr sz="1100"/>
             </a:lvl3pPr>
-            <a:lvl4pPr indent="-298450" lvl="3" marL="1828800">
+            <a:lvl4pPr marL="1828800" lvl="3" indent="-298450">
               <a:spcBef>
                 <a:spcPts val="0"/>
               </a:spcBef>
@@ -427,7 +440,7 @@
               <a:buChar char="●"/>
               <a:defRPr sz="1100"/>
             </a:lvl4pPr>
-            <a:lvl5pPr indent="-298450" lvl="4" marL="2286000">
+            <a:lvl5pPr marL="2286000" lvl="4" indent="-298450">
               <a:spcBef>
                 <a:spcPts val="0"/>
               </a:spcBef>
@@ -438,7 +451,7 @@
               <a:buChar char="○"/>
               <a:defRPr sz="1100"/>
             </a:lvl5pPr>
-            <a:lvl6pPr indent="-298450" lvl="5" marL="2743200">
+            <a:lvl6pPr marL="2743200" lvl="5" indent="-298450">
               <a:spcBef>
                 <a:spcPts val="0"/>
               </a:spcBef>
@@ -449,7 +462,7 @@
               <a:buChar char="■"/>
               <a:defRPr sz="1100"/>
             </a:lvl6pPr>
-            <a:lvl7pPr indent="-298450" lvl="6" marL="3200400">
+            <a:lvl7pPr marL="3200400" lvl="6" indent="-298450">
               <a:spcBef>
                 <a:spcPts val="0"/>
               </a:spcBef>
@@ -460,7 +473,7 @@
               <a:buChar char="●"/>
               <a:defRPr sz="1100"/>
             </a:lvl7pPr>
-            <a:lvl8pPr indent="-298450" lvl="7" marL="3657600">
+            <a:lvl8pPr marL="3657600" lvl="7" indent="-298450">
               <a:spcBef>
                 <a:spcPts val="0"/>
               </a:spcBef>
@@ -471,7 +484,7 @@
               <a:buChar char="○"/>
               <a:defRPr sz="1100"/>
             </a:lvl8pPr>
-            <a:lvl9pPr indent="-298450" lvl="8" marL="4114800">
+            <a:lvl9pPr marL="4114800" lvl="8" indent="-298450">
               <a:spcBef>
                 <a:spcPts val="0"/>
               </a:spcBef>
@@ -483,14 +496,16 @@
               <a:defRPr sz="1100"/>
             </a:lvl9pPr>
           </a:lstStyle>
-          <a:p/>
+          <a:p>
+            <a:endParaRPr/>
+          </a:p>
         </p:txBody>
       </p:sp>
     </p:spTree>
   </p:cSld>
-  <p:clrMap accent1="accent1" accent2="accent2" accent3="accent3" accent4="accent4" accent5="accent5" accent6="accent6" bg1="lt1" bg2="dk2" tx1="dk1" tx2="lt2" folHlink="folHlink" hlink="hlink"/>
+  <p:clrMap bg1="lt1" tx1="dk1" bg2="dk2" tx2="lt2" accent1="accent1" accent2="accent2" accent3="accent3" accent4="accent4" accent5="accent5" accent6="accent6" hlink="hlink" folHlink="folHlink"/>
   <p:notesStyle>
-    <a:defPPr lvl="0" marR="0" rtl="0" algn="l">
+    <a:defPPr marR="0" lvl="0" algn="l" rtl="0">
       <a:lnSpc>
         <a:spcPct val="100000"/>
       </a:lnSpc>
@@ -501,7 +516,7 @@
         <a:spcPts val="0"/>
       </a:spcAft>
     </a:defPPr>
-    <a:lvl1pPr lvl="0" marR="0" rtl="0" algn="l">
+    <a:lvl1pPr marR="0" lvl="0" algn="l" rtl="0">
       <a:lnSpc>
         <a:spcPct val="100000"/>
       </a:lnSpc>
@@ -515,7 +530,7 @@
         <a:srgbClr val="000000"/>
       </a:buClr>
       <a:buFont typeface="Arial"/>
-      <a:defRPr b="0" i="0" sz="1400" u="none" cap="none" strike="noStrike">
+      <a:defRPr sz="1400" b="0" i="0" u="none" strike="noStrike" cap="none">
         <a:solidFill>
           <a:srgbClr val="000000"/>
         </a:solidFill>
@@ -525,7 +540,7 @@
         <a:sym typeface="Arial"/>
       </a:defRPr>
     </a:lvl1pPr>
-    <a:lvl2pPr lvl="1" marR="0" rtl="0" algn="l">
+    <a:lvl2pPr marR="0" lvl="1" algn="l" rtl="0">
       <a:lnSpc>
         <a:spcPct val="100000"/>
       </a:lnSpc>
@@ -539,7 +554,7 @@
         <a:srgbClr val="000000"/>
       </a:buClr>
       <a:buFont typeface="Arial"/>
-      <a:defRPr b="0" i="0" sz="1400" u="none" cap="none" strike="noStrike">
+      <a:defRPr sz="1400" b="0" i="0" u="none" strike="noStrike" cap="none">
         <a:solidFill>
           <a:srgbClr val="000000"/>
         </a:solidFill>
@@ -549,7 +564,7 @@
         <a:sym typeface="Arial"/>
       </a:defRPr>
     </a:lvl2pPr>
-    <a:lvl3pPr lvl="2" marR="0" rtl="0" algn="l">
+    <a:lvl3pPr marR="0" lvl="2" algn="l" rtl="0">
       <a:lnSpc>
         <a:spcPct val="100000"/>
       </a:lnSpc>
@@ -563,7 +578,7 @@
         <a:srgbClr val="000000"/>
       </a:buClr>
       <a:buFont typeface="Arial"/>
-      <a:defRPr b="0" i="0" sz="1400" u="none" cap="none" strike="noStrike">
+      <a:defRPr sz="1400" b="0" i="0" u="none" strike="noStrike" cap="none">
         <a:solidFill>
           <a:srgbClr val="000000"/>
         </a:solidFill>
@@ -573,7 +588,7 @@
         <a:sym typeface="Arial"/>
       </a:defRPr>
     </a:lvl3pPr>
-    <a:lvl4pPr lvl="3" marR="0" rtl="0" algn="l">
+    <a:lvl4pPr marR="0" lvl="3" algn="l" rtl="0">
       <a:lnSpc>
         <a:spcPct val="100000"/>
       </a:lnSpc>
@@ -587,7 +602,7 @@
         <a:srgbClr val="000000"/>
       </a:buClr>
       <a:buFont typeface="Arial"/>
-      <a:defRPr b="0" i="0" sz="1400" u="none" cap="none" strike="noStrike">
+      <a:defRPr sz="1400" b="0" i="0" u="none" strike="noStrike" cap="none">
         <a:solidFill>
           <a:srgbClr val="000000"/>
         </a:solidFill>
@@ -597,7 +612,7 @@
         <a:sym typeface="Arial"/>
       </a:defRPr>
     </a:lvl4pPr>
-    <a:lvl5pPr lvl="4" marR="0" rtl="0" algn="l">
+    <a:lvl5pPr marR="0" lvl="4" algn="l" rtl="0">
       <a:lnSpc>
         <a:spcPct val="100000"/>
       </a:lnSpc>
@@ -611,7 +626,7 @@
         <a:srgbClr val="000000"/>
       </a:buClr>
       <a:buFont typeface="Arial"/>
-      <a:defRPr b="0" i="0" sz="1400" u="none" cap="none" strike="noStrike">
+      <a:defRPr sz="1400" b="0" i="0" u="none" strike="noStrike" cap="none">
         <a:solidFill>
           <a:srgbClr val="000000"/>
         </a:solidFill>
@@ -621,7 +636,7 @@
         <a:sym typeface="Arial"/>
       </a:defRPr>
     </a:lvl5pPr>
-    <a:lvl6pPr lvl="5" marR="0" rtl="0" algn="l">
+    <a:lvl6pPr marR="0" lvl="5" algn="l" rtl="0">
       <a:lnSpc>
         <a:spcPct val="100000"/>
       </a:lnSpc>
@@ -635,7 +650,7 @@
         <a:srgbClr val="000000"/>
       </a:buClr>
       <a:buFont typeface="Arial"/>
-      <a:defRPr b="0" i="0" sz="1400" u="none" cap="none" strike="noStrike">
+      <a:defRPr sz="1400" b="0" i="0" u="none" strike="noStrike" cap="none">
         <a:solidFill>
           <a:srgbClr val="000000"/>
         </a:solidFill>
@@ -645,7 +660,7 @@
         <a:sym typeface="Arial"/>
       </a:defRPr>
     </a:lvl6pPr>
-    <a:lvl7pPr lvl="6" marR="0" rtl="0" algn="l">
+    <a:lvl7pPr marR="0" lvl="6" algn="l" rtl="0">
       <a:lnSpc>
         <a:spcPct val="100000"/>
       </a:lnSpc>
@@ -659,7 +674,7 @@
         <a:srgbClr val="000000"/>
       </a:buClr>
       <a:buFont typeface="Arial"/>
-      <a:defRPr b="0" i="0" sz="1400" u="none" cap="none" strike="noStrike">
+      <a:defRPr sz="1400" b="0" i="0" u="none" strike="noStrike" cap="none">
         <a:solidFill>
           <a:srgbClr val="000000"/>
         </a:solidFill>
@@ -669,7 +684,7 @@
         <a:sym typeface="Arial"/>
       </a:defRPr>
     </a:lvl7pPr>
-    <a:lvl8pPr lvl="7" marR="0" rtl="0" algn="l">
+    <a:lvl8pPr marR="0" lvl="7" algn="l" rtl="0">
       <a:lnSpc>
         <a:spcPct val="100000"/>
       </a:lnSpc>
@@ -683,7 +698,7 @@
         <a:srgbClr val="000000"/>
       </a:buClr>
       <a:buFont typeface="Arial"/>
-      <a:defRPr b="0" i="0" sz="1400" u="none" cap="none" strike="noStrike">
+      <a:defRPr sz="1400" b="0" i="0" u="none" strike="noStrike" cap="none">
         <a:solidFill>
           <a:srgbClr val="000000"/>
         </a:solidFill>
@@ -693,7 +708,7 @@
         <a:sym typeface="Arial"/>
       </a:defRPr>
     </a:lvl8pPr>
-    <a:lvl9pPr lvl="8" marR="0" rtl="0" algn="l">
+    <a:lvl9pPr marR="0" lvl="8" algn="l" rtl="0">
       <a:lnSpc>
         <a:spcPct val="100000"/>
       </a:lnSpc>
@@ -707,7 +722,7 @@
         <a:srgbClr val="000000"/>
       </a:buClr>
       <a:buFont typeface="Arial"/>
-      <a:defRPr b="0" i="0" sz="1400" u="none" cap="none" strike="noStrike">
+      <a:defRPr sz="1400" b="0" i="0" u="none" strike="noStrike" cap="none">
         <a:solidFill>
           <a:srgbClr val="000000"/>
         </a:solidFill>
@@ -722,11 +737,11 @@
 </file>
 
 <file path=ppt/notesSlides/notesSlide1.xml><?xml version="1.0" encoding="utf-8"?>
-<p:notes xmlns:a="http://schemas.openxmlformats.org/drawingml/2006/main" xmlns:r="http://schemas.openxmlformats.org/officeDocument/2006/relationships" xmlns:mc="http://schemas.openxmlformats.org/markup-compatibility/2006" xmlns:mv="urn:schemas-microsoft-com:mac:vml" xmlns:p="http://schemas.openxmlformats.org/presentationml/2006/main" xmlns:c="http://schemas.openxmlformats.org/drawingml/2006/chart" xmlns:dgm="http://schemas.openxmlformats.org/drawingml/2006/diagram" xmlns:o="urn:schemas-microsoft-com:office:office" xmlns:v="urn:schemas-microsoft-com:vml" xmlns:pvml="urn:schemas-microsoft-com:office:powerpoint" xmlns:com="http://schemas.openxmlformats.org/drawingml/2006/compatibility" xmlns:p14="http://schemas.microsoft.com/office/powerpoint/2010/main" xmlns:p15="http://schemas.microsoft.com/office/powerpoint/2012/main" xmlns:ahyp="http://schemas.microsoft.com/office/drawing/2018/hyperlinkcolor" showMasterPhAnim="0" showMasterSp="0">
+<p:notes xmlns:a="http://schemas.openxmlformats.org/drawingml/2006/main" xmlns:r="http://schemas.openxmlformats.org/officeDocument/2006/relationships" xmlns:p="http://schemas.openxmlformats.org/presentationml/2006/main" showMasterSp="0" showMasterPhAnim="0">
   <p:cSld>
     <p:spTree>
       <p:nvGrpSpPr>
-        <p:cNvPr id="50" name="Shape 50"/>
+        <p:cNvPr id="1" name="Shape 50"/>
         <p:cNvGrpSpPr/>
         <p:nvPr/>
       </p:nvGrpSpPr>
@@ -741,20 +756,26 @@
       <p:sp>
         <p:nvSpPr>
           <p:cNvPr id="51" name="Google Shape;51;p:notes"/>
-          <p:cNvSpPr/>
+          <p:cNvSpPr>
+            <a:spLocks noGrp="1" noRot="1" noChangeAspect="1"/>
+          </p:cNvSpPr>
           <p:nvPr>
-            <p:ph idx="2" type="sldImg"/>
+            <p:ph type="sldImg" idx="2"/>
           </p:nvPr>
         </p:nvSpPr>
         <p:spPr>
           <a:xfrm>
-            <a:off x="381300" y="685800"/>
-            <a:ext cx="6096075" cy="3429000"/>
+            <a:off x="381000" y="685800"/>
+            <a:ext cx="6096000" cy="3429000"/>
           </a:xfrm>
           <a:custGeom>
-            <a:rect b="b" l="l" r="r" t="t"/>
+            <a:avLst/>
+            <a:gdLst/>
+            <a:ahLst/>
+            <a:cxnLst/>
+            <a:rect l="l" t="t" r="r" b="b"/>
             <a:pathLst>
-              <a:path extrusionOk="0" h="120000" w="120000">
+              <a:path w="120000" h="120000" extrusionOk="0">
                 <a:moveTo>
                   <a:pt x="0" y="0"/>
                 </a:moveTo>
@@ -776,9 +797,11 @@
       <p:sp>
         <p:nvSpPr>
           <p:cNvPr id="52" name="Google Shape;52;p:notes"/>
-          <p:cNvSpPr txBox="1"/>
+          <p:cNvSpPr txBox="1">
+            <a:spLocks noGrp="1"/>
+          </p:cNvSpPr>
           <p:nvPr>
-            <p:ph idx="1" type="body"/>
+            <p:ph type="body" idx="1"/>
           </p:nvPr>
         </p:nvSpPr>
         <p:spPr>
@@ -791,12 +814,12 @@
           </a:prstGeom>
         </p:spPr>
         <p:txBody>
-          <a:bodyPr anchorCtr="0" anchor="t" bIns="91425" lIns="91425" spcFirstLastPara="1" rIns="91425" wrap="square" tIns="91425">
+          <a:bodyPr spcFirstLastPara="1" wrap="square" lIns="91425" tIns="91425" rIns="91425" bIns="91425" anchor="t" anchorCtr="0">
             <a:noAutofit/>
           </a:bodyPr>
           <a:lstStyle/>
           <a:p>
-            <a:pPr indent="0" lvl="0" marL="0" rtl="0" algn="l">
+            <a:pPr marL="0" lvl="0" indent="0" algn="l" rtl="0">
               <a:spcBef>
                 <a:spcPts val="0"/>
               </a:spcBef>
@@ -805,9 +828,6 @@
               </a:spcAft>
               <a:buNone/>
             </a:pPr>
-            <a:r>
-              <a:t/>
-            </a:r>
             <a:endParaRPr/>
           </a:p>
         </p:txBody>
@@ -821,11 +841,11 @@
 </file>
 
 <file path=ppt/notesSlides/notesSlide10.xml><?xml version="1.0" encoding="utf-8"?>
-<p:notes xmlns:a="http://schemas.openxmlformats.org/drawingml/2006/main" xmlns:r="http://schemas.openxmlformats.org/officeDocument/2006/relationships" xmlns:mc="http://schemas.openxmlformats.org/markup-compatibility/2006" xmlns:mv="urn:schemas-microsoft-com:mac:vml" xmlns:p="http://schemas.openxmlformats.org/presentationml/2006/main" xmlns:c="http://schemas.openxmlformats.org/drawingml/2006/chart" xmlns:dgm="http://schemas.openxmlformats.org/drawingml/2006/diagram" xmlns:o="urn:schemas-microsoft-com:office:office" xmlns:v="urn:schemas-microsoft-com:vml" xmlns:pvml="urn:schemas-microsoft-com:office:powerpoint" xmlns:com="http://schemas.openxmlformats.org/drawingml/2006/compatibility" xmlns:p14="http://schemas.microsoft.com/office/powerpoint/2010/main" xmlns:p15="http://schemas.microsoft.com/office/powerpoint/2012/main" xmlns:ahyp="http://schemas.microsoft.com/office/drawing/2018/hyperlinkcolor" showMasterPhAnim="0" showMasterSp="0">
+<p:notes xmlns:a="http://schemas.openxmlformats.org/drawingml/2006/main" xmlns:r="http://schemas.openxmlformats.org/officeDocument/2006/relationships" xmlns:p="http://schemas.openxmlformats.org/presentationml/2006/main" showMasterSp="0" showMasterPhAnim="0">
   <p:cSld>
     <p:spTree>
       <p:nvGrpSpPr>
-        <p:cNvPr id="119" name="Shape 119"/>
+        <p:cNvPr id="1" name="Shape 119"/>
         <p:cNvGrpSpPr/>
         <p:nvPr/>
       </p:nvGrpSpPr>
@@ -840,20 +860,26 @@
       <p:sp>
         <p:nvSpPr>
           <p:cNvPr id="120" name="Google Shape;120;g169ef84d77d_0_59:notes"/>
-          <p:cNvSpPr/>
+          <p:cNvSpPr>
+            <a:spLocks noGrp="1" noRot="1" noChangeAspect="1"/>
+          </p:cNvSpPr>
           <p:nvPr>
-            <p:ph idx="2" type="sldImg"/>
+            <p:ph type="sldImg" idx="2"/>
           </p:nvPr>
         </p:nvSpPr>
         <p:spPr>
           <a:xfrm>
-            <a:off x="381300" y="685800"/>
+            <a:off x="381000" y="685800"/>
             <a:ext cx="6096000" cy="3429000"/>
           </a:xfrm>
           <a:custGeom>
-            <a:rect b="b" l="l" r="r" t="t"/>
+            <a:avLst/>
+            <a:gdLst/>
+            <a:ahLst/>
+            <a:cxnLst/>
+            <a:rect l="l" t="t" r="r" b="b"/>
             <a:pathLst>
-              <a:path extrusionOk="0" h="120000" w="120000">
+              <a:path w="120000" h="120000" extrusionOk="0">
                 <a:moveTo>
                   <a:pt x="0" y="0"/>
                 </a:moveTo>
@@ -875,9 +901,11 @@
       <p:sp>
         <p:nvSpPr>
           <p:cNvPr id="121" name="Google Shape;121;g169ef84d77d_0_59:notes"/>
-          <p:cNvSpPr txBox="1"/>
+          <p:cNvSpPr txBox="1">
+            <a:spLocks noGrp="1"/>
+          </p:cNvSpPr>
           <p:nvPr>
-            <p:ph idx="1" type="body"/>
+            <p:ph type="body" idx="1"/>
           </p:nvPr>
         </p:nvSpPr>
         <p:spPr>
@@ -890,12 +918,12 @@
           </a:prstGeom>
         </p:spPr>
         <p:txBody>
-          <a:bodyPr anchorCtr="0" anchor="t" bIns="91425" lIns="91425" spcFirstLastPara="1" rIns="91425" wrap="square" tIns="91425">
+          <a:bodyPr spcFirstLastPara="1" wrap="square" lIns="91425" tIns="91425" rIns="91425" bIns="91425" anchor="t" anchorCtr="0">
             <a:noAutofit/>
           </a:bodyPr>
           <a:lstStyle/>
           <a:p>
-            <a:pPr indent="0" lvl="0" marL="0" rtl="0" algn="l">
+            <a:pPr marL="0" lvl="0" indent="0" algn="l" rtl="0">
               <a:spcBef>
                 <a:spcPts val="0"/>
               </a:spcBef>
@@ -904,9 +932,6 @@
               </a:spcAft>
               <a:buNone/>
             </a:pPr>
-            <a:r>
-              <a:t/>
-            </a:r>
             <a:endParaRPr/>
           </a:p>
         </p:txBody>
@@ -920,11 +945,11 @@
 </file>
 
 <file path=ppt/notesSlides/notesSlide11.xml><?xml version="1.0" encoding="utf-8"?>
-<p:notes xmlns:a="http://schemas.openxmlformats.org/drawingml/2006/main" xmlns:r="http://schemas.openxmlformats.org/officeDocument/2006/relationships" xmlns:mc="http://schemas.openxmlformats.org/markup-compatibility/2006" xmlns:mv="urn:schemas-microsoft-com:mac:vml" xmlns:p="http://schemas.openxmlformats.org/presentationml/2006/main" xmlns:c="http://schemas.openxmlformats.org/drawingml/2006/chart" xmlns:dgm="http://schemas.openxmlformats.org/drawingml/2006/diagram" xmlns:o="urn:schemas-microsoft-com:office:office" xmlns:v="urn:schemas-microsoft-com:vml" xmlns:pvml="urn:schemas-microsoft-com:office:powerpoint" xmlns:com="http://schemas.openxmlformats.org/drawingml/2006/compatibility" xmlns:p14="http://schemas.microsoft.com/office/powerpoint/2010/main" xmlns:p15="http://schemas.microsoft.com/office/powerpoint/2012/main" xmlns:ahyp="http://schemas.microsoft.com/office/drawing/2018/hyperlinkcolor" showMasterPhAnim="0" showMasterSp="0">
+<p:notes xmlns:a="http://schemas.openxmlformats.org/drawingml/2006/main" xmlns:r="http://schemas.openxmlformats.org/officeDocument/2006/relationships" xmlns:p="http://schemas.openxmlformats.org/presentationml/2006/main" showMasterSp="0" showMasterPhAnim="0">
   <p:cSld>
     <p:spTree>
       <p:nvGrpSpPr>
-        <p:cNvPr id="127" name="Shape 127"/>
+        <p:cNvPr id="1" name="Shape 127"/>
         <p:cNvGrpSpPr/>
         <p:nvPr/>
       </p:nvGrpSpPr>
@@ -939,20 +964,26 @@
       <p:sp>
         <p:nvSpPr>
           <p:cNvPr id="128" name="Google Shape;128;g169ef84d77d_0_66:notes"/>
-          <p:cNvSpPr/>
+          <p:cNvSpPr>
+            <a:spLocks noGrp="1" noRot="1" noChangeAspect="1"/>
+          </p:cNvSpPr>
           <p:nvPr>
-            <p:ph idx="2" type="sldImg"/>
+            <p:ph type="sldImg" idx="2"/>
           </p:nvPr>
         </p:nvSpPr>
         <p:spPr>
           <a:xfrm>
-            <a:off x="381300" y="685800"/>
+            <a:off x="381000" y="685800"/>
             <a:ext cx="6096000" cy="3429000"/>
           </a:xfrm>
           <a:custGeom>
-            <a:rect b="b" l="l" r="r" t="t"/>
+            <a:avLst/>
+            <a:gdLst/>
+            <a:ahLst/>
+            <a:cxnLst/>
+            <a:rect l="l" t="t" r="r" b="b"/>
             <a:pathLst>
-              <a:path extrusionOk="0" h="120000" w="120000">
+              <a:path w="120000" h="120000" extrusionOk="0">
                 <a:moveTo>
                   <a:pt x="0" y="0"/>
                 </a:moveTo>
@@ -974,9 +1005,11 @@
       <p:sp>
         <p:nvSpPr>
           <p:cNvPr id="129" name="Google Shape;129;g169ef84d77d_0_66:notes"/>
-          <p:cNvSpPr txBox="1"/>
+          <p:cNvSpPr txBox="1">
+            <a:spLocks noGrp="1"/>
+          </p:cNvSpPr>
           <p:nvPr>
-            <p:ph idx="1" type="body"/>
+            <p:ph type="body" idx="1"/>
           </p:nvPr>
         </p:nvSpPr>
         <p:spPr>
@@ -989,12 +1022,12 @@
           </a:prstGeom>
         </p:spPr>
         <p:txBody>
-          <a:bodyPr anchorCtr="0" anchor="t" bIns="91425" lIns="91425" spcFirstLastPara="1" rIns="91425" wrap="square" tIns="91425">
+          <a:bodyPr spcFirstLastPara="1" wrap="square" lIns="91425" tIns="91425" rIns="91425" bIns="91425" anchor="t" anchorCtr="0">
             <a:noAutofit/>
           </a:bodyPr>
           <a:lstStyle/>
           <a:p>
-            <a:pPr indent="0" lvl="0" marL="0" rtl="0" algn="l">
+            <a:pPr marL="0" lvl="0" indent="0" algn="l" rtl="0">
               <a:spcBef>
                 <a:spcPts val="0"/>
               </a:spcBef>
@@ -1003,9 +1036,6 @@
               </a:spcAft>
               <a:buNone/>
             </a:pPr>
-            <a:r>
-              <a:t/>
-            </a:r>
             <a:endParaRPr/>
           </a:p>
         </p:txBody>
@@ -1019,11 +1049,11 @@
 </file>
 
 <file path=ppt/notesSlides/notesSlide12.xml><?xml version="1.0" encoding="utf-8"?>
-<p:notes xmlns:a="http://schemas.openxmlformats.org/drawingml/2006/main" xmlns:r="http://schemas.openxmlformats.org/officeDocument/2006/relationships" xmlns:mc="http://schemas.openxmlformats.org/markup-compatibility/2006" xmlns:mv="urn:schemas-microsoft-com:mac:vml" xmlns:p="http://schemas.openxmlformats.org/presentationml/2006/main" xmlns:c="http://schemas.openxmlformats.org/drawingml/2006/chart" xmlns:dgm="http://schemas.openxmlformats.org/drawingml/2006/diagram" xmlns:o="urn:schemas-microsoft-com:office:office" xmlns:v="urn:schemas-microsoft-com:vml" xmlns:pvml="urn:schemas-microsoft-com:office:powerpoint" xmlns:com="http://schemas.openxmlformats.org/drawingml/2006/compatibility" xmlns:p14="http://schemas.microsoft.com/office/powerpoint/2010/main" xmlns:p15="http://schemas.microsoft.com/office/powerpoint/2012/main" xmlns:ahyp="http://schemas.microsoft.com/office/drawing/2018/hyperlinkcolor" showMasterPhAnim="0" showMasterSp="0">
+<p:notes xmlns:a="http://schemas.openxmlformats.org/drawingml/2006/main" xmlns:r="http://schemas.openxmlformats.org/officeDocument/2006/relationships" xmlns:p="http://schemas.openxmlformats.org/presentationml/2006/main" showMasterSp="0" showMasterPhAnim="0">
   <p:cSld>
     <p:spTree>
       <p:nvGrpSpPr>
-        <p:cNvPr id="137" name="Shape 137"/>
+        <p:cNvPr id="1" name="Shape 137"/>
         <p:cNvGrpSpPr/>
         <p:nvPr/>
       </p:nvGrpSpPr>
@@ -1038,20 +1068,26 @@
       <p:sp>
         <p:nvSpPr>
           <p:cNvPr id="138" name="Google Shape;138;g16a1677a01b_0_4:notes"/>
-          <p:cNvSpPr/>
+          <p:cNvSpPr>
+            <a:spLocks noGrp="1" noRot="1" noChangeAspect="1"/>
+          </p:cNvSpPr>
           <p:nvPr>
-            <p:ph idx="2" type="sldImg"/>
+            <p:ph type="sldImg" idx="2"/>
           </p:nvPr>
         </p:nvSpPr>
         <p:spPr>
           <a:xfrm>
-            <a:off x="381300" y="685800"/>
+            <a:off x="381000" y="685800"/>
             <a:ext cx="6096000" cy="3429000"/>
           </a:xfrm>
           <a:custGeom>
-            <a:rect b="b" l="l" r="r" t="t"/>
+            <a:avLst/>
+            <a:gdLst/>
+            <a:ahLst/>
+            <a:cxnLst/>
+            <a:rect l="l" t="t" r="r" b="b"/>
             <a:pathLst>
-              <a:path extrusionOk="0" h="120000" w="120000">
+              <a:path w="120000" h="120000" extrusionOk="0">
                 <a:moveTo>
                   <a:pt x="0" y="0"/>
                 </a:moveTo>
@@ -1073,9 +1109,11 @@
       <p:sp>
         <p:nvSpPr>
           <p:cNvPr id="139" name="Google Shape;139;g16a1677a01b_0_4:notes"/>
-          <p:cNvSpPr txBox="1"/>
+          <p:cNvSpPr txBox="1">
+            <a:spLocks noGrp="1"/>
+          </p:cNvSpPr>
           <p:nvPr>
-            <p:ph idx="1" type="body"/>
+            <p:ph type="body" idx="1"/>
           </p:nvPr>
         </p:nvSpPr>
         <p:spPr>
@@ -1088,12 +1126,12 @@
           </a:prstGeom>
         </p:spPr>
         <p:txBody>
-          <a:bodyPr anchorCtr="0" anchor="t" bIns="91425" lIns="91425" spcFirstLastPara="1" rIns="91425" wrap="square" tIns="91425">
+          <a:bodyPr spcFirstLastPara="1" wrap="square" lIns="91425" tIns="91425" rIns="91425" bIns="91425" anchor="t" anchorCtr="0">
             <a:noAutofit/>
           </a:bodyPr>
           <a:lstStyle/>
           <a:p>
-            <a:pPr indent="0" lvl="0" marL="0" rtl="0" algn="l">
+            <a:pPr marL="0" lvl="0" indent="0" algn="l" rtl="0">
               <a:spcBef>
                 <a:spcPts val="0"/>
               </a:spcBef>
@@ -1102,9 +1140,6 @@
               </a:spcAft>
               <a:buNone/>
             </a:pPr>
-            <a:r>
-              <a:t/>
-            </a:r>
             <a:endParaRPr/>
           </a:p>
         </p:txBody>
@@ -1118,11 +1153,11 @@
 </file>
 
 <file path=ppt/notesSlides/notesSlide2.xml><?xml version="1.0" encoding="utf-8"?>
-<p:notes xmlns:a="http://schemas.openxmlformats.org/drawingml/2006/main" xmlns:r="http://schemas.openxmlformats.org/officeDocument/2006/relationships" xmlns:mc="http://schemas.openxmlformats.org/markup-compatibility/2006" xmlns:mv="urn:schemas-microsoft-com:mac:vml" xmlns:p="http://schemas.openxmlformats.org/presentationml/2006/main" xmlns:c="http://schemas.openxmlformats.org/drawingml/2006/chart" xmlns:dgm="http://schemas.openxmlformats.org/drawingml/2006/diagram" xmlns:o="urn:schemas-microsoft-com:office:office" xmlns:v="urn:schemas-microsoft-com:vml" xmlns:pvml="urn:schemas-microsoft-com:office:powerpoint" xmlns:com="http://schemas.openxmlformats.org/drawingml/2006/compatibility" xmlns:p14="http://schemas.microsoft.com/office/powerpoint/2010/main" xmlns:p15="http://schemas.microsoft.com/office/powerpoint/2012/main" xmlns:ahyp="http://schemas.microsoft.com/office/drawing/2018/hyperlinkcolor" showMasterPhAnim="0" showMasterSp="0">
+<p:notes xmlns:a="http://schemas.openxmlformats.org/drawingml/2006/main" xmlns:r="http://schemas.openxmlformats.org/officeDocument/2006/relationships" xmlns:p="http://schemas.openxmlformats.org/presentationml/2006/main" showMasterSp="0" showMasterPhAnim="0">
   <p:cSld>
     <p:spTree>
       <p:nvGrpSpPr>
-        <p:cNvPr id="56" name="Shape 56"/>
+        <p:cNvPr id="1" name="Shape 56"/>
         <p:cNvGrpSpPr/>
         <p:nvPr/>
       </p:nvGrpSpPr>
@@ -1137,20 +1172,26 @@
       <p:sp>
         <p:nvSpPr>
           <p:cNvPr id="57" name="Google Shape;57;g169ef84d77d_0_0:notes"/>
-          <p:cNvSpPr/>
+          <p:cNvSpPr>
+            <a:spLocks noGrp="1" noRot="1" noChangeAspect="1"/>
+          </p:cNvSpPr>
           <p:nvPr>
-            <p:ph idx="2" type="sldImg"/>
+            <p:ph type="sldImg" idx="2"/>
           </p:nvPr>
         </p:nvSpPr>
         <p:spPr>
           <a:xfrm>
-            <a:off x="381300" y="685800"/>
+            <a:off x="381000" y="685800"/>
             <a:ext cx="6096000" cy="3429000"/>
           </a:xfrm>
           <a:custGeom>
-            <a:rect b="b" l="l" r="r" t="t"/>
+            <a:avLst/>
+            <a:gdLst/>
+            <a:ahLst/>
+            <a:cxnLst/>
+            <a:rect l="l" t="t" r="r" b="b"/>
             <a:pathLst>
-              <a:path extrusionOk="0" h="120000" w="120000">
+              <a:path w="120000" h="120000" extrusionOk="0">
                 <a:moveTo>
                   <a:pt x="0" y="0"/>
                 </a:moveTo>
@@ -1172,9 +1213,11 @@
       <p:sp>
         <p:nvSpPr>
           <p:cNvPr id="58" name="Google Shape;58;g169ef84d77d_0_0:notes"/>
-          <p:cNvSpPr txBox="1"/>
+          <p:cNvSpPr txBox="1">
+            <a:spLocks noGrp="1"/>
+          </p:cNvSpPr>
           <p:nvPr>
-            <p:ph idx="1" type="body"/>
+            <p:ph type="body" idx="1"/>
           </p:nvPr>
         </p:nvSpPr>
         <p:spPr>
@@ -1187,12 +1230,12 @@
           </a:prstGeom>
         </p:spPr>
         <p:txBody>
-          <a:bodyPr anchorCtr="0" anchor="t" bIns="91425" lIns="91425" spcFirstLastPara="1" rIns="91425" wrap="square" tIns="91425">
+          <a:bodyPr spcFirstLastPara="1" wrap="square" lIns="91425" tIns="91425" rIns="91425" bIns="91425" anchor="t" anchorCtr="0">
             <a:noAutofit/>
           </a:bodyPr>
           <a:lstStyle/>
           <a:p>
-            <a:pPr indent="0" lvl="0" marL="0" rtl="0" algn="l">
+            <a:pPr marL="0" lvl="0" indent="0" algn="l" rtl="0">
               <a:spcBef>
                 <a:spcPts val="0"/>
               </a:spcBef>
@@ -1201,9 +1244,6 @@
               </a:spcAft>
               <a:buNone/>
             </a:pPr>
-            <a:r>
-              <a:t/>
-            </a:r>
             <a:endParaRPr/>
           </a:p>
         </p:txBody>
@@ -1217,11 +1257,11 @@
 </file>
 
 <file path=ppt/notesSlides/notesSlide3.xml><?xml version="1.0" encoding="utf-8"?>
-<p:notes xmlns:a="http://schemas.openxmlformats.org/drawingml/2006/main" xmlns:r="http://schemas.openxmlformats.org/officeDocument/2006/relationships" xmlns:mc="http://schemas.openxmlformats.org/markup-compatibility/2006" xmlns:mv="urn:schemas-microsoft-com:mac:vml" xmlns:p="http://schemas.openxmlformats.org/presentationml/2006/main" xmlns:c="http://schemas.openxmlformats.org/drawingml/2006/chart" xmlns:dgm="http://schemas.openxmlformats.org/drawingml/2006/diagram" xmlns:o="urn:schemas-microsoft-com:office:office" xmlns:v="urn:schemas-microsoft-com:vml" xmlns:pvml="urn:schemas-microsoft-com:office:powerpoint" xmlns:com="http://schemas.openxmlformats.org/drawingml/2006/compatibility" xmlns:p14="http://schemas.microsoft.com/office/powerpoint/2010/main" xmlns:p15="http://schemas.microsoft.com/office/powerpoint/2012/main" xmlns:ahyp="http://schemas.microsoft.com/office/drawing/2018/hyperlinkcolor" showMasterPhAnim="0" showMasterSp="0">
+<p:notes xmlns:a="http://schemas.openxmlformats.org/drawingml/2006/main" xmlns:r="http://schemas.openxmlformats.org/officeDocument/2006/relationships" xmlns:p="http://schemas.openxmlformats.org/presentationml/2006/main" showMasterSp="0" showMasterPhAnim="0">
   <p:cSld>
     <p:spTree>
       <p:nvGrpSpPr>
-        <p:cNvPr id="64" name="Shape 64"/>
+        <p:cNvPr id="1" name="Shape 64"/>
         <p:cNvGrpSpPr/>
         <p:nvPr/>
       </p:nvGrpSpPr>
@@ -1236,20 +1276,26 @@
       <p:sp>
         <p:nvSpPr>
           <p:cNvPr id="65" name="Google Shape;65;g169ef84d77d_0_6:notes"/>
-          <p:cNvSpPr/>
+          <p:cNvSpPr>
+            <a:spLocks noGrp="1" noRot="1" noChangeAspect="1"/>
+          </p:cNvSpPr>
           <p:nvPr>
-            <p:ph idx="2" type="sldImg"/>
+            <p:ph type="sldImg" idx="2"/>
           </p:nvPr>
         </p:nvSpPr>
         <p:spPr>
           <a:xfrm>
-            <a:off x="381300" y="685800"/>
+            <a:off x="381000" y="685800"/>
             <a:ext cx="6096000" cy="3429000"/>
           </a:xfrm>
           <a:custGeom>
-            <a:rect b="b" l="l" r="r" t="t"/>
+            <a:avLst/>
+            <a:gdLst/>
+            <a:ahLst/>
+            <a:cxnLst/>
+            <a:rect l="l" t="t" r="r" b="b"/>
             <a:pathLst>
-              <a:path extrusionOk="0" h="120000" w="120000">
+              <a:path w="120000" h="120000" extrusionOk="0">
                 <a:moveTo>
                   <a:pt x="0" y="0"/>
                 </a:moveTo>
@@ -1271,9 +1317,11 @@
       <p:sp>
         <p:nvSpPr>
           <p:cNvPr id="66" name="Google Shape;66;g169ef84d77d_0_6:notes"/>
-          <p:cNvSpPr txBox="1"/>
+          <p:cNvSpPr txBox="1">
+            <a:spLocks noGrp="1"/>
+          </p:cNvSpPr>
           <p:nvPr>
-            <p:ph idx="1" type="body"/>
+            <p:ph type="body" idx="1"/>
           </p:nvPr>
         </p:nvSpPr>
         <p:spPr>
@@ -1286,12 +1334,12 @@
           </a:prstGeom>
         </p:spPr>
         <p:txBody>
-          <a:bodyPr anchorCtr="0" anchor="t" bIns="91425" lIns="91425" spcFirstLastPara="1" rIns="91425" wrap="square" tIns="91425">
+          <a:bodyPr spcFirstLastPara="1" wrap="square" lIns="91425" tIns="91425" rIns="91425" bIns="91425" anchor="t" anchorCtr="0">
             <a:noAutofit/>
           </a:bodyPr>
           <a:lstStyle/>
           <a:p>
-            <a:pPr indent="0" lvl="0" marL="0" rtl="0" algn="l">
+            <a:pPr marL="0" lvl="0" indent="0" algn="l" rtl="0">
               <a:spcBef>
                 <a:spcPts val="0"/>
               </a:spcBef>
@@ -1300,9 +1348,6 @@
               </a:spcAft>
               <a:buNone/>
             </a:pPr>
-            <a:r>
-              <a:t/>
-            </a:r>
             <a:endParaRPr/>
           </a:p>
         </p:txBody>
@@ -1316,11 +1361,11 @@
 </file>
 
 <file path=ppt/notesSlides/notesSlide4.xml><?xml version="1.0" encoding="utf-8"?>
-<p:notes xmlns:a="http://schemas.openxmlformats.org/drawingml/2006/main" xmlns:r="http://schemas.openxmlformats.org/officeDocument/2006/relationships" xmlns:mc="http://schemas.openxmlformats.org/markup-compatibility/2006" xmlns:mv="urn:schemas-microsoft-com:mac:vml" xmlns:p="http://schemas.openxmlformats.org/presentationml/2006/main" xmlns:c="http://schemas.openxmlformats.org/drawingml/2006/chart" xmlns:dgm="http://schemas.openxmlformats.org/drawingml/2006/diagram" xmlns:o="urn:schemas-microsoft-com:office:office" xmlns:v="urn:schemas-microsoft-com:vml" xmlns:pvml="urn:schemas-microsoft-com:office:powerpoint" xmlns:com="http://schemas.openxmlformats.org/drawingml/2006/compatibility" xmlns:p14="http://schemas.microsoft.com/office/powerpoint/2010/main" xmlns:p15="http://schemas.microsoft.com/office/powerpoint/2012/main" xmlns:ahyp="http://schemas.microsoft.com/office/drawing/2018/hyperlinkcolor" showMasterPhAnim="0" showMasterSp="0">
+<p:notes xmlns:a="http://schemas.openxmlformats.org/drawingml/2006/main" xmlns:r="http://schemas.openxmlformats.org/officeDocument/2006/relationships" xmlns:p="http://schemas.openxmlformats.org/presentationml/2006/main" showMasterSp="0" showMasterPhAnim="0">
   <p:cSld>
     <p:spTree>
       <p:nvGrpSpPr>
-        <p:cNvPr id="71" name="Shape 71"/>
+        <p:cNvPr id="1" name="Shape 71"/>
         <p:cNvGrpSpPr/>
         <p:nvPr/>
       </p:nvGrpSpPr>
@@ -1335,20 +1380,26 @@
       <p:sp>
         <p:nvSpPr>
           <p:cNvPr id="72" name="Google Shape;72;g169ef84d77d_0_12:notes"/>
-          <p:cNvSpPr/>
+          <p:cNvSpPr>
+            <a:spLocks noGrp="1" noRot="1" noChangeAspect="1"/>
+          </p:cNvSpPr>
           <p:nvPr>
-            <p:ph idx="2" type="sldImg"/>
+            <p:ph type="sldImg" idx="2"/>
           </p:nvPr>
         </p:nvSpPr>
         <p:spPr>
           <a:xfrm>
-            <a:off x="381300" y="685800"/>
+            <a:off x="381000" y="685800"/>
             <a:ext cx="6096000" cy="3429000"/>
           </a:xfrm>
           <a:custGeom>
-            <a:rect b="b" l="l" r="r" t="t"/>
+            <a:avLst/>
+            <a:gdLst/>
+            <a:ahLst/>
+            <a:cxnLst/>
+            <a:rect l="l" t="t" r="r" b="b"/>
             <a:pathLst>
-              <a:path extrusionOk="0" h="120000" w="120000">
+              <a:path w="120000" h="120000" extrusionOk="0">
                 <a:moveTo>
                   <a:pt x="0" y="0"/>
                 </a:moveTo>
@@ -1370,9 +1421,11 @@
       <p:sp>
         <p:nvSpPr>
           <p:cNvPr id="73" name="Google Shape;73;g169ef84d77d_0_12:notes"/>
-          <p:cNvSpPr txBox="1"/>
+          <p:cNvSpPr txBox="1">
+            <a:spLocks noGrp="1"/>
+          </p:cNvSpPr>
           <p:nvPr>
-            <p:ph idx="1" type="body"/>
+            <p:ph type="body" idx="1"/>
           </p:nvPr>
         </p:nvSpPr>
         <p:spPr>
@@ -1385,12 +1438,12 @@
           </a:prstGeom>
         </p:spPr>
         <p:txBody>
-          <a:bodyPr anchorCtr="0" anchor="t" bIns="91425" lIns="91425" spcFirstLastPara="1" rIns="91425" wrap="square" tIns="91425">
+          <a:bodyPr spcFirstLastPara="1" wrap="square" lIns="91425" tIns="91425" rIns="91425" bIns="91425" anchor="t" anchorCtr="0">
             <a:noAutofit/>
           </a:bodyPr>
           <a:lstStyle/>
           <a:p>
-            <a:pPr indent="0" lvl="0" marL="0" rtl="0" algn="l">
+            <a:pPr marL="0" lvl="0" indent="0" algn="l" rtl="0">
               <a:spcBef>
                 <a:spcPts val="0"/>
               </a:spcBef>
@@ -1399,9 +1452,6 @@
               </a:spcAft>
               <a:buNone/>
             </a:pPr>
-            <a:r>
-              <a:t/>
-            </a:r>
             <a:endParaRPr/>
           </a:p>
         </p:txBody>
@@ -1415,11 +1465,11 @@
 </file>
 
 <file path=ppt/notesSlides/notesSlide5.xml><?xml version="1.0" encoding="utf-8"?>
-<p:notes xmlns:a="http://schemas.openxmlformats.org/drawingml/2006/main" xmlns:r="http://schemas.openxmlformats.org/officeDocument/2006/relationships" xmlns:mc="http://schemas.openxmlformats.org/markup-compatibility/2006" xmlns:mv="urn:schemas-microsoft-com:mac:vml" xmlns:p="http://schemas.openxmlformats.org/presentationml/2006/main" xmlns:c="http://schemas.openxmlformats.org/drawingml/2006/chart" xmlns:dgm="http://schemas.openxmlformats.org/drawingml/2006/diagram" xmlns:o="urn:schemas-microsoft-com:office:office" xmlns:v="urn:schemas-microsoft-com:vml" xmlns:pvml="urn:schemas-microsoft-com:office:powerpoint" xmlns:com="http://schemas.openxmlformats.org/drawingml/2006/compatibility" xmlns:p14="http://schemas.microsoft.com/office/powerpoint/2010/main" xmlns:p15="http://schemas.microsoft.com/office/powerpoint/2012/main" xmlns:ahyp="http://schemas.microsoft.com/office/drawing/2018/hyperlinkcolor" showMasterPhAnim="0" showMasterSp="0">
+<p:notes xmlns:a="http://schemas.openxmlformats.org/drawingml/2006/main" xmlns:r="http://schemas.openxmlformats.org/officeDocument/2006/relationships" xmlns:p="http://schemas.openxmlformats.org/presentationml/2006/main" showMasterSp="0" showMasterPhAnim="0">
   <p:cSld>
     <p:spTree>
       <p:nvGrpSpPr>
-        <p:cNvPr id="79" name="Shape 79"/>
+        <p:cNvPr id="1" name="Shape 79"/>
         <p:cNvGrpSpPr/>
         <p:nvPr/>
       </p:nvGrpSpPr>
@@ -1434,20 +1484,26 @@
       <p:sp>
         <p:nvSpPr>
           <p:cNvPr id="80" name="Google Shape;80;g169ef84d77d_0_22:notes"/>
-          <p:cNvSpPr/>
+          <p:cNvSpPr>
+            <a:spLocks noGrp="1" noRot="1" noChangeAspect="1"/>
+          </p:cNvSpPr>
           <p:nvPr>
-            <p:ph idx="2" type="sldImg"/>
+            <p:ph type="sldImg" idx="2"/>
           </p:nvPr>
         </p:nvSpPr>
         <p:spPr>
           <a:xfrm>
-            <a:off x="381300" y="685800"/>
+            <a:off x="381000" y="685800"/>
             <a:ext cx="6096000" cy="3429000"/>
           </a:xfrm>
           <a:custGeom>
-            <a:rect b="b" l="l" r="r" t="t"/>
+            <a:avLst/>
+            <a:gdLst/>
+            <a:ahLst/>
+            <a:cxnLst/>
+            <a:rect l="l" t="t" r="r" b="b"/>
             <a:pathLst>
-              <a:path extrusionOk="0" h="120000" w="120000">
+              <a:path w="120000" h="120000" extrusionOk="0">
                 <a:moveTo>
                   <a:pt x="0" y="0"/>
                 </a:moveTo>
@@ -1469,9 +1525,11 @@
       <p:sp>
         <p:nvSpPr>
           <p:cNvPr id="81" name="Google Shape;81;g169ef84d77d_0_22:notes"/>
-          <p:cNvSpPr txBox="1"/>
+          <p:cNvSpPr txBox="1">
+            <a:spLocks noGrp="1"/>
+          </p:cNvSpPr>
           <p:nvPr>
-            <p:ph idx="1" type="body"/>
+            <p:ph type="body" idx="1"/>
           </p:nvPr>
         </p:nvSpPr>
         <p:spPr>
@@ -1484,12 +1542,12 @@
           </a:prstGeom>
         </p:spPr>
         <p:txBody>
-          <a:bodyPr anchorCtr="0" anchor="t" bIns="91425" lIns="91425" spcFirstLastPara="1" rIns="91425" wrap="square" tIns="91425">
+          <a:bodyPr spcFirstLastPara="1" wrap="square" lIns="91425" tIns="91425" rIns="91425" bIns="91425" anchor="t" anchorCtr="0">
             <a:noAutofit/>
           </a:bodyPr>
           <a:lstStyle/>
           <a:p>
-            <a:pPr indent="0" lvl="0" marL="0" rtl="0" algn="l">
+            <a:pPr marL="0" lvl="0" indent="0" algn="l" rtl="0">
               <a:spcBef>
                 <a:spcPts val="0"/>
               </a:spcBef>
@@ -1498,9 +1556,6 @@
               </a:spcAft>
               <a:buNone/>
             </a:pPr>
-            <a:r>
-              <a:t/>
-            </a:r>
             <a:endParaRPr/>
           </a:p>
         </p:txBody>
@@ -1514,11 +1569,11 @@
 </file>
 
 <file path=ppt/notesSlides/notesSlide6.xml><?xml version="1.0" encoding="utf-8"?>
-<p:notes xmlns:a="http://schemas.openxmlformats.org/drawingml/2006/main" xmlns:r="http://schemas.openxmlformats.org/officeDocument/2006/relationships" xmlns:mc="http://schemas.openxmlformats.org/markup-compatibility/2006" xmlns:mv="urn:schemas-microsoft-com:mac:vml" xmlns:p="http://schemas.openxmlformats.org/presentationml/2006/main" xmlns:c="http://schemas.openxmlformats.org/drawingml/2006/chart" xmlns:dgm="http://schemas.openxmlformats.org/drawingml/2006/diagram" xmlns:o="urn:schemas-microsoft-com:office:office" xmlns:v="urn:schemas-microsoft-com:vml" xmlns:pvml="urn:schemas-microsoft-com:office:powerpoint" xmlns:com="http://schemas.openxmlformats.org/drawingml/2006/compatibility" xmlns:p14="http://schemas.microsoft.com/office/powerpoint/2010/main" xmlns:p15="http://schemas.microsoft.com/office/powerpoint/2012/main" xmlns:ahyp="http://schemas.microsoft.com/office/drawing/2018/hyperlinkcolor" showMasterPhAnim="0" showMasterSp="0">
+<p:notes xmlns:a="http://schemas.openxmlformats.org/drawingml/2006/main" xmlns:r="http://schemas.openxmlformats.org/officeDocument/2006/relationships" xmlns:p="http://schemas.openxmlformats.org/presentationml/2006/main" showMasterSp="0" showMasterPhAnim="0">
   <p:cSld>
     <p:spTree>
       <p:nvGrpSpPr>
-        <p:cNvPr id="87" name="Shape 87"/>
+        <p:cNvPr id="1" name="Shape 87"/>
         <p:cNvGrpSpPr/>
         <p:nvPr/>
       </p:nvGrpSpPr>
@@ -1533,20 +1588,26 @@
       <p:sp>
         <p:nvSpPr>
           <p:cNvPr id="88" name="Google Shape;88;g169ef84d77d_0_29:notes"/>
-          <p:cNvSpPr/>
+          <p:cNvSpPr>
+            <a:spLocks noGrp="1" noRot="1" noChangeAspect="1"/>
+          </p:cNvSpPr>
           <p:nvPr>
-            <p:ph idx="2" type="sldImg"/>
+            <p:ph type="sldImg" idx="2"/>
           </p:nvPr>
         </p:nvSpPr>
         <p:spPr>
           <a:xfrm>
-            <a:off x="381300" y="685800"/>
+            <a:off x="381000" y="685800"/>
             <a:ext cx="6096000" cy="3429000"/>
           </a:xfrm>
           <a:custGeom>
-            <a:rect b="b" l="l" r="r" t="t"/>
+            <a:avLst/>
+            <a:gdLst/>
+            <a:ahLst/>
+            <a:cxnLst/>
+            <a:rect l="l" t="t" r="r" b="b"/>
             <a:pathLst>
-              <a:path extrusionOk="0" h="120000" w="120000">
+              <a:path w="120000" h="120000" extrusionOk="0">
                 <a:moveTo>
                   <a:pt x="0" y="0"/>
                 </a:moveTo>
@@ -1568,9 +1629,11 @@
       <p:sp>
         <p:nvSpPr>
           <p:cNvPr id="89" name="Google Shape;89;g169ef84d77d_0_29:notes"/>
-          <p:cNvSpPr txBox="1"/>
+          <p:cNvSpPr txBox="1">
+            <a:spLocks noGrp="1"/>
+          </p:cNvSpPr>
           <p:nvPr>
-            <p:ph idx="1" type="body"/>
+            <p:ph type="body" idx="1"/>
           </p:nvPr>
         </p:nvSpPr>
         <p:spPr>
@@ -1583,12 +1646,12 @@
           </a:prstGeom>
         </p:spPr>
         <p:txBody>
-          <a:bodyPr anchorCtr="0" anchor="t" bIns="91425" lIns="91425" spcFirstLastPara="1" rIns="91425" wrap="square" tIns="91425">
+          <a:bodyPr spcFirstLastPara="1" wrap="square" lIns="91425" tIns="91425" rIns="91425" bIns="91425" anchor="t" anchorCtr="0">
             <a:noAutofit/>
           </a:bodyPr>
           <a:lstStyle/>
           <a:p>
-            <a:pPr indent="0" lvl="0" marL="0" rtl="0" algn="l">
+            <a:pPr marL="0" lvl="0" indent="0" algn="l" rtl="0">
               <a:spcBef>
                 <a:spcPts val="0"/>
               </a:spcBef>
@@ -1597,9 +1660,6 @@
               </a:spcAft>
               <a:buNone/>
             </a:pPr>
-            <a:r>
-              <a:t/>
-            </a:r>
             <a:endParaRPr/>
           </a:p>
         </p:txBody>
@@ -1613,11 +1673,11 @@
 </file>
 
 <file path=ppt/notesSlides/notesSlide7.xml><?xml version="1.0" encoding="utf-8"?>
-<p:notes xmlns:a="http://schemas.openxmlformats.org/drawingml/2006/main" xmlns:r="http://schemas.openxmlformats.org/officeDocument/2006/relationships" xmlns:mc="http://schemas.openxmlformats.org/markup-compatibility/2006" xmlns:mv="urn:schemas-microsoft-com:mac:vml" xmlns:p="http://schemas.openxmlformats.org/presentationml/2006/main" xmlns:c="http://schemas.openxmlformats.org/drawingml/2006/chart" xmlns:dgm="http://schemas.openxmlformats.org/drawingml/2006/diagram" xmlns:o="urn:schemas-microsoft-com:office:office" xmlns:v="urn:schemas-microsoft-com:vml" xmlns:pvml="urn:schemas-microsoft-com:office:powerpoint" xmlns:com="http://schemas.openxmlformats.org/drawingml/2006/compatibility" xmlns:p14="http://schemas.microsoft.com/office/powerpoint/2010/main" xmlns:p15="http://schemas.microsoft.com/office/powerpoint/2012/main" xmlns:ahyp="http://schemas.microsoft.com/office/drawing/2018/hyperlinkcolor" showMasterPhAnim="0" showMasterSp="0">
+<p:notes xmlns:a="http://schemas.openxmlformats.org/drawingml/2006/main" xmlns:r="http://schemas.openxmlformats.org/officeDocument/2006/relationships" xmlns:p="http://schemas.openxmlformats.org/presentationml/2006/main" showMasterSp="0" showMasterPhAnim="0">
   <p:cSld>
     <p:spTree>
       <p:nvGrpSpPr>
-        <p:cNvPr id="94" name="Shape 94"/>
+        <p:cNvPr id="1" name="Shape 94"/>
         <p:cNvGrpSpPr/>
         <p:nvPr/>
       </p:nvGrpSpPr>
@@ -1632,20 +1692,26 @@
       <p:sp>
         <p:nvSpPr>
           <p:cNvPr id="95" name="Google Shape;95;g169ef84d77d_0_37:notes"/>
-          <p:cNvSpPr/>
+          <p:cNvSpPr>
+            <a:spLocks noGrp="1" noRot="1" noChangeAspect="1"/>
+          </p:cNvSpPr>
           <p:nvPr>
-            <p:ph idx="2" type="sldImg"/>
+            <p:ph type="sldImg" idx="2"/>
           </p:nvPr>
         </p:nvSpPr>
         <p:spPr>
           <a:xfrm>
-            <a:off x="381300" y="685800"/>
+            <a:off x="381000" y="685800"/>
             <a:ext cx="6096000" cy="3429000"/>
           </a:xfrm>
           <a:custGeom>
-            <a:rect b="b" l="l" r="r" t="t"/>
+            <a:avLst/>
+            <a:gdLst/>
+            <a:ahLst/>
+            <a:cxnLst/>
+            <a:rect l="l" t="t" r="r" b="b"/>
             <a:pathLst>
-              <a:path extrusionOk="0" h="120000" w="120000">
+              <a:path w="120000" h="120000" extrusionOk="0">
                 <a:moveTo>
                   <a:pt x="0" y="0"/>
                 </a:moveTo>
@@ -1667,9 +1733,11 @@
       <p:sp>
         <p:nvSpPr>
           <p:cNvPr id="96" name="Google Shape;96;g169ef84d77d_0_37:notes"/>
-          <p:cNvSpPr txBox="1"/>
+          <p:cNvSpPr txBox="1">
+            <a:spLocks noGrp="1"/>
+          </p:cNvSpPr>
           <p:nvPr>
-            <p:ph idx="1" type="body"/>
+            <p:ph type="body" idx="1"/>
           </p:nvPr>
         </p:nvSpPr>
         <p:spPr>
@@ -1682,12 +1750,12 @@
           </a:prstGeom>
         </p:spPr>
         <p:txBody>
-          <a:bodyPr anchorCtr="0" anchor="t" bIns="91425" lIns="91425" spcFirstLastPara="1" rIns="91425" wrap="square" tIns="91425">
+          <a:bodyPr spcFirstLastPara="1" wrap="square" lIns="91425" tIns="91425" rIns="91425" bIns="91425" anchor="t" anchorCtr="0">
             <a:noAutofit/>
           </a:bodyPr>
           <a:lstStyle/>
           <a:p>
-            <a:pPr indent="0" lvl="0" marL="0" rtl="0" algn="l">
+            <a:pPr marL="0" lvl="0" indent="0" algn="l" rtl="0">
               <a:spcBef>
                 <a:spcPts val="0"/>
               </a:spcBef>
@@ -1696,9 +1764,6 @@
               </a:spcAft>
               <a:buNone/>
             </a:pPr>
-            <a:r>
-              <a:t/>
-            </a:r>
             <a:endParaRPr/>
           </a:p>
         </p:txBody>
@@ -1712,11 +1777,11 @@
 </file>
 
 <file path=ppt/notesSlides/notesSlide8.xml><?xml version="1.0" encoding="utf-8"?>
-<p:notes xmlns:a="http://schemas.openxmlformats.org/drawingml/2006/main" xmlns:r="http://schemas.openxmlformats.org/officeDocument/2006/relationships" xmlns:mc="http://schemas.openxmlformats.org/markup-compatibility/2006" xmlns:mv="urn:schemas-microsoft-com:mac:vml" xmlns:p="http://schemas.openxmlformats.org/presentationml/2006/main" xmlns:c="http://schemas.openxmlformats.org/drawingml/2006/chart" xmlns:dgm="http://schemas.openxmlformats.org/drawingml/2006/diagram" xmlns:o="urn:schemas-microsoft-com:office:office" xmlns:v="urn:schemas-microsoft-com:vml" xmlns:pvml="urn:schemas-microsoft-com:office:powerpoint" xmlns:com="http://schemas.openxmlformats.org/drawingml/2006/compatibility" xmlns:p14="http://schemas.microsoft.com/office/powerpoint/2010/main" xmlns:p15="http://schemas.microsoft.com/office/powerpoint/2012/main" xmlns:ahyp="http://schemas.microsoft.com/office/drawing/2018/hyperlinkcolor" showMasterPhAnim="0" showMasterSp="0">
+<p:notes xmlns:a="http://schemas.openxmlformats.org/drawingml/2006/main" xmlns:r="http://schemas.openxmlformats.org/officeDocument/2006/relationships" xmlns:p="http://schemas.openxmlformats.org/presentationml/2006/main" showMasterSp="0" showMasterPhAnim="0">
   <p:cSld>
     <p:spTree>
       <p:nvGrpSpPr>
-        <p:cNvPr id="102" name="Shape 102"/>
+        <p:cNvPr id="1" name="Shape 102"/>
         <p:cNvGrpSpPr/>
         <p:nvPr/>
       </p:nvGrpSpPr>
@@ -1731,20 +1796,26 @@
       <p:sp>
         <p:nvSpPr>
           <p:cNvPr id="103" name="Google Shape;103;g169ef84d77d_0_44:notes"/>
-          <p:cNvSpPr/>
+          <p:cNvSpPr>
+            <a:spLocks noGrp="1" noRot="1" noChangeAspect="1"/>
+          </p:cNvSpPr>
           <p:nvPr>
-            <p:ph idx="2" type="sldImg"/>
+            <p:ph type="sldImg" idx="2"/>
           </p:nvPr>
         </p:nvSpPr>
         <p:spPr>
           <a:xfrm>
-            <a:off x="381300" y="685800"/>
+            <a:off x="381000" y="685800"/>
             <a:ext cx="6096000" cy="3429000"/>
           </a:xfrm>
           <a:custGeom>
-            <a:rect b="b" l="l" r="r" t="t"/>
+            <a:avLst/>
+            <a:gdLst/>
+            <a:ahLst/>
+            <a:cxnLst/>
+            <a:rect l="l" t="t" r="r" b="b"/>
             <a:pathLst>
-              <a:path extrusionOk="0" h="120000" w="120000">
+              <a:path w="120000" h="120000" extrusionOk="0">
                 <a:moveTo>
                   <a:pt x="0" y="0"/>
                 </a:moveTo>
@@ -1766,9 +1837,11 @@
       <p:sp>
         <p:nvSpPr>
           <p:cNvPr id="104" name="Google Shape;104;g169ef84d77d_0_44:notes"/>
-          <p:cNvSpPr txBox="1"/>
+          <p:cNvSpPr txBox="1">
+            <a:spLocks noGrp="1"/>
+          </p:cNvSpPr>
           <p:nvPr>
-            <p:ph idx="1" type="body"/>
+            <p:ph type="body" idx="1"/>
           </p:nvPr>
         </p:nvSpPr>
         <p:spPr>
@@ -1781,12 +1854,12 @@
           </a:prstGeom>
         </p:spPr>
         <p:txBody>
-          <a:bodyPr anchorCtr="0" anchor="t" bIns="91425" lIns="91425" spcFirstLastPara="1" rIns="91425" wrap="square" tIns="91425">
+          <a:bodyPr spcFirstLastPara="1" wrap="square" lIns="91425" tIns="91425" rIns="91425" bIns="91425" anchor="t" anchorCtr="0">
             <a:noAutofit/>
           </a:bodyPr>
           <a:lstStyle/>
           <a:p>
-            <a:pPr indent="0" lvl="0" marL="0" rtl="0" algn="l">
+            <a:pPr marL="0" lvl="0" indent="0" algn="l" rtl="0">
               <a:spcBef>
                 <a:spcPts val="0"/>
               </a:spcBef>
@@ -1795,9 +1868,6 @@
               </a:spcAft>
               <a:buNone/>
             </a:pPr>
-            <a:r>
-              <a:t/>
-            </a:r>
             <a:endParaRPr/>
           </a:p>
         </p:txBody>
@@ -1811,11 +1881,11 @@
 </file>
 
 <file path=ppt/notesSlides/notesSlide9.xml><?xml version="1.0" encoding="utf-8"?>
-<p:notes xmlns:a="http://schemas.openxmlformats.org/drawingml/2006/main" xmlns:r="http://schemas.openxmlformats.org/officeDocument/2006/relationships" xmlns:mc="http://schemas.openxmlformats.org/markup-compatibility/2006" xmlns:mv="urn:schemas-microsoft-com:mac:vml" xmlns:p="http://schemas.openxmlformats.org/presentationml/2006/main" xmlns:c="http://schemas.openxmlformats.org/drawingml/2006/chart" xmlns:dgm="http://schemas.openxmlformats.org/drawingml/2006/diagram" xmlns:o="urn:schemas-microsoft-com:office:office" xmlns:v="urn:schemas-microsoft-com:vml" xmlns:pvml="urn:schemas-microsoft-com:office:powerpoint" xmlns:com="http://schemas.openxmlformats.org/drawingml/2006/compatibility" xmlns:p14="http://schemas.microsoft.com/office/powerpoint/2010/main" xmlns:p15="http://schemas.microsoft.com/office/powerpoint/2012/main" xmlns:ahyp="http://schemas.microsoft.com/office/drawing/2018/hyperlinkcolor" showMasterPhAnim="0" showMasterSp="0">
+<p:notes xmlns:a="http://schemas.openxmlformats.org/drawingml/2006/main" xmlns:r="http://schemas.openxmlformats.org/officeDocument/2006/relationships" xmlns:p="http://schemas.openxmlformats.org/presentationml/2006/main" showMasterSp="0" showMasterPhAnim="0">
   <p:cSld>
     <p:spTree>
       <p:nvGrpSpPr>
-        <p:cNvPr id="111" name="Shape 111"/>
+        <p:cNvPr id="1" name="Shape 111"/>
         <p:cNvGrpSpPr/>
         <p:nvPr/>
       </p:nvGrpSpPr>
@@ -1830,20 +1900,26 @@
       <p:sp>
         <p:nvSpPr>
           <p:cNvPr id="112" name="Google Shape;112;g169ef84d77d_0_52:notes"/>
-          <p:cNvSpPr/>
+          <p:cNvSpPr>
+            <a:spLocks noGrp="1" noRot="1" noChangeAspect="1"/>
+          </p:cNvSpPr>
           <p:nvPr>
-            <p:ph idx="2" type="sldImg"/>
+            <p:ph type="sldImg" idx="2"/>
           </p:nvPr>
         </p:nvSpPr>
         <p:spPr>
           <a:xfrm>
-            <a:off x="381300" y="685800"/>
+            <a:off x="381000" y="685800"/>
             <a:ext cx="6096000" cy="3429000"/>
           </a:xfrm>
           <a:custGeom>
-            <a:rect b="b" l="l" r="r" t="t"/>
+            <a:avLst/>
+            <a:gdLst/>
+            <a:ahLst/>
+            <a:cxnLst/>
+            <a:rect l="l" t="t" r="r" b="b"/>
             <a:pathLst>
-              <a:path extrusionOk="0" h="120000" w="120000">
+              <a:path w="120000" h="120000" extrusionOk="0">
                 <a:moveTo>
                   <a:pt x="0" y="0"/>
                 </a:moveTo>
@@ -1865,9 +1941,11 @@
       <p:sp>
         <p:nvSpPr>
           <p:cNvPr id="113" name="Google Shape;113;g169ef84d77d_0_52:notes"/>
-          <p:cNvSpPr txBox="1"/>
+          <p:cNvSpPr txBox="1">
+            <a:spLocks noGrp="1"/>
+          </p:cNvSpPr>
           <p:nvPr>
-            <p:ph idx="1" type="body"/>
+            <p:ph type="body" idx="1"/>
           </p:nvPr>
         </p:nvSpPr>
         <p:spPr>
@@ -1880,12 +1958,12 @@
           </a:prstGeom>
         </p:spPr>
         <p:txBody>
-          <a:bodyPr anchorCtr="0" anchor="t" bIns="91425" lIns="91425" spcFirstLastPara="1" rIns="91425" wrap="square" tIns="91425">
+          <a:bodyPr spcFirstLastPara="1" wrap="square" lIns="91425" tIns="91425" rIns="91425" bIns="91425" anchor="t" anchorCtr="0">
             <a:noAutofit/>
           </a:bodyPr>
           <a:lstStyle/>
           <a:p>
-            <a:pPr indent="0" lvl="0" marL="0" rtl="0" algn="l">
+            <a:pPr marL="0" lvl="0" indent="0" algn="l" rtl="0">
               <a:spcBef>
                 <a:spcPts val="0"/>
               </a:spcBef>
@@ -1894,9 +1972,6 @@
               </a:spcAft>
               <a:buNone/>
             </a:pPr>
-            <a:r>
-              <a:t/>
-            </a:r>
             <a:endParaRPr/>
           </a:p>
         </p:txBody>
@@ -1910,11 +1985,11 @@
 </file>
 
 <file path=ppt/slideLayouts/slideLayout1.xml><?xml version="1.0" encoding="utf-8"?>
-<p:sldLayout xmlns:a="http://schemas.openxmlformats.org/drawingml/2006/main" xmlns:r="http://schemas.openxmlformats.org/officeDocument/2006/relationships" xmlns:mc="http://schemas.openxmlformats.org/markup-compatibility/2006" xmlns:mv="urn:schemas-microsoft-com:mac:vml" xmlns:p="http://schemas.openxmlformats.org/presentationml/2006/main" xmlns:c="http://schemas.openxmlformats.org/drawingml/2006/chart" xmlns:dgm="http://schemas.openxmlformats.org/drawingml/2006/diagram" xmlns:o="urn:schemas-microsoft-com:office:office" xmlns:v="urn:schemas-microsoft-com:vml" xmlns:pvml="urn:schemas-microsoft-com:office:powerpoint" xmlns:com="http://schemas.openxmlformats.org/drawingml/2006/compatibility" xmlns:p14="http://schemas.microsoft.com/office/powerpoint/2010/main" xmlns:p15="http://schemas.microsoft.com/office/powerpoint/2012/main" xmlns:ahyp="http://schemas.microsoft.com/office/drawing/2018/hyperlinkcolor" matchingName="Title slide" type="title">
+<p:sldLayout xmlns:a="http://schemas.openxmlformats.org/drawingml/2006/main" xmlns:r="http://schemas.openxmlformats.org/officeDocument/2006/relationships" xmlns:p="http://schemas.openxmlformats.org/presentationml/2006/main" matchingName="Title slide" type="title">
   <p:cSld name="TITLE">
     <p:spTree>
       <p:nvGrpSpPr>
-        <p:cNvPr id="9" name="Shape 9"/>
+        <p:cNvPr id="1" name="Shape 9"/>
         <p:cNvGrpSpPr/>
         <p:nvPr/>
       </p:nvGrpSpPr>
@@ -1929,7 +2004,9 @@
       <p:sp>
         <p:nvSpPr>
           <p:cNvPr id="10" name="Google Shape;10;p2"/>
-          <p:cNvSpPr txBox="1"/>
+          <p:cNvSpPr txBox="1">
+            <a:spLocks noGrp="1"/>
+          </p:cNvSpPr>
           <p:nvPr>
             <p:ph type="ctrTitle"/>
           </p:nvPr>
@@ -1944,7 +2021,7 @@
           </a:prstGeom>
         </p:spPr>
         <p:txBody>
-          <a:bodyPr anchorCtr="0" anchor="b" bIns="91425" lIns="91425" spcFirstLastPara="1" rIns="91425" wrap="square" tIns="91425">
+          <a:bodyPr spcFirstLastPara="1" wrap="square" lIns="91425" tIns="91425" rIns="91425" bIns="91425" anchor="b" anchorCtr="0">
             <a:normAutofit/>
           </a:bodyPr>
           <a:lstStyle>
@@ -2048,15 +2125,19 @@
               <a:defRPr sz="5200"/>
             </a:lvl9pPr>
           </a:lstStyle>
-          <a:p/>
+          <a:p>
+            <a:endParaRPr/>
+          </a:p>
         </p:txBody>
       </p:sp>
       <p:sp>
         <p:nvSpPr>
           <p:cNvPr id="11" name="Google Shape;11;p2"/>
-          <p:cNvSpPr txBox="1"/>
+          <p:cNvSpPr txBox="1">
+            <a:spLocks noGrp="1"/>
+          </p:cNvSpPr>
           <p:nvPr>
-            <p:ph idx="1" type="subTitle"/>
+            <p:ph type="subTitle" idx="1"/>
           </p:nvPr>
         </p:nvSpPr>
         <p:spPr>
@@ -2069,7 +2150,7 @@
           </a:prstGeom>
         </p:spPr>
         <p:txBody>
-          <a:bodyPr anchorCtr="0" anchor="t" bIns="91425" lIns="91425" spcFirstLastPara="1" rIns="91425" wrap="square" tIns="91425">
+          <a:bodyPr spcFirstLastPara="1" wrap="square" lIns="91425" tIns="91425" rIns="91425" bIns="91425" anchor="t" anchorCtr="0">
             <a:normAutofit/>
           </a:bodyPr>
           <a:lstStyle>
@@ -2200,15 +2281,19 @@
               <a:defRPr sz="2800"/>
             </a:lvl9pPr>
           </a:lstStyle>
-          <a:p/>
+          <a:p>
+            <a:endParaRPr/>
+          </a:p>
         </p:txBody>
       </p:sp>
       <p:sp>
         <p:nvSpPr>
           <p:cNvPr id="12" name="Google Shape;12;p2"/>
-          <p:cNvSpPr txBox="1"/>
+          <p:cNvSpPr txBox="1">
+            <a:spLocks noGrp="1"/>
+          </p:cNvSpPr>
           <p:nvPr>
-            <p:ph idx="12" type="sldNum"/>
+            <p:ph type="sldNum" idx="12"/>
           </p:nvPr>
         </p:nvSpPr>
         <p:spPr>
@@ -2221,7 +2306,7 @@
           </a:prstGeom>
         </p:spPr>
         <p:txBody>
-          <a:bodyPr anchorCtr="0" anchor="ctr" bIns="91425" lIns="91425" spcFirstLastPara="1" rIns="91425" wrap="square" tIns="91425">
+          <a:bodyPr spcFirstLastPara="1" wrap="square" lIns="91425" tIns="91425" rIns="91425" bIns="91425" anchor="ctr" anchorCtr="0">
             <a:normAutofit/>
           </a:bodyPr>
           <a:lstStyle>
@@ -2263,7 +2348,7 @@
             </a:lvl9pPr>
           </a:lstStyle>
           <a:p>
-            <a:pPr indent="0" lvl="0" marL="0" rtl="0" algn="r">
+            <a:pPr marL="0" lvl="0" indent="0" algn="r" rtl="0">
               <a:spcBef>
                 <a:spcPts val="0"/>
               </a:spcBef>
@@ -2289,11 +2374,11 @@
 </file>
 
 <file path=ppt/slideLayouts/slideLayout10.xml><?xml version="1.0" encoding="utf-8"?>
-<p:sldLayout xmlns:a="http://schemas.openxmlformats.org/drawingml/2006/main" xmlns:r="http://schemas.openxmlformats.org/officeDocument/2006/relationships" xmlns:mc="http://schemas.openxmlformats.org/markup-compatibility/2006" xmlns:mv="urn:schemas-microsoft-com:mac:vml" xmlns:p="http://schemas.openxmlformats.org/presentationml/2006/main" xmlns:c="http://schemas.openxmlformats.org/drawingml/2006/chart" xmlns:dgm="http://schemas.openxmlformats.org/drawingml/2006/diagram" xmlns:o="urn:schemas-microsoft-com:office:office" xmlns:v="urn:schemas-microsoft-com:vml" xmlns:pvml="urn:schemas-microsoft-com:office:powerpoint" xmlns:com="http://schemas.openxmlformats.org/drawingml/2006/compatibility" xmlns:p14="http://schemas.microsoft.com/office/powerpoint/2010/main" xmlns:p15="http://schemas.microsoft.com/office/powerpoint/2012/main" xmlns:ahyp="http://schemas.microsoft.com/office/drawing/2018/hyperlinkcolor" matchingName="Big number">
+<p:sldLayout xmlns:a="http://schemas.openxmlformats.org/drawingml/2006/main" xmlns:r="http://schemas.openxmlformats.org/officeDocument/2006/relationships" xmlns:p="http://schemas.openxmlformats.org/presentationml/2006/main" matchingName="Big number">
   <p:cSld name="BIG_NUMBER">
     <p:spTree>
       <p:nvGrpSpPr>
-        <p:cNvPr id="44" name="Shape 44"/>
+        <p:cNvPr id="1" name="Shape 44"/>
         <p:cNvGrpSpPr/>
         <p:nvPr/>
       </p:nvGrpSpPr>
@@ -2308,9 +2393,11 @@
       <p:sp>
         <p:nvSpPr>
           <p:cNvPr id="45" name="Google Shape;45;p11"/>
-          <p:cNvSpPr txBox="1"/>
+          <p:cNvSpPr txBox="1">
+            <a:spLocks noGrp="1"/>
+          </p:cNvSpPr>
           <p:nvPr>
-            <p:ph hasCustomPrompt="1" type="title"/>
+            <p:ph type="title" hasCustomPrompt="1"/>
           </p:nvPr>
         </p:nvSpPr>
         <p:spPr>
@@ -2323,7 +2410,7 @@
           </a:prstGeom>
         </p:spPr>
         <p:txBody>
-          <a:bodyPr anchorCtr="0" anchor="b" bIns="91425" lIns="91425" spcFirstLastPara="1" rIns="91425" wrap="square" tIns="91425">
+          <a:bodyPr spcFirstLastPara="1" wrap="square" lIns="91425" tIns="91425" rIns="91425" bIns="91425" anchor="b" anchorCtr="0">
             <a:normAutofit/>
           </a:bodyPr>
           <a:lstStyle>
@@ -2437,9 +2524,11 @@
       <p:sp>
         <p:nvSpPr>
           <p:cNvPr id="46" name="Google Shape;46;p11"/>
-          <p:cNvSpPr txBox="1"/>
+          <p:cNvSpPr txBox="1">
+            <a:spLocks noGrp="1"/>
+          </p:cNvSpPr>
           <p:nvPr>
-            <p:ph idx="1" type="body"/>
+            <p:ph type="body" idx="1"/>
           </p:nvPr>
         </p:nvSpPr>
         <p:spPr>
@@ -2452,11 +2541,11 @@
           </a:prstGeom>
         </p:spPr>
         <p:txBody>
-          <a:bodyPr anchorCtr="0" anchor="t" bIns="91425" lIns="91425" spcFirstLastPara="1" rIns="91425" wrap="square" tIns="91425">
+          <a:bodyPr spcFirstLastPara="1" wrap="square" lIns="91425" tIns="91425" rIns="91425" bIns="91425" anchor="t" anchorCtr="0">
             <a:normAutofit/>
           </a:bodyPr>
           <a:lstStyle>
-            <a:lvl1pPr indent="-342900" lvl="0" marL="457200" algn="ctr">
+            <a:lvl1pPr marL="457200" lvl="0" indent="-342900" algn="ctr">
               <a:spcBef>
                 <a:spcPts val="0"/>
               </a:spcBef>
@@ -2467,7 +2556,7 @@
               <a:buChar char="●"/>
               <a:defRPr/>
             </a:lvl1pPr>
-            <a:lvl2pPr indent="-317500" lvl="1" marL="914400" algn="ctr">
+            <a:lvl2pPr marL="914400" lvl="1" indent="-317500" algn="ctr">
               <a:spcBef>
                 <a:spcPts val="0"/>
               </a:spcBef>
@@ -2478,7 +2567,7 @@
               <a:buChar char="○"/>
               <a:defRPr/>
             </a:lvl2pPr>
-            <a:lvl3pPr indent="-317500" lvl="2" marL="1371600" algn="ctr">
+            <a:lvl3pPr marL="1371600" lvl="2" indent="-317500" algn="ctr">
               <a:spcBef>
                 <a:spcPts val="0"/>
               </a:spcBef>
@@ -2489,7 +2578,7 @@
               <a:buChar char="■"/>
               <a:defRPr/>
             </a:lvl3pPr>
-            <a:lvl4pPr indent="-317500" lvl="3" marL="1828800" algn="ctr">
+            <a:lvl4pPr marL="1828800" lvl="3" indent="-317500" algn="ctr">
               <a:spcBef>
                 <a:spcPts val="0"/>
               </a:spcBef>
@@ -2500,7 +2589,7 @@
               <a:buChar char="●"/>
               <a:defRPr/>
             </a:lvl4pPr>
-            <a:lvl5pPr indent="-317500" lvl="4" marL="2286000" algn="ctr">
+            <a:lvl5pPr marL="2286000" lvl="4" indent="-317500" algn="ctr">
               <a:spcBef>
                 <a:spcPts val="0"/>
               </a:spcBef>
@@ -2511,7 +2600,7 @@
               <a:buChar char="○"/>
               <a:defRPr/>
             </a:lvl5pPr>
-            <a:lvl6pPr indent="-317500" lvl="5" marL="2743200" algn="ctr">
+            <a:lvl6pPr marL="2743200" lvl="5" indent="-317500" algn="ctr">
               <a:spcBef>
                 <a:spcPts val="0"/>
               </a:spcBef>
@@ -2522,7 +2611,7 @@
               <a:buChar char="■"/>
               <a:defRPr/>
             </a:lvl6pPr>
-            <a:lvl7pPr indent="-317500" lvl="6" marL="3200400" algn="ctr">
+            <a:lvl7pPr marL="3200400" lvl="6" indent="-317500" algn="ctr">
               <a:spcBef>
                 <a:spcPts val="0"/>
               </a:spcBef>
@@ -2533,7 +2622,7 @@
               <a:buChar char="●"/>
               <a:defRPr/>
             </a:lvl7pPr>
-            <a:lvl8pPr indent="-317500" lvl="7" marL="3657600" algn="ctr">
+            <a:lvl8pPr marL="3657600" lvl="7" indent="-317500" algn="ctr">
               <a:spcBef>
                 <a:spcPts val="0"/>
               </a:spcBef>
@@ -2544,7 +2633,7 @@
               <a:buChar char="○"/>
               <a:defRPr/>
             </a:lvl8pPr>
-            <a:lvl9pPr indent="-317500" lvl="8" marL="4114800" algn="ctr">
+            <a:lvl9pPr marL="4114800" lvl="8" indent="-317500" algn="ctr">
               <a:spcBef>
                 <a:spcPts val="0"/>
               </a:spcBef>
@@ -2556,15 +2645,19 @@
               <a:defRPr/>
             </a:lvl9pPr>
           </a:lstStyle>
-          <a:p/>
+          <a:p>
+            <a:endParaRPr/>
+          </a:p>
         </p:txBody>
       </p:sp>
       <p:sp>
         <p:nvSpPr>
           <p:cNvPr id="47" name="Google Shape;47;p11"/>
-          <p:cNvSpPr txBox="1"/>
+          <p:cNvSpPr txBox="1">
+            <a:spLocks noGrp="1"/>
+          </p:cNvSpPr>
           <p:nvPr>
-            <p:ph idx="12" type="sldNum"/>
+            <p:ph type="sldNum" idx="12"/>
           </p:nvPr>
         </p:nvSpPr>
         <p:spPr>
@@ -2577,7 +2670,7 @@
           </a:prstGeom>
         </p:spPr>
         <p:txBody>
-          <a:bodyPr anchorCtr="0" anchor="ctr" bIns="91425" lIns="91425" spcFirstLastPara="1" rIns="91425" wrap="square" tIns="91425">
+          <a:bodyPr spcFirstLastPara="1" wrap="square" lIns="91425" tIns="91425" rIns="91425" bIns="91425" anchor="ctr" anchorCtr="0">
             <a:normAutofit/>
           </a:bodyPr>
           <a:lstStyle>
@@ -2619,7 +2712,7 @@
             </a:lvl9pPr>
           </a:lstStyle>
           <a:p>
-            <a:pPr indent="0" lvl="0" marL="0" rtl="0" algn="r">
+            <a:pPr marL="0" lvl="0" indent="0" algn="r" rtl="0">
               <a:spcBef>
                 <a:spcPts val="0"/>
               </a:spcBef>
@@ -2645,11 +2738,11 @@
 </file>
 
 <file path=ppt/slideLayouts/slideLayout11.xml><?xml version="1.0" encoding="utf-8"?>
-<p:sldLayout xmlns:a="http://schemas.openxmlformats.org/drawingml/2006/main" xmlns:r="http://schemas.openxmlformats.org/officeDocument/2006/relationships" xmlns:mc="http://schemas.openxmlformats.org/markup-compatibility/2006" xmlns:mv="urn:schemas-microsoft-com:mac:vml" xmlns:p="http://schemas.openxmlformats.org/presentationml/2006/main" xmlns:c="http://schemas.openxmlformats.org/drawingml/2006/chart" xmlns:dgm="http://schemas.openxmlformats.org/drawingml/2006/diagram" xmlns:o="urn:schemas-microsoft-com:office:office" xmlns:v="urn:schemas-microsoft-com:vml" xmlns:pvml="urn:schemas-microsoft-com:office:powerpoint" xmlns:com="http://schemas.openxmlformats.org/drawingml/2006/compatibility" xmlns:p14="http://schemas.microsoft.com/office/powerpoint/2010/main" xmlns:p15="http://schemas.microsoft.com/office/powerpoint/2012/main" xmlns:ahyp="http://schemas.microsoft.com/office/drawing/2018/hyperlinkcolor" matchingName="Blank" type="blank">
+<p:sldLayout xmlns:a="http://schemas.openxmlformats.org/drawingml/2006/main" xmlns:r="http://schemas.openxmlformats.org/officeDocument/2006/relationships" xmlns:p="http://schemas.openxmlformats.org/presentationml/2006/main" matchingName="Blank" type="blank">
   <p:cSld name="BLANK">
     <p:spTree>
       <p:nvGrpSpPr>
-        <p:cNvPr id="48" name="Shape 48"/>
+        <p:cNvPr id="1" name="Shape 48"/>
         <p:cNvGrpSpPr/>
         <p:nvPr/>
       </p:nvGrpSpPr>
@@ -2664,9 +2757,11 @@
       <p:sp>
         <p:nvSpPr>
           <p:cNvPr id="49" name="Google Shape;49;p12"/>
-          <p:cNvSpPr txBox="1"/>
+          <p:cNvSpPr txBox="1">
+            <a:spLocks noGrp="1"/>
+          </p:cNvSpPr>
           <p:nvPr>
-            <p:ph idx="12" type="sldNum"/>
+            <p:ph type="sldNum" idx="12"/>
           </p:nvPr>
         </p:nvSpPr>
         <p:spPr>
@@ -2679,7 +2774,7 @@
           </a:prstGeom>
         </p:spPr>
         <p:txBody>
-          <a:bodyPr anchorCtr="0" anchor="ctr" bIns="91425" lIns="91425" spcFirstLastPara="1" rIns="91425" wrap="square" tIns="91425">
+          <a:bodyPr spcFirstLastPara="1" wrap="square" lIns="91425" tIns="91425" rIns="91425" bIns="91425" anchor="ctr" anchorCtr="0">
             <a:normAutofit/>
           </a:bodyPr>
           <a:lstStyle>
@@ -2721,7 +2816,7 @@
             </a:lvl9pPr>
           </a:lstStyle>
           <a:p>
-            <a:pPr indent="0" lvl="0" marL="0" rtl="0" algn="r">
+            <a:pPr marL="0" lvl="0" indent="0" algn="r" rtl="0">
               <a:spcBef>
                 <a:spcPts val="0"/>
               </a:spcBef>
@@ -2747,11 +2842,11 @@
 </file>
 
 <file path=ppt/slideLayouts/slideLayout2.xml><?xml version="1.0" encoding="utf-8"?>
-<p:sldLayout xmlns:a="http://schemas.openxmlformats.org/drawingml/2006/main" xmlns:r="http://schemas.openxmlformats.org/officeDocument/2006/relationships" xmlns:mc="http://schemas.openxmlformats.org/markup-compatibility/2006" xmlns:mv="urn:schemas-microsoft-com:mac:vml" xmlns:p="http://schemas.openxmlformats.org/presentationml/2006/main" xmlns:c="http://schemas.openxmlformats.org/drawingml/2006/chart" xmlns:dgm="http://schemas.openxmlformats.org/drawingml/2006/diagram" xmlns:o="urn:schemas-microsoft-com:office:office" xmlns:v="urn:schemas-microsoft-com:vml" xmlns:pvml="urn:schemas-microsoft-com:office:powerpoint" xmlns:com="http://schemas.openxmlformats.org/drawingml/2006/compatibility" xmlns:p14="http://schemas.microsoft.com/office/powerpoint/2010/main" xmlns:p15="http://schemas.microsoft.com/office/powerpoint/2012/main" xmlns:ahyp="http://schemas.microsoft.com/office/drawing/2018/hyperlinkcolor" matchingName="Section header" type="secHead">
+<p:sldLayout xmlns:a="http://schemas.openxmlformats.org/drawingml/2006/main" xmlns:r="http://schemas.openxmlformats.org/officeDocument/2006/relationships" xmlns:p="http://schemas.openxmlformats.org/presentationml/2006/main" matchingName="Section header" type="secHead">
   <p:cSld name="SECTION_HEADER">
     <p:spTree>
       <p:nvGrpSpPr>
-        <p:cNvPr id="13" name="Shape 13"/>
+        <p:cNvPr id="1" name="Shape 13"/>
         <p:cNvGrpSpPr/>
         <p:nvPr/>
       </p:nvGrpSpPr>
@@ -2766,7 +2861,9 @@
       <p:sp>
         <p:nvSpPr>
           <p:cNvPr id="14" name="Google Shape;14;p3"/>
-          <p:cNvSpPr txBox="1"/>
+          <p:cNvSpPr txBox="1">
+            <a:spLocks noGrp="1"/>
+          </p:cNvSpPr>
           <p:nvPr>
             <p:ph type="title"/>
           </p:nvPr>
@@ -2781,7 +2878,7 @@
           </a:prstGeom>
         </p:spPr>
         <p:txBody>
-          <a:bodyPr anchorCtr="0" anchor="ctr" bIns="91425" lIns="91425" spcFirstLastPara="1" rIns="91425" wrap="square" tIns="91425">
+          <a:bodyPr spcFirstLastPara="1" wrap="square" lIns="91425" tIns="91425" rIns="91425" bIns="91425" anchor="ctr" anchorCtr="0">
             <a:normAutofit/>
           </a:bodyPr>
           <a:lstStyle>
@@ -2885,15 +2982,19 @@
               <a:defRPr sz="3600"/>
             </a:lvl9pPr>
           </a:lstStyle>
-          <a:p/>
+          <a:p>
+            <a:endParaRPr/>
+          </a:p>
         </p:txBody>
       </p:sp>
       <p:sp>
         <p:nvSpPr>
           <p:cNvPr id="15" name="Google Shape;15;p3"/>
-          <p:cNvSpPr txBox="1"/>
+          <p:cNvSpPr txBox="1">
+            <a:spLocks noGrp="1"/>
+          </p:cNvSpPr>
           <p:nvPr>
-            <p:ph idx="12" type="sldNum"/>
+            <p:ph type="sldNum" idx="12"/>
           </p:nvPr>
         </p:nvSpPr>
         <p:spPr>
@@ -2906,7 +3007,7 @@
           </a:prstGeom>
         </p:spPr>
         <p:txBody>
-          <a:bodyPr anchorCtr="0" anchor="ctr" bIns="91425" lIns="91425" spcFirstLastPara="1" rIns="91425" wrap="square" tIns="91425">
+          <a:bodyPr spcFirstLastPara="1" wrap="square" lIns="91425" tIns="91425" rIns="91425" bIns="91425" anchor="ctr" anchorCtr="0">
             <a:normAutofit/>
           </a:bodyPr>
           <a:lstStyle>
@@ -2948,7 +3049,7 @@
             </a:lvl9pPr>
           </a:lstStyle>
           <a:p>
-            <a:pPr indent="0" lvl="0" marL="0" rtl="0" algn="r">
+            <a:pPr marL="0" lvl="0" indent="0" algn="r" rtl="0">
               <a:spcBef>
                 <a:spcPts val="0"/>
               </a:spcBef>
@@ -2974,11 +3075,11 @@
 </file>
 
 <file path=ppt/slideLayouts/slideLayout3.xml><?xml version="1.0" encoding="utf-8"?>
-<p:sldLayout xmlns:a="http://schemas.openxmlformats.org/drawingml/2006/main" xmlns:r="http://schemas.openxmlformats.org/officeDocument/2006/relationships" xmlns:mc="http://schemas.openxmlformats.org/markup-compatibility/2006" xmlns:mv="urn:schemas-microsoft-com:mac:vml" xmlns:p="http://schemas.openxmlformats.org/presentationml/2006/main" xmlns:c="http://schemas.openxmlformats.org/drawingml/2006/chart" xmlns:dgm="http://schemas.openxmlformats.org/drawingml/2006/diagram" xmlns:o="urn:schemas-microsoft-com:office:office" xmlns:v="urn:schemas-microsoft-com:vml" xmlns:pvml="urn:schemas-microsoft-com:office:powerpoint" xmlns:com="http://schemas.openxmlformats.org/drawingml/2006/compatibility" xmlns:p14="http://schemas.microsoft.com/office/powerpoint/2010/main" xmlns:p15="http://schemas.microsoft.com/office/powerpoint/2012/main" xmlns:ahyp="http://schemas.microsoft.com/office/drawing/2018/hyperlinkcolor" matchingName="Title and body" type="tx">
+<p:sldLayout xmlns:a="http://schemas.openxmlformats.org/drawingml/2006/main" xmlns:r="http://schemas.openxmlformats.org/officeDocument/2006/relationships" xmlns:p="http://schemas.openxmlformats.org/presentationml/2006/main" matchingName="Title and body" type="tx">
   <p:cSld name="TITLE_AND_BODY">
     <p:spTree>
       <p:nvGrpSpPr>
-        <p:cNvPr id="16" name="Shape 16"/>
+        <p:cNvPr id="1" name="Shape 16"/>
         <p:cNvGrpSpPr/>
         <p:nvPr/>
       </p:nvGrpSpPr>
@@ -2993,7 +3094,9 @@
       <p:sp>
         <p:nvSpPr>
           <p:cNvPr id="17" name="Google Shape;17;p4"/>
-          <p:cNvSpPr txBox="1"/>
+          <p:cNvSpPr txBox="1">
+            <a:spLocks noGrp="1"/>
+          </p:cNvSpPr>
           <p:nvPr>
             <p:ph type="title"/>
           </p:nvPr>
@@ -3008,7 +3111,7 @@
           </a:prstGeom>
         </p:spPr>
         <p:txBody>
-          <a:bodyPr anchorCtr="0" anchor="t" bIns="91425" lIns="91425" spcFirstLastPara="1" rIns="91425" wrap="square" tIns="91425">
+          <a:bodyPr spcFirstLastPara="1" wrap="square" lIns="91425" tIns="91425" rIns="91425" bIns="91425" anchor="t" anchorCtr="0">
             <a:normAutofit/>
           </a:bodyPr>
           <a:lstStyle>
@@ -3112,15 +3215,19 @@
               <a:defRPr/>
             </a:lvl9pPr>
           </a:lstStyle>
-          <a:p/>
+          <a:p>
+            <a:endParaRPr/>
+          </a:p>
         </p:txBody>
       </p:sp>
       <p:sp>
         <p:nvSpPr>
           <p:cNvPr id="18" name="Google Shape;18;p4"/>
-          <p:cNvSpPr txBox="1"/>
+          <p:cNvSpPr txBox="1">
+            <a:spLocks noGrp="1"/>
+          </p:cNvSpPr>
           <p:nvPr>
-            <p:ph idx="1" type="body"/>
+            <p:ph type="body" idx="1"/>
           </p:nvPr>
         </p:nvSpPr>
         <p:spPr>
@@ -3133,11 +3240,11 @@
           </a:prstGeom>
         </p:spPr>
         <p:txBody>
-          <a:bodyPr anchorCtr="0" anchor="t" bIns="91425" lIns="91425" spcFirstLastPara="1" rIns="91425" wrap="square" tIns="91425">
+          <a:bodyPr spcFirstLastPara="1" wrap="square" lIns="91425" tIns="91425" rIns="91425" bIns="91425" anchor="t" anchorCtr="0">
             <a:normAutofit/>
           </a:bodyPr>
           <a:lstStyle>
-            <a:lvl1pPr indent="-342900" lvl="0" marL="457200">
+            <a:lvl1pPr marL="457200" lvl="0" indent="-342900">
               <a:spcBef>
                 <a:spcPts val="0"/>
               </a:spcBef>
@@ -3148,7 +3255,7 @@
               <a:buChar char="●"/>
               <a:defRPr/>
             </a:lvl1pPr>
-            <a:lvl2pPr indent="-317500" lvl="1" marL="914400">
+            <a:lvl2pPr marL="914400" lvl="1" indent="-317500">
               <a:spcBef>
                 <a:spcPts val="0"/>
               </a:spcBef>
@@ -3159,7 +3266,7 @@
               <a:buChar char="○"/>
               <a:defRPr/>
             </a:lvl2pPr>
-            <a:lvl3pPr indent="-317500" lvl="2" marL="1371600">
+            <a:lvl3pPr marL="1371600" lvl="2" indent="-317500">
               <a:spcBef>
                 <a:spcPts val="0"/>
               </a:spcBef>
@@ -3170,7 +3277,7 @@
               <a:buChar char="■"/>
               <a:defRPr/>
             </a:lvl3pPr>
-            <a:lvl4pPr indent="-317500" lvl="3" marL="1828800">
+            <a:lvl4pPr marL="1828800" lvl="3" indent="-317500">
               <a:spcBef>
                 <a:spcPts val="0"/>
               </a:spcBef>
@@ -3181,7 +3288,7 @@
               <a:buChar char="●"/>
               <a:defRPr/>
             </a:lvl4pPr>
-            <a:lvl5pPr indent="-317500" lvl="4" marL="2286000">
+            <a:lvl5pPr marL="2286000" lvl="4" indent="-317500">
               <a:spcBef>
                 <a:spcPts val="0"/>
               </a:spcBef>
@@ -3192,7 +3299,7 @@
               <a:buChar char="○"/>
               <a:defRPr/>
             </a:lvl5pPr>
-            <a:lvl6pPr indent="-317500" lvl="5" marL="2743200">
+            <a:lvl6pPr marL="2743200" lvl="5" indent="-317500">
               <a:spcBef>
                 <a:spcPts val="0"/>
               </a:spcBef>
@@ -3203,7 +3310,7 @@
               <a:buChar char="■"/>
               <a:defRPr/>
             </a:lvl6pPr>
-            <a:lvl7pPr indent="-317500" lvl="6" marL="3200400">
+            <a:lvl7pPr marL="3200400" lvl="6" indent="-317500">
               <a:spcBef>
                 <a:spcPts val="0"/>
               </a:spcBef>
@@ -3214,7 +3321,7 @@
               <a:buChar char="●"/>
               <a:defRPr/>
             </a:lvl7pPr>
-            <a:lvl8pPr indent="-317500" lvl="7" marL="3657600">
+            <a:lvl8pPr marL="3657600" lvl="7" indent="-317500">
               <a:spcBef>
                 <a:spcPts val="0"/>
               </a:spcBef>
@@ -3225,7 +3332,7 @@
               <a:buChar char="○"/>
               <a:defRPr/>
             </a:lvl8pPr>
-            <a:lvl9pPr indent="-317500" lvl="8" marL="4114800">
+            <a:lvl9pPr marL="4114800" lvl="8" indent="-317500">
               <a:spcBef>
                 <a:spcPts val="0"/>
               </a:spcBef>
@@ -3237,15 +3344,19 @@
               <a:defRPr/>
             </a:lvl9pPr>
           </a:lstStyle>
-          <a:p/>
+          <a:p>
+            <a:endParaRPr/>
+          </a:p>
         </p:txBody>
       </p:sp>
       <p:sp>
         <p:nvSpPr>
           <p:cNvPr id="19" name="Google Shape;19;p4"/>
-          <p:cNvSpPr txBox="1"/>
+          <p:cNvSpPr txBox="1">
+            <a:spLocks noGrp="1"/>
+          </p:cNvSpPr>
           <p:nvPr>
-            <p:ph idx="12" type="sldNum"/>
+            <p:ph type="sldNum" idx="12"/>
           </p:nvPr>
         </p:nvSpPr>
         <p:spPr>
@@ -3258,7 +3369,7 @@
           </a:prstGeom>
         </p:spPr>
         <p:txBody>
-          <a:bodyPr anchorCtr="0" anchor="ctr" bIns="91425" lIns="91425" spcFirstLastPara="1" rIns="91425" wrap="square" tIns="91425">
+          <a:bodyPr spcFirstLastPara="1" wrap="square" lIns="91425" tIns="91425" rIns="91425" bIns="91425" anchor="ctr" anchorCtr="0">
             <a:normAutofit/>
           </a:bodyPr>
           <a:lstStyle>
@@ -3300,7 +3411,7 @@
             </a:lvl9pPr>
           </a:lstStyle>
           <a:p>
-            <a:pPr indent="0" lvl="0" marL="0" rtl="0" algn="r">
+            <a:pPr marL="0" lvl="0" indent="0" algn="r" rtl="0">
               <a:spcBef>
                 <a:spcPts val="0"/>
               </a:spcBef>
@@ -3326,11 +3437,11 @@
 </file>
 
 <file path=ppt/slideLayouts/slideLayout4.xml><?xml version="1.0" encoding="utf-8"?>
-<p:sldLayout xmlns:a="http://schemas.openxmlformats.org/drawingml/2006/main" xmlns:r="http://schemas.openxmlformats.org/officeDocument/2006/relationships" xmlns:mc="http://schemas.openxmlformats.org/markup-compatibility/2006" xmlns:mv="urn:schemas-microsoft-com:mac:vml" xmlns:p="http://schemas.openxmlformats.org/presentationml/2006/main" xmlns:c="http://schemas.openxmlformats.org/drawingml/2006/chart" xmlns:dgm="http://schemas.openxmlformats.org/drawingml/2006/diagram" xmlns:o="urn:schemas-microsoft-com:office:office" xmlns:v="urn:schemas-microsoft-com:vml" xmlns:pvml="urn:schemas-microsoft-com:office:powerpoint" xmlns:com="http://schemas.openxmlformats.org/drawingml/2006/compatibility" xmlns:p14="http://schemas.microsoft.com/office/powerpoint/2010/main" xmlns:p15="http://schemas.microsoft.com/office/powerpoint/2012/main" xmlns:ahyp="http://schemas.microsoft.com/office/drawing/2018/hyperlinkcolor" matchingName="Title and two columns" type="twoColTx">
+<p:sldLayout xmlns:a="http://schemas.openxmlformats.org/drawingml/2006/main" xmlns:r="http://schemas.openxmlformats.org/officeDocument/2006/relationships" xmlns:p="http://schemas.openxmlformats.org/presentationml/2006/main" matchingName="Title and two columns" type="twoColTx">
   <p:cSld name="TITLE_AND_TWO_COLUMNS">
     <p:spTree>
       <p:nvGrpSpPr>
-        <p:cNvPr id="20" name="Shape 20"/>
+        <p:cNvPr id="1" name="Shape 20"/>
         <p:cNvGrpSpPr/>
         <p:nvPr/>
       </p:nvGrpSpPr>
@@ -3345,7 +3456,9 @@
       <p:sp>
         <p:nvSpPr>
           <p:cNvPr id="21" name="Google Shape;21;p5"/>
-          <p:cNvSpPr txBox="1"/>
+          <p:cNvSpPr txBox="1">
+            <a:spLocks noGrp="1"/>
+          </p:cNvSpPr>
           <p:nvPr>
             <p:ph type="title"/>
           </p:nvPr>
@@ -3360,7 +3473,7 @@
           </a:prstGeom>
         </p:spPr>
         <p:txBody>
-          <a:bodyPr anchorCtr="0" anchor="t" bIns="91425" lIns="91425" spcFirstLastPara="1" rIns="91425" wrap="square" tIns="91425">
+          <a:bodyPr spcFirstLastPara="1" wrap="square" lIns="91425" tIns="91425" rIns="91425" bIns="91425" anchor="t" anchorCtr="0">
             <a:normAutofit/>
           </a:bodyPr>
           <a:lstStyle>
@@ -3464,15 +3577,19 @@
               <a:defRPr/>
             </a:lvl9pPr>
           </a:lstStyle>
-          <a:p/>
+          <a:p>
+            <a:endParaRPr/>
+          </a:p>
         </p:txBody>
       </p:sp>
       <p:sp>
         <p:nvSpPr>
           <p:cNvPr id="22" name="Google Shape;22;p5"/>
-          <p:cNvSpPr txBox="1"/>
+          <p:cNvSpPr txBox="1">
+            <a:spLocks noGrp="1"/>
+          </p:cNvSpPr>
           <p:nvPr>
-            <p:ph idx="1" type="body"/>
+            <p:ph type="body" idx="1"/>
           </p:nvPr>
         </p:nvSpPr>
         <p:spPr>
@@ -3485,11 +3602,11 @@
           </a:prstGeom>
         </p:spPr>
         <p:txBody>
-          <a:bodyPr anchorCtr="0" anchor="t" bIns="91425" lIns="91425" spcFirstLastPara="1" rIns="91425" wrap="square" tIns="91425">
+          <a:bodyPr spcFirstLastPara="1" wrap="square" lIns="91425" tIns="91425" rIns="91425" bIns="91425" anchor="t" anchorCtr="0">
             <a:normAutofit/>
           </a:bodyPr>
           <a:lstStyle>
-            <a:lvl1pPr indent="-317500" lvl="0" marL="457200">
+            <a:lvl1pPr marL="457200" lvl="0" indent="-317500">
               <a:spcBef>
                 <a:spcPts val="0"/>
               </a:spcBef>
@@ -3500,7 +3617,7 @@
               <a:buChar char="●"/>
               <a:defRPr sz="1400"/>
             </a:lvl1pPr>
-            <a:lvl2pPr indent="-304800" lvl="1" marL="914400">
+            <a:lvl2pPr marL="914400" lvl="1" indent="-304800">
               <a:spcBef>
                 <a:spcPts val="0"/>
               </a:spcBef>
@@ -3511,7 +3628,7 @@
               <a:buChar char="○"/>
               <a:defRPr sz="1200"/>
             </a:lvl2pPr>
-            <a:lvl3pPr indent="-304800" lvl="2" marL="1371600">
+            <a:lvl3pPr marL="1371600" lvl="2" indent="-304800">
               <a:spcBef>
                 <a:spcPts val="0"/>
               </a:spcBef>
@@ -3522,7 +3639,7 @@
               <a:buChar char="■"/>
               <a:defRPr sz="1200"/>
             </a:lvl3pPr>
-            <a:lvl4pPr indent="-304800" lvl="3" marL="1828800">
+            <a:lvl4pPr marL="1828800" lvl="3" indent="-304800">
               <a:spcBef>
                 <a:spcPts val="0"/>
               </a:spcBef>
@@ -3533,7 +3650,7 @@
               <a:buChar char="●"/>
               <a:defRPr sz="1200"/>
             </a:lvl4pPr>
-            <a:lvl5pPr indent="-304800" lvl="4" marL="2286000">
+            <a:lvl5pPr marL="2286000" lvl="4" indent="-304800">
               <a:spcBef>
                 <a:spcPts val="0"/>
               </a:spcBef>
@@ -3544,7 +3661,7 @@
               <a:buChar char="○"/>
               <a:defRPr sz="1200"/>
             </a:lvl5pPr>
-            <a:lvl6pPr indent="-304800" lvl="5" marL="2743200">
+            <a:lvl6pPr marL="2743200" lvl="5" indent="-304800">
               <a:spcBef>
                 <a:spcPts val="0"/>
               </a:spcBef>
@@ -3555,7 +3672,7 @@
               <a:buChar char="■"/>
               <a:defRPr sz="1200"/>
             </a:lvl6pPr>
-            <a:lvl7pPr indent="-304800" lvl="6" marL="3200400">
+            <a:lvl7pPr marL="3200400" lvl="6" indent="-304800">
               <a:spcBef>
                 <a:spcPts val="0"/>
               </a:spcBef>
@@ -3566,7 +3683,7 @@
               <a:buChar char="●"/>
               <a:defRPr sz="1200"/>
             </a:lvl7pPr>
-            <a:lvl8pPr indent="-304800" lvl="7" marL="3657600">
+            <a:lvl8pPr marL="3657600" lvl="7" indent="-304800">
               <a:spcBef>
                 <a:spcPts val="0"/>
               </a:spcBef>
@@ -3577,7 +3694,7 @@
               <a:buChar char="○"/>
               <a:defRPr sz="1200"/>
             </a:lvl8pPr>
-            <a:lvl9pPr indent="-304800" lvl="8" marL="4114800">
+            <a:lvl9pPr marL="4114800" lvl="8" indent="-304800">
               <a:spcBef>
                 <a:spcPts val="0"/>
               </a:spcBef>
@@ -3589,15 +3706,19 @@
               <a:defRPr sz="1200"/>
             </a:lvl9pPr>
           </a:lstStyle>
-          <a:p/>
+          <a:p>
+            <a:endParaRPr/>
+          </a:p>
         </p:txBody>
       </p:sp>
       <p:sp>
         <p:nvSpPr>
           <p:cNvPr id="23" name="Google Shape;23;p5"/>
-          <p:cNvSpPr txBox="1"/>
+          <p:cNvSpPr txBox="1">
+            <a:spLocks noGrp="1"/>
+          </p:cNvSpPr>
           <p:nvPr>
-            <p:ph idx="2" type="body"/>
+            <p:ph type="body" idx="2"/>
           </p:nvPr>
         </p:nvSpPr>
         <p:spPr>
@@ -3610,11 +3731,11 @@
           </a:prstGeom>
         </p:spPr>
         <p:txBody>
-          <a:bodyPr anchorCtr="0" anchor="t" bIns="91425" lIns="91425" spcFirstLastPara="1" rIns="91425" wrap="square" tIns="91425">
+          <a:bodyPr spcFirstLastPara="1" wrap="square" lIns="91425" tIns="91425" rIns="91425" bIns="91425" anchor="t" anchorCtr="0">
             <a:normAutofit/>
           </a:bodyPr>
           <a:lstStyle>
-            <a:lvl1pPr indent="-317500" lvl="0" marL="457200">
+            <a:lvl1pPr marL="457200" lvl="0" indent="-317500">
               <a:spcBef>
                 <a:spcPts val="0"/>
               </a:spcBef>
@@ -3625,7 +3746,7 @@
               <a:buChar char="●"/>
               <a:defRPr sz="1400"/>
             </a:lvl1pPr>
-            <a:lvl2pPr indent="-304800" lvl="1" marL="914400">
+            <a:lvl2pPr marL="914400" lvl="1" indent="-304800">
               <a:spcBef>
                 <a:spcPts val="0"/>
               </a:spcBef>
@@ -3636,7 +3757,7 @@
               <a:buChar char="○"/>
               <a:defRPr sz="1200"/>
             </a:lvl2pPr>
-            <a:lvl3pPr indent="-304800" lvl="2" marL="1371600">
+            <a:lvl3pPr marL="1371600" lvl="2" indent="-304800">
               <a:spcBef>
                 <a:spcPts val="0"/>
               </a:spcBef>
@@ -3647,7 +3768,7 @@
               <a:buChar char="■"/>
               <a:defRPr sz="1200"/>
             </a:lvl3pPr>
-            <a:lvl4pPr indent="-304800" lvl="3" marL="1828800">
+            <a:lvl4pPr marL="1828800" lvl="3" indent="-304800">
               <a:spcBef>
                 <a:spcPts val="0"/>
               </a:spcBef>
@@ -3658,7 +3779,7 @@
               <a:buChar char="●"/>
               <a:defRPr sz="1200"/>
             </a:lvl4pPr>
-            <a:lvl5pPr indent="-304800" lvl="4" marL="2286000">
+            <a:lvl5pPr marL="2286000" lvl="4" indent="-304800">
               <a:spcBef>
                 <a:spcPts val="0"/>
               </a:spcBef>
@@ -3669,7 +3790,7 @@
               <a:buChar char="○"/>
               <a:defRPr sz="1200"/>
             </a:lvl5pPr>
-            <a:lvl6pPr indent="-304800" lvl="5" marL="2743200">
+            <a:lvl6pPr marL="2743200" lvl="5" indent="-304800">
               <a:spcBef>
                 <a:spcPts val="0"/>
               </a:spcBef>
@@ -3680,7 +3801,7 @@
               <a:buChar char="■"/>
               <a:defRPr sz="1200"/>
             </a:lvl6pPr>
-            <a:lvl7pPr indent="-304800" lvl="6" marL="3200400">
+            <a:lvl7pPr marL="3200400" lvl="6" indent="-304800">
               <a:spcBef>
                 <a:spcPts val="0"/>
               </a:spcBef>
@@ -3691,7 +3812,7 @@
               <a:buChar char="●"/>
               <a:defRPr sz="1200"/>
             </a:lvl7pPr>
-            <a:lvl8pPr indent="-304800" lvl="7" marL="3657600">
+            <a:lvl8pPr marL="3657600" lvl="7" indent="-304800">
               <a:spcBef>
                 <a:spcPts val="0"/>
               </a:spcBef>
@@ -3702,7 +3823,7 @@
               <a:buChar char="○"/>
               <a:defRPr sz="1200"/>
             </a:lvl8pPr>
-            <a:lvl9pPr indent="-304800" lvl="8" marL="4114800">
+            <a:lvl9pPr marL="4114800" lvl="8" indent="-304800">
               <a:spcBef>
                 <a:spcPts val="0"/>
               </a:spcBef>
@@ -3714,15 +3835,19 @@
               <a:defRPr sz="1200"/>
             </a:lvl9pPr>
           </a:lstStyle>
-          <a:p/>
+          <a:p>
+            <a:endParaRPr/>
+          </a:p>
         </p:txBody>
       </p:sp>
       <p:sp>
         <p:nvSpPr>
           <p:cNvPr id="24" name="Google Shape;24;p5"/>
-          <p:cNvSpPr txBox="1"/>
+          <p:cNvSpPr txBox="1">
+            <a:spLocks noGrp="1"/>
+          </p:cNvSpPr>
           <p:nvPr>
-            <p:ph idx="12" type="sldNum"/>
+            <p:ph type="sldNum" idx="12"/>
           </p:nvPr>
         </p:nvSpPr>
         <p:spPr>
@@ -3735,7 +3860,7 @@
           </a:prstGeom>
         </p:spPr>
         <p:txBody>
-          <a:bodyPr anchorCtr="0" anchor="ctr" bIns="91425" lIns="91425" spcFirstLastPara="1" rIns="91425" wrap="square" tIns="91425">
+          <a:bodyPr spcFirstLastPara="1" wrap="square" lIns="91425" tIns="91425" rIns="91425" bIns="91425" anchor="ctr" anchorCtr="0">
             <a:normAutofit/>
           </a:bodyPr>
           <a:lstStyle>
@@ -3777,7 +3902,7 @@
             </a:lvl9pPr>
           </a:lstStyle>
           <a:p>
-            <a:pPr indent="0" lvl="0" marL="0" rtl="0" algn="r">
+            <a:pPr marL="0" lvl="0" indent="0" algn="r" rtl="0">
               <a:spcBef>
                 <a:spcPts val="0"/>
               </a:spcBef>
@@ -3803,11 +3928,11 @@
 </file>
 
 <file path=ppt/slideLayouts/slideLayout5.xml><?xml version="1.0" encoding="utf-8"?>
-<p:sldLayout xmlns:a="http://schemas.openxmlformats.org/drawingml/2006/main" xmlns:r="http://schemas.openxmlformats.org/officeDocument/2006/relationships" xmlns:mc="http://schemas.openxmlformats.org/markup-compatibility/2006" xmlns:mv="urn:schemas-microsoft-com:mac:vml" xmlns:p="http://schemas.openxmlformats.org/presentationml/2006/main" xmlns:c="http://schemas.openxmlformats.org/drawingml/2006/chart" xmlns:dgm="http://schemas.openxmlformats.org/drawingml/2006/diagram" xmlns:o="urn:schemas-microsoft-com:office:office" xmlns:v="urn:schemas-microsoft-com:vml" xmlns:pvml="urn:schemas-microsoft-com:office:powerpoint" xmlns:com="http://schemas.openxmlformats.org/drawingml/2006/compatibility" xmlns:p14="http://schemas.microsoft.com/office/powerpoint/2010/main" xmlns:p15="http://schemas.microsoft.com/office/powerpoint/2012/main" xmlns:ahyp="http://schemas.microsoft.com/office/drawing/2018/hyperlinkcolor" matchingName="Title only" type="titleOnly">
+<p:sldLayout xmlns:a="http://schemas.openxmlformats.org/drawingml/2006/main" xmlns:r="http://schemas.openxmlformats.org/officeDocument/2006/relationships" xmlns:p="http://schemas.openxmlformats.org/presentationml/2006/main" matchingName="Title only" type="titleOnly">
   <p:cSld name="TITLE_ONLY">
     <p:spTree>
       <p:nvGrpSpPr>
-        <p:cNvPr id="25" name="Shape 25"/>
+        <p:cNvPr id="1" name="Shape 25"/>
         <p:cNvGrpSpPr/>
         <p:nvPr/>
       </p:nvGrpSpPr>
@@ -3822,7 +3947,9 @@
       <p:sp>
         <p:nvSpPr>
           <p:cNvPr id="26" name="Google Shape;26;p6"/>
-          <p:cNvSpPr txBox="1"/>
+          <p:cNvSpPr txBox="1">
+            <a:spLocks noGrp="1"/>
+          </p:cNvSpPr>
           <p:nvPr>
             <p:ph type="title"/>
           </p:nvPr>
@@ -3837,7 +3964,7 @@
           </a:prstGeom>
         </p:spPr>
         <p:txBody>
-          <a:bodyPr anchorCtr="0" anchor="t" bIns="91425" lIns="91425" spcFirstLastPara="1" rIns="91425" wrap="square" tIns="91425">
+          <a:bodyPr spcFirstLastPara="1" wrap="square" lIns="91425" tIns="91425" rIns="91425" bIns="91425" anchor="t" anchorCtr="0">
             <a:normAutofit/>
           </a:bodyPr>
           <a:lstStyle>
@@ -3941,15 +4068,19 @@
               <a:defRPr/>
             </a:lvl9pPr>
           </a:lstStyle>
-          <a:p/>
+          <a:p>
+            <a:endParaRPr/>
+          </a:p>
         </p:txBody>
       </p:sp>
       <p:sp>
         <p:nvSpPr>
           <p:cNvPr id="27" name="Google Shape;27;p6"/>
-          <p:cNvSpPr txBox="1"/>
+          <p:cNvSpPr txBox="1">
+            <a:spLocks noGrp="1"/>
+          </p:cNvSpPr>
           <p:nvPr>
-            <p:ph idx="12" type="sldNum"/>
+            <p:ph type="sldNum" idx="12"/>
           </p:nvPr>
         </p:nvSpPr>
         <p:spPr>
@@ -3962,7 +4093,7 @@
           </a:prstGeom>
         </p:spPr>
         <p:txBody>
-          <a:bodyPr anchorCtr="0" anchor="ctr" bIns="91425" lIns="91425" spcFirstLastPara="1" rIns="91425" wrap="square" tIns="91425">
+          <a:bodyPr spcFirstLastPara="1" wrap="square" lIns="91425" tIns="91425" rIns="91425" bIns="91425" anchor="ctr" anchorCtr="0">
             <a:normAutofit/>
           </a:bodyPr>
           <a:lstStyle>
@@ -4004,7 +4135,7 @@
             </a:lvl9pPr>
           </a:lstStyle>
           <a:p>
-            <a:pPr indent="0" lvl="0" marL="0" rtl="0" algn="r">
+            <a:pPr marL="0" lvl="0" indent="0" algn="r" rtl="0">
               <a:spcBef>
                 <a:spcPts val="0"/>
               </a:spcBef>
@@ -4030,11 +4161,11 @@
 </file>
 
 <file path=ppt/slideLayouts/slideLayout6.xml><?xml version="1.0" encoding="utf-8"?>
-<p:sldLayout xmlns:a="http://schemas.openxmlformats.org/drawingml/2006/main" xmlns:r="http://schemas.openxmlformats.org/officeDocument/2006/relationships" xmlns:mc="http://schemas.openxmlformats.org/markup-compatibility/2006" xmlns:mv="urn:schemas-microsoft-com:mac:vml" xmlns:p="http://schemas.openxmlformats.org/presentationml/2006/main" xmlns:c="http://schemas.openxmlformats.org/drawingml/2006/chart" xmlns:dgm="http://schemas.openxmlformats.org/drawingml/2006/diagram" xmlns:o="urn:schemas-microsoft-com:office:office" xmlns:v="urn:schemas-microsoft-com:vml" xmlns:pvml="urn:schemas-microsoft-com:office:powerpoint" xmlns:com="http://schemas.openxmlformats.org/drawingml/2006/compatibility" xmlns:p14="http://schemas.microsoft.com/office/powerpoint/2010/main" xmlns:p15="http://schemas.microsoft.com/office/powerpoint/2012/main" xmlns:ahyp="http://schemas.microsoft.com/office/drawing/2018/hyperlinkcolor" matchingName="One column text">
+<p:sldLayout xmlns:a="http://schemas.openxmlformats.org/drawingml/2006/main" xmlns:r="http://schemas.openxmlformats.org/officeDocument/2006/relationships" xmlns:p="http://schemas.openxmlformats.org/presentationml/2006/main" matchingName="One column text">
   <p:cSld name="ONE_COLUMN_TEXT">
     <p:spTree>
       <p:nvGrpSpPr>
-        <p:cNvPr id="28" name="Shape 28"/>
+        <p:cNvPr id="1" name="Shape 28"/>
         <p:cNvGrpSpPr/>
         <p:nvPr/>
       </p:nvGrpSpPr>
@@ -4049,7 +4180,9 @@
       <p:sp>
         <p:nvSpPr>
           <p:cNvPr id="29" name="Google Shape;29;p7"/>
-          <p:cNvSpPr txBox="1"/>
+          <p:cNvSpPr txBox="1">
+            <a:spLocks noGrp="1"/>
+          </p:cNvSpPr>
           <p:nvPr>
             <p:ph type="title"/>
           </p:nvPr>
@@ -4064,7 +4197,7 @@
           </a:prstGeom>
         </p:spPr>
         <p:txBody>
-          <a:bodyPr anchorCtr="0" anchor="b" bIns="91425" lIns="91425" spcFirstLastPara="1" rIns="91425" wrap="square" tIns="91425">
+          <a:bodyPr spcFirstLastPara="1" wrap="square" lIns="91425" tIns="91425" rIns="91425" bIns="91425" anchor="b" anchorCtr="0">
             <a:normAutofit/>
           </a:bodyPr>
           <a:lstStyle>
@@ -4168,15 +4301,19 @@
               <a:defRPr sz="2400"/>
             </a:lvl9pPr>
           </a:lstStyle>
-          <a:p/>
+          <a:p>
+            <a:endParaRPr/>
+          </a:p>
         </p:txBody>
       </p:sp>
       <p:sp>
         <p:nvSpPr>
           <p:cNvPr id="30" name="Google Shape;30;p7"/>
-          <p:cNvSpPr txBox="1"/>
+          <p:cNvSpPr txBox="1">
+            <a:spLocks noGrp="1"/>
+          </p:cNvSpPr>
           <p:nvPr>
-            <p:ph idx="1" type="body"/>
+            <p:ph type="body" idx="1"/>
           </p:nvPr>
         </p:nvSpPr>
         <p:spPr>
@@ -4189,11 +4326,11 @@
           </a:prstGeom>
         </p:spPr>
         <p:txBody>
-          <a:bodyPr anchorCtr="0" anchor="t" bIns="91425" lIns="91425" spcFirstLastPara="1" rIns="91425" wrap="square" tIns="91425">
+          <a:bodyPr spcFirstLastPara="1" wrap="square" lIns="91425" tIns="91425" rIns="91425" bIns="91425" anchor="t" anchorCtr="0">
             <a:normAutofit/>
           </a:bodyPr>
           <a:lstStyle>
-            <a:lvl1pPr indent="-304800" lvl="0" marL="457200">
+            <a:lvl1pPr marL="457200" lvl="0" indent="-304800">
               <a:spcBef>
                 <a:spcPts val="0"/>
               </a:spcBef>
@@ -4204,7 +4341,7 @@
               <a:buChar char="●"/>
               <a:defRPr sz="1200"/>
             </a:lvl1pPr>
-            <a:lvl2pPr indent="-304800" lvl="1" marL="914400">
+            <a:lvl2pPr marL="914400" lvl="1" indent="-304800">
               <a:spcBef>
                 <a:spcPts val="0"/>
               </a:spcBef>
@@ -4215,7 +4352,7 @@
               <a:buChar char="○"/>
               <a:defRPr sz="1200"/>
             </a:lvl2pPr>
-            <a:lvl3pPr indent="-304800" lvl="2" marL="1371600">
+            <a:lvl3pPr marL="1371600" lvl="2" indent="-304800">
               <a:spcBef>
                 <a:spcPts val="0"/>
               </a:spcBef>
@@ -4226,7 +4363,7 @@
               <a:buChar char="■"/>
               <a:defRPr sz="1200"/>
             </a:lvl3pPr>
-            <a:lvl4pPr indent="-304800" lvl="3" marL="1828800">
+            <a:lvl4pPr marL="1828800" lvl="3" indent="-304800">
               <a:spcBef>
                 <a:spcPts val="0"/>
               </a:spcBef>
@@ -4237,7 +4374,7 @@
               <a:buChar char="●"/>
               <a:defRPr sz="1200"/>
             </a:lvl4pPr>
-            <a:lvl5pPr indent="-304800" lvl="4" marL="2286000">
+            <a:lvl5pPr marL="2286000" lvl="4" indent="-304800">
               <a:spcBef>
                 <a:spcPts val="0"/>
               </a:spcBef>
@@ -4248,7 +4385,7 @@
               <a:buChar char="○"/>
               <a:defRPr sz="1200"/>
             </a:lvl5pPr>
-            <a:lvl6pPr indent="-304800" lvl="5" marL="2743200">
+            <a:lvl6pPr marL="2743200" lvl="5" indent="-304800">
               <a:spcBef>
                 <a:spcPts val="0"/>
               </a:spcBef>
@@ -4259,7 +4396,7 @@
               <a:buChar char="■"/>
               <a:defRPr sz="1200"/>
             </a:lvl6pPr>
-            <a:lvl7pPr indent="-304800" lvl="6" marL="3200400">
+            <a:lvl7pPr marL="3200400" lvl="6" indent="-304800">
               <a:spcBef>
                 <a:spcPts val="0"/>
               </a:spcBef>
@@ -4270,7 +4407,7 @@
               <a:buChar char="●"/>
               <a:defRPr sz="1200"/>
             </a:lvl7pPr>
-            <a:lvl8pPr indent="-304800" lvl="7" marL="3657600">
+            <a:lvl8pPr marL="3657600" lvl="7" indent="-304800">
               <a:spcBef>
                 <a:spcPts val="0"/>
               </a:spcBef>
@@ -4281,7 +4418,7 @@
               <a:buChar char="○"/>
               <a:defRPr sz="1200"/>
             </a:lvl8pPr>
-            <a:lvl9pPr indent="-304800" lvl="8" marL="4114800">
+            <a:lvl9pPr marL="4114800" lvl="8" indent="-304800">
               <a:spcBef>
                 <a:spcPts val="0"/>
               </a:spcBef>
@@ -4293,15 +4430,19 @@
               <a:defRPr sz="1200"/>
             </a:lvl9pPr>
           </a:lstStyle>
-          <a:p/>
+          <a:p>
+            <a:endParaRPr/>
+          </a:p>
         </p:txBody>
       </p:sp>
       <p:sp>
         <p:nvSpPr>
           <p:cNvPr id="31" name="Google Shape;31;p7"/>
-          <p:cNvSpPr txBox="1"/>
+          <p:cNvSpPr txBox="1">
+            <a:spLocks noGrp="1"/>
+          </p:cNvSpPr>
           <p:nvPr>
-            <p:ph idx="12" type="sldNum"/>
+            <p:ph type="sldNum" idx="12"/>
           </p:nvPr>
         </p:nvSpPr>
         <p:spPr>
@@ -4314,7 +4455,7 @@
           </a:prstGeom>
         </p:spPr>
         <p:txBody>
-          <a:bodyPr anchorCtr="0" anchor="ctr" bIns="91425" lIns="91425" spcFirstLastPara="1" rIns="91425" wrap="square" tIns="91425">
+          <a:bodyPr spcFirstLastPara="1" wrap="square" lIns="91425" tIns="91425" rIns="91425" bIns="91425" anchor="ctr" anchorCtr="0">
             <a:normAutofit/>
           </a:bodyPr>
           <a:lstStyle>
@@ -4356,7 +4497,7 @@
             </a:lvl9pPr>
           </a:lstStyle>
           <a:p>
-            <a:pPr indent="0" lvl="0" marL="0" rtl="0" algn="r">
+            <a:pPr marL="0" lvl="0" indent="0" algn="r" rtl="0">
               <a:spcBef>
                 <a:spcPts val="0"/>
               </a:spcBef>
@@ -4382,11 +4523,11 @@
 </file>
 
 <file path=ppt/slideLayouts/slideLayout7.xml><?xml version="1.0" encoding="utf-8"?>
-<p:sldLayout xmlns:a="http://schemas.openxmlformats.org/drawingml/2006/main" xmlns:r="http://schemas.openxmlformats.org/officeDocument/2006/relationships" xmlns:mc="http://schemas.openxmlformats.org/markup-compatibility/2006" xmlns:mv="urn:schemas-microsoft-com:mac:vml" xmlns:p="http://schemas.openxmlformats.org/presentationml/2006/main" xmlns:c="http://schemas.openxmlformats.org/drawingml/2006/chart" xmlns:dgm="http://schemas.openxmlformats.org/drawingml/2006/diagram" xmlns:o="urn:schemas-microsoft-com:office:office" xmlns:v="urn:schemas-microsoft-com:vml" xmlns:pvml="urn:schemas-microsoft-com:office:powerpoint" xmlns:com="http://schemas.openxmlformats.org/drawingml/2006/compatibility" xmlns:p14="http://schemas.microsoft.com/office/powerpoint/2010/main" xmlns:p15="http://schemas.microsoft.com/office/powerpoint/2012/main" xmlns:ahyp="http://schemas.microsoft.com/office/drawing/2018/hyperlinkcolor" matchingName="Main point">
+<p:sldLayout xmlns:a="http://schemas.openxmlformats.org/drawingml/2006/main" xmlns:r="http://schemas.openxmlformats.org/officeDocument/2006/relationships" xmlns:p="http://schemas.openxmlformats.org/presentationml/2006/main" matchingName="Main point">
   <p:cSld name="MAIN_POINT">
     <p:spTree>
       <p:nvGrpSpPr>
-        <p:cNvPr id="32" name="Shape 32"/>
+        <p:cNvPr id="1" name="Shape 32"/>
         <p:cNvGrpSpPr/>
         <p:nvPr/>
       </p:nvGrpSpPr>
@@ -4401,7 +4542,9 @@
       <p:sp>
         <p:nvSpPr>
           <p:cNvPr id="33" name="Google Shape;33;p8"/>
-          <p:cNvSpPr txBox="1"/>
+          <p:cNvSpPr txBox="1">
+            <a:spLocks noGrp="1"/>
+          </p:cNvSpPr>
           <p:nvPr>
             <p:ph type="title"/>
           </p:nvPr>
@@ -4416,7 +4559,7 @@
           </a:prstGeom>
         </p:spPr>
         <p:txBody>
-          <a:bodyPr anchorCtr="0" anchor="ctr" bIns="91425" lIns="91425" spcFirstLastPara="1" rIns="91425" wrap="square" tIns="91425">
+          <a:bodyPr spcFirstLastPara="1" wrap="square" lIns="91425" tIns="91425" rIns="91425" bIns="91425" anchor="ctr" anchorCtr="0">
             <a:normAutofit/>
           </a:bodyPr>
           <a:lstStyle>
@@ -4520,15 +4663,19 @@
               <a:defRPr sz="4800"/>
             </a:lvl9pPr>
           </a:lstStyle>
-          <a:p/>
+          <a:p>
+            <a:endParaRPr/>
+          </a:p>
         </p:txBody>
       </p:sp>
       <p:sp>
         <p:nvSpPr>
           <p:cNvPr id="34" name="Google Shape;34;p8"/>
-          <p:cNvSpPr txBox="1"/>
+          <p:cNvSpPr txBox="1">
+            <a:spLocks noGrp="1"/>
+          </p:cNvSpPr>
           <p:nvPr>
-            <p:ph idx="12" type="sldNum"/>
+            <p:ph type="sldNum" idx="12"/>
           </p:nvPr>
         </p:nvSpPr>
         <p:spPr>
@@ -4541,7 +4688,7 @@
           </a:prstGeom>
         </p:spPr>
         <p:txBody>
-          <a:bodyPr anchorCtr="0" anchor="ctr" bIns="91425" lIns="91425" spcFirstLastPara="1" rIns="91425" wrap="square" tIns="91425">
+          <a:bodyPr spcFirstLastPara="1" wrap="square" lIns="91425" tIns="91425" rIns="91425" bIns="91425" anchor="ctr" anchorCtr="0">
             <a:normAutofit/>
           </a:bodyPr>
           <a:lstStyle>
@@ -4583,7 +4730,7 @@
             </a:lvl9pPr>
           </a:lstStyle>
           <a:p>
-            <a:pPr indent="0" lvl="0" marL="0" rtl="0" algn="r">
+            <a:pPr marL="0" lvl="0" indent="0" algn="r" rtl="0">
               <a:spcBef>
                 <a:spcPts val="0"/>
               </a:spcBef>
@@ -4609,11 +4756,11 @@
 </file>
 
 <file path=ppt/slideLayouts/slideLayout8.xml><?xml version="1.0" encoding="utf-8"?>
-<p:sldLayout xmlns:a="http://schemas.openxmlformats.org/drawingml/2006/main" xmlns:r="http://schemas.openxmlformats.org/officeDocument/2006/relationships" xmlns:mc="http://schemas.openxmlformats.org/markup-compatibility/2006" xmlns:mv="urn:schemas-microsoft-com:mac:vml" xmlns:p="http://schemas.openxmlformats.org/presentationml/2006/main" xmlns:c="http://schemas.openxmlformats.org/drawingml/2006/chart" xmlns:dgm="http://schemas.openxmlformats.org/drawingml/2006/diagram" xmlns:o="urn:schemas-microsoft-com:office:office" xmlns:v="urn:schemas-microsoft-com:vml" xmlns:pvml="urn:schemas-microsoft-com:office:powerpoint" xmlns:com="http://schemas.openxmlformats.org/drawingml/2006/compatibility" xmlns:p14="http://schemas.microsoft.com/office/powerpoint/2010/main" xmlns:p15="http://schemas.microsoft.com/office/powerpoint/2012/main" xmlns:ahyp="http://schemas.microsoft.com/office/drawing/2018/hyperlinkcolor" matchingName="Section title and description">
+<p:sldLayout xmlns:a="http://schemas.openxmlformats.org/drawingml/2006/main" xmlns:r="http://schemas.openxmlformats.org/officeDocument/2006/relationships" xmlns:p="http://schemas.openxmlformats.org/presentationml/2006/main" matchingName="Section title and description">
   <p:cSld name="SECTION_TITLE_AND_DESCRIPTION">
     <p:spTree>
       <p:nvGrpSpPr>
-        <p:cNvPr id="35" name="Shape 35"/>
+        <p:cNvPr id="1" name="Shape 35"/>
         <p:cNvGrpSpPr/>
         <p:nvPr/>
       </p:nvGrpSpPr>
@@ -4647,12 +4794,12 @@
           </a:ln>
         </p:spPr>
         <p:txBody>
-          <a:bodyPr anchorCtr="0" anchor="ctr" bIns="91425" lIns="91425" spcFirstLastPara="1" rIns="91425" wrap="square" tIns="91425">
+          <a:bodyPr spcFirstLastPara="1" wrap="square" lIns="91425" tIns="91425" rIns="91425" bIns="91425" anchor="ctr" anchorCtr="0">
             <a:noAutofit/>
           </a:bodyPr>
           <a:lstStyle/>
           <a:p>
-            <a:pPr indent="0" lvl="0" marL="0" rtl="0" algn="l">
+            <a:pPr marL="0" lvl="0" indent="0" algn="l" rtl="0">
               <a:spcBef>
                 <a:spcPts val="0"/>
               </a:spcBef>
@@ -4661,9 +4808,6 @@
               </a:spcAft>
               <a:buNone/>
             </a:pPr>
-            <a:r>
-              <a:t/>
-            </a:r>
             <a:endParaRPr/>
           </a:p>
         </p:txBody>
@@ -4671,7 +4815,9 @@
       <p:sp>
         <p:nvSpPr>
           <p:cNvPr id="37" name="Google Shape;37;p9"/>
-          <p:cNvSpPr txBox="1"/>
+          <p:cNvSpPr txBox="1">
+            <a:spLocks noGrp="1"/>
+          </p:cNvSpPr>
           <p:nvPr>
             <p:ph type="title"/>
           </p:nvPr>
@@ -4686,7 +4832,7 @@
           </a:prstGeom>
         </p:spPr>
         <p:txBody>
-          <a:bodyPr anchorCtr="0" anchor="b" bIns="91425" lIns="91425" spcFirstLastPara="1" rIns="91425" wrap="square" tIns="91425">
+          <a:bodyPr spcFirstLastPara="1" wrap="square" lIns="91425" tIns="91425" rIns="91425" bIns="91425" anchor="b" anchorCtr="0">
             <a:normAutofit/>
           </a:bodyPr>
           <a:lstStyle>
@@ -4790,15 +4936,19 @@
               <a:defRPr sz="4200"/>
             </a:lvl9pPr>
           </a:lstStyle>
-          <a:p/>
+          <a:p>
+            <a:endParaRPr/>
+          </a:p>
         </p:txBody>
       </p:sp>
       <p:sp>
         <p:nvSpPr>
           <p:cNvPr id="38" name="Google Shape;38;p9"/>
-          <p:cNvSpPr txBox="1"/>
+          <p:cNvSpPr txBox="1">
+            <a:spLocks noGrp="1"/>
+          </p:cNvSpPr>
           <p:nvPr>
-            <p:ph idx="1" type="subTitle"/>
+            <p:ph type="subTitle" idx="1"/>
           </p:nvPr>
         </p:nvSpPr>
         <p:spPr>
@@ -4811,7 +4961,7 @@
           </a:prstGeom>
         </p:spPr>
         <p:txBody>
-          <a:bodyPr anchorCtr="0" anchor="t" bIns="91425" lIns="91425" spcFirstLastPara="1" rIns="91425" wrap="square" tIns="91425">
+          <a:bodyPr spcFirstLastPara="1" wrap="square" lIns="91425" tIns="91425" rIns="91425" bIns="91425" anchor="t" anchorCtr="0">
             <a:normAutofit/>
           </a:bodyPr>
           <a:lstStyle>
@@ -4942,15 +5092,19 @@
               <a:defRPr sz="2100"/>
             </a:lvl9pPr>
           </a:lstStyle>
-          <a:p/>
+          <a:p>
+            <a:endParaRPr/>
+          </a:p>
         </p:txBody>
       </p:sp>
       <p:sp>
         <p:nvSpPr>
           <p:cNvPr id="39" name="Google Shape;39;p9"/>
-          <p:cNvSpPr txBox="1"/>
+          <p:cNvSpPr txBox="1">
+            <a:spLocks noGrp="1"/>
+          </p:cNvSpPr>
           <p:nvPr>
-            <p:ph idx="2" type="body"/>
+            <p:ph type="body" idx="2"/>
           </p:nvPr>
         </p:nvSpPr>
         <p:spPr>
@@ -4963,11 +5117,11 @@
           </a:prstGeom>
         </p:spPr>
         <p:txBody>
-          <a:bodyPr anchorCtr="0" anchor="ctr" bIns="91425" lIns="91425" spcFirstLastPara="1" rIns="91425" wrap="square" tIns="91425">
+          <a:bodyPr spcFirstLastPara="1" wrap="square" lIns="91425" tIns="91425" rIns="91425" bIns="91425" anchor="ctr" anchorCtr="0">
             <a:normAutofit/>
           </a:bodyPr>
           <a:lstStyle>
-            <a:lvl1pPr indent="-342900" lvl="0" marL="457200">
+            <a:lvl1pPr marL="457200" lvl="0" indent="-342900">
               <a:spcBef>
                 <a:spcPts val="0"/>
               </a:spcBef>
@@ -4978,7 +5132,7 @@
               <a:buChar char="●"/>
               <a:defRPr/>
             </a:lvl1pPr>
-            <a:lvl2pPr indent="-317500" lvl="1" marL="914400">
+            <a:lvl2pPr marL="914400" lvl="1" indent="-317500">
               <a:spcBef>
                 <a:spcPts val="0"/>
               </a:spcBef>
@@ -4989,7 +5143,7 @@
               <a:buChar char="○"/>
               <a:defRPr/>
             </a:lvl2pPr>
-            <a:lvl3pPr indent="-317500" lvl="2" marL="1371600">
+            <a:lvl3pPr marL="1371600" lvl="2" indent="-317500">
               <a:spcBef>
                 <a:spcPts val="0"/>
               </a:spcBef>
@@ -5000,7 +5154,7 @@
               <a:buChar char="■"/>
               <a:defRPr/>
             </a:lvl3pPr>
-            <a:lvl4pPr indent="-317500" lvl="3" marL="1828800">
+            <a:lvl4pPr marL="1828800" lvl="3" indent="-317500">
               <a:spcBef>
                 <a:spcPts val="0"/>
               </a:spcBef>
@@ -5011,7 +5165,7 @@
               <a:buChar char="●"/>
               <a:defRPr/>
             </a:lvl4pPr>
-            <a:lvl5pPr indent="-317500" lvl="4" marL="2286000">
+            <a:lvl5pPr marL="2286000" lvl="4" indent="-317500">
               <a:spcBef>
                 <a:spcPts val="0"/>
               </a:spcBef>
@@ -5022,7 +5176,7 @@
               <a:buChar char="○"/>
               <a:defRPr/>
             </a:lvl5pPr>
-            <a:lvl6pPr indent="-317500" lvl="5" marL="2743200">
+            <a:lvl6pPr marL="2743200" lvl="5" indent="-317500">
               <a:spcBef>
                 <a:spcPts val="0"/>
               </a:spcBef>
@@ -5033,7 +5187,7 @@
               <a:buChar char="■"/>
               <a:defRPr/>
             </a:lvl6pPr>
-            <a:lvl7pPr indent="-317500" lvl="6" marL="3200400">
+            <a:lvl7pPr marL="3200400" lvl="6" indent="-317500">
               <a:spcBef>
                 <a:spcPts val="0"/>
               </a:spcBef>
@@ -5044,7 +5198,7 @@
               <a:buChar char="●"/>
               <a:defRPr/>
             </a:lvl7pPr>
-            <a:lvl8pPr indent="-317500" lvl="7" marL="3657600">
+            <a:lvl8pPr marL="3657600" lvl="7" indent="-317500">
               <a:spcBef>
                 <a:spcPts val="0"/>
               </a:spcBef>
@@ -5055,7 +5209,7 @@
               <a:buChar char="○"/>
               <a:defRPr/>
             </a:lvl8pPr>
-            <a:lvl9pPr indent="-317500" lvl="8" marL="4114800">
+            <a:lvl9pPr marL="4114800" lvl="8" indent="-317500">
               <a:spcBef>
                 <a:spcPts val="0"/>
               </a:spcBef>
@@ -5067,15 +5221,19 @@
               <a:defRPr/>
             </a:lvl9pPr>
           </a:lstStyle>
-          <a:p/>
+          <a:p>
+            <a:endParaRPr/>
+          </a:p>
         </p:txBody>
       </p:sp>
       <p:sp>
         <p:nvSpPr>
           <p:cNvPr id="40" name="Google Shape;40;p9"/>
-          <p:cNvSpPr txBox="1"/>
+          <p:cNvSpPr txBox="1">
+            <a:spLocks noGrp="1"/>
+          </p:cNvSpPr>
           <p:nvPr>
-            <p:ph idx="12" type="sldNum"/>
+            <p:ph type="sldNum" idx="12"/>
           </p:nvPr>
         </p:nvSpPr>
         <p:spPr>
@@ -5088,7 +5246,7 @@
           </a:prstGeom>
         </p:spPr>
         <p:txBody>
-          <a:bodyPr anchorCtr="0" anchor="ctr" bIns="91425" lIns="91425" spcFirstLastPara="1" rIns="91425" wrap="square" tIns="91425">
+          <a:bodyPr spcFirstLastPara="1" wrap="square" lIns="91425" tIns="91425" rIns="91425" bIns="91425" anchor="ctr" anchorCtr="0">
             <a:normAutofit/>
           </a:bodyPr>
           <a:lstStyle>
@@ -5130,7 +5288,7 @@
             </a:lvl9pPr>
           </a:lstStyle>
           <a:p>
-            <a:pPr indent="0" lvl="0" marL="0" rtl="0" algn="r">
+            <a:pPr marL="0" lvl="0" indent="0" algn="r" rtl="0">
               <a:spcBef>
                 <a:spcPts val="0"/>
               </a:spcBef>
@@ -5156,11 +5314,11 @@
 </file>
 
 <file path=ppt/slideLayouts/slideLayout9.xml><?xml version="1.0" encoding="utf-8"?>
-<p:sldLayout xmlns:a="http://schemas.openxmlformats.org/drawingml/2006/main" xmlns:r="http://schemas.openxmlformats.org/officeDocument/2006/relationships" xmlns:mc="http://schemas.openxmlformats.org/markup-compatibility/2006" xmlns:mv="urn:schemas-microsoft-com:mac:vml" xmlns:p="http://schemas.openxmlformats.org/presentationml/2006/main" xmlns:c="http://schemas.openxmlformats.org/drawingml/2006/chart" xmlns:dgm="http://schemas.openxmlformats.org/drawingml/2006/diagram" xmlns:o="urn:schemas-microsoft-com:office:office" xmlns:v="urn:schemas-microsoft-com:vml" xmlns:pvml="urn:schemas-microsoft-com:office:powerpoint" xmlns:com="http://schemas.openxmlformats.org/drawingml/2006/compatibility" xmlns:p14="http://schemas.microsoft.com/office/powerpoint/2010/main" xmlns:p15="http://schemas.microsoft.com/office/powerpoint/2012/main" xmlns:ahyp="http://schemas.microsoft.com/office/drawing/2018/hyperlinkcolor" matchingName="Caption">
+<p:sldLayout xmlns:a="http://schemas.openxmlformats.org/drawingml/2006/main" xmlns:r="http://schemas.openxmlformats.org/officeDocument/2006/relationships" xmlns:p="http://schemas.openxmlformats.org/presentationml/2006/main" matchingName="Caption">
   <p:cSld name="CAPTION_ONLY">
     <p:spTree>
       <p:nvGrpSpPr>
-        <p:cNvPr id="41" name="Shape 41"/>
+        <p:cNvPr id="1" name="Shape 41"/>
         <p:cNvGrpSpPr/>
         <p:nvPr/>
       </p:nvGrpSpPr>
@@ -5175,9 +5333,11 @@
       <p:sp>
         <p:nvSpPr>
           <p:cNvPr id="42" name="Google Shape;42;p10"/>
-          <p:cNvSpPr txBox="1"/>
+          <p:cNvSpPr txBox="1">
+            <a:spLocks noGrp="1"/>
+          </p:cNvSpPr>
           <p:nvPr>
-            <p:ph idx="1" type="body"/>
+            <p:ph type="body" idx="1"/>
           </p:nvPr>
         </p:nvSpPr>
         <p:spPr>
@@ -5190,11 +5350,11 @@
           </a:prstGeom>
         </p:spPr>
         <p:txBody>
-          <a:bodyPr anchorCtr="0" anchor="ctr" bIns="91425" lIns="91425" spcFirstLastPara="1" rIns="91425" wrap="square" tIns="91425">
+          <a:bodyPr spcFirstLastPara="1" wrap="square" lIns="91425" tIns="91425" rIns="91425" bIns="91425" anchor="ctr" anchorCtr="0">
             <a:normAutofit/>
           </a:bodyPr>
           <a:lstStyle>
-            <a:lvl1pPr indent="-228600" lvl="0" marL="457200">
+            <a:lvl1pPr marL="457200" lvl="0" indent="-228600">
               <a:lnSpc>
                 <a:spcPct val="100000"/>
               </a:lnSpc>
@@ -5209,15 +5369,19 @@
               <a:defRPr/>
             </a:lvl1pPr>
           </a:lstStyle>
-          <a:p/>
+          <a:p>
+            <a:endParaRPr/>
+          </a:p>
         </p:txBody>
       </p:sp>
       <p:sp>
         <p:nvSpPr>
           <p:cNvPr id="43" name="Google Shape;43;p10"/>
-          <p:cNvSpPr txBox="1"/>
+          <p:cNvSpPr txBox="1">
+            <a:spLocks noGrp="1"/>
+          </p:cNvSpPr>
           <p:nvPr>
-            <p:ph idx="12" type="sldNum"/>
+            <p:ph type="sldNum" idx="12"/>
           </p:nvPr>
         </p:nvSpPr>
         <p:spPr>
@@ -5230,7 +5394,7 @@
           </a:prstGeom>
         </p:spPr>
         <p:txBody>
-          <a:bodyPr anchorCtr="0" anchor="ctr" bIns="91425" lIns="91425" spcFirstLastPara="1" rIns="91425" wrap="square" tIns="91425">
+          <a:bodyPr spcFirstLastPara="1" wrap="square" lIns="91425" tIns="91425" rIns="91425" bIns="91425" anchor="ctr" anchorCtr="0">
             <a:normAutofit/>
           </a:bodyPr>
           <a:lstStyle>
@@ -5272,7 +5436,7 @@
             </a:lvl9pPr>
           </a:lstStyle>
           <a:p>
-            <a:pPr indent="0" lvl="0" marL="0" rtl="0" algn="r">
+            <a:pPr marL="0" lvl="0" indent="0" algn="r" rtl="0">
               <a:spcBef>
                 <a:spcPts val="0"/>
               </a:spcBef>
@@ -5298,18 +5462,19 @@
 </file>
 
 <file path=ppt/slideMasters/slideMaster1.xml><?xml version="1.0" encoding="utf-8"?>
-<p:sldMaster xmlns:a="http://schemas.openxmlformats.org/drawingml/2006/main" xmlns:r="http://schemas.openxmlformats.org/officeDocument/2006/relationships" xmlns:mc="http://schemas.openxmlformats.org/markup-compatibility/2006" xmlns:mv="urn:schemas-microsoft-com:mac:vml" xmlns:p="http://schemas.openxmlformats.org/presentationml/2006/main" xmlns:c="http://schemas.openxmlformats.org/drawingml/2006/chart" xmlns:dgm="http://schemas.openxmlformats.org/drawingml/2006/diagram" xmlns:o="urn:schemas-microsoft-com:office:office" xmlns:v="urn:schemas-microsoft-com:vml" xmlns:pvml="urn:schemas-microsoft-com:office:powerpoint" xmlns:com="http://schemas.openxmlformats.org/drawingml/2006/compatibility" xmlns:p14="http://schemas.microsoft.com/office/powerpoint/2010/main" xmlns:p15="http://schemas.microsoft.com/office/powerpoint/2012/main" xmlns:ahyp="http://schemas.microsoft.com/office/drawing/2018/hyperlinkcolor">
+<p:sldMaster xmlns:a="http://schemas.openxmlformats.org/drawingml/2006/main" xmlns:r="http://schemas.openxmlformats.org/officeDocument/2006/relationships" xmlns:p="http://schemas.openxmlformats.org/presentationml/2006/main">
   <p:cSld name="simple-light-2">
     <p:bg>
       <p:bgPr>
         <a:solidFill>
           <a:schemeClr val="lt1"/>
         </a:solidFill>
+        <a:effectLst/>
       </p:bgPr>
     </p:bg>
     <p:spTree>
       <p:nvGrpSpPr>
-        <p:cNvPr id="5" name="Shape 5"/>
+        <p:cNvPr id="1" name="Shape 5"/>
         <p:cNvGrpSpPr/>
         <p:nvPr/>
       </p:nvGrpSpPr>
@@ -5324,7 +5489,9 @@
       <p:sp>
         <p:nvSpPr>
           <p:cNvPr id="6" name="Google Shape;6;p1"/>
-          <p:cNvSpPr txBox="1"/>
+          <p:cNvSpPr txBox="1">
+            <a:spLocks noGrp="1"/>
+          </p:cNvSpPr>
           <p:nvPr>
             <p:ph type="title"/>
           </p:nvPr>
@@ -5343,7 +5510,7 @@
           </a:ln>
         </p:spPr>
         <p:txBody>
-          <a:bodyPr anchorCtr="0" anchor="t" bIns="91425" lIns="91425" spcFirstLastPara="1" rIns="91425" wrap="square" tIns="91425">
+          <a:bodyPr spcFirstLastPara="1" wrap="square" lIns="91425" tIns="91425" rIns="91425" bIns="91425" anchor="t" anchorCtr="0">
             <a:normAutofit/>
           </a:bodyPr>
           <a:lstStyle>
@@ -5510,15 +5677,19 @@
               </a:defRPr>
             </a:lvl9pPr>
           </a:lstStyle>
-          <a:p/>
+          <a:p>
+            <a:endParaRPr/>
+          </a:p>
         </p:txBody>
       </p:sp>
       <p:sp>
         <p:nvSpPr>
           <p:cNvPr id="7" name="Google Shape;7;p1"/>
-          <p:cNvSpPr txBox="1"/>
+          <p:cNvSpPr txBox="1">
+            <a:spLocks noGrp="1"/>
+          </p:cNvSpPr>
           <p:nvPr>
-            <p:ph idx="1" type="body"/>
+            <p:ph type="body" idx="1"/>
           </p:nvPr>
         </p:nvSpPr>
         <p:spPr>
@@ -5535,11 +5706,11 @@
           </a:ln>
         </p:spPr>
         <p:txBody>
-          <a:bodyPr anchorCtr="0" anchor="t" bIns="91425" lIns="91425" spcFirstLastPara="1" rIns="91425" wrap="square" tIns="91425">
+          <a:bodyPr spcFirstLastPara="1" wrap="square" lIns="91425" tIns="91425" rIns="91425" bIns="91425" anchor="t" anchorCtr="0">
             <a:normAutofit/>
           </a:bodyPr>
           <a:lstStyle>
-            <a:lvl1pPr indent="-342900" lvl="0" marL="457200">
+            <a:lvl1pPr marL="457200" lvl="0" indent="-342900">
               <a:lnSpc>
                 <a:spcPct val="115000"/>
               </a:lnSpc>
@@ -5560,7 +5731,7 @@
                 </a:solidFill>
               </a:defRPr>
             </a:lvl1pPr>
-            <a:lvl2pPr indent="-317500" lvl="1" marL="914400">
+            <a:lvl2pPr marL="914400" lvl="1" indent="-317500">
               <a:lnSpc>
                 <a:spcPct val="115000"/>
               </a:lnSpc>
@@ -5581,7 +5752,7 @@
                 </a:solidFill>
               </a:defRPr>
             </a:lvl2pPr>
-            <a:lvl3pPr indent="-317500" lvl="2" marL="1371600">
+            <a:lvl3pPr marL="1371600" lvl="2" indent="-317500">
               <a:lnSpc>
                 <a:spcPct val="115000"/>
               </a:lnSpc>
@@ -5602,7 +5773,7 @@
                 </a:solidFill>
               </a:defRPr>
             </a:lvl3pPr>
-            <a:lvl4pPr indent="-317500" lvl="3" marL="1828800">
+            <a:lvl4pPr marL="1828800" lvl="3" indent="-317500">
               <a:lnSpc>
                 <a:spcPct val="115000"/>
               </a:lnSpc>
@@ -5623,7 +5794,7 @@
                 </a:solidFill>
               </a:defRPr>
             </a:lvl4pPr>
-            <a:lvl5pPr indent="-317500" lvl="4" marL="2286000">
+            <a:lvl5pPr marL="2286000" lvl="4" indent="-317500">
               <a:lnSpc>
                 <a:spcPct val="115000"/>
               </a:lnSpc>
@@ -5644,7 +5815,7 @@
                 </a:solidFill>
               </a:defRPr>
             </a:lvl5pPr>
-            <a:lvl6pPr indent="-317500" lvl="5" marL="2743200">
+            <a:lvl6pPr marL="2743200" lvl="5" indent="-317500">
               <a:lnSpc>
                 <a:spcPct val="115000"/>
               </a:lnSpc>
@@ -5665,7 +5836,7 @@
                 </a:solidFill>
               </a:defRPr>
             </a:lvl6pPr>
-            <a:lvl7pPr indent="-317500" lvl="6" marL="3200400">
+            <a:lvl7pPr marL="3200400" lvl="6" indent="-317500">
               <a:lnSpc>
                 <a:spcPct val="115000"/>
               </a:lnSpc>
@@ -5686,7 +5857,7 @@
                 </a:solidFill>
               </a:defRPr>
             </a:lvl7pPr>
-            <a:lvl8pPr indent="-317500" lvl="7" marL="3657600">
+            <a:lvl8pPr marL="3657600" lvl="7" indent="-317500">
               <a:lnSpc>
                 <a:spcPct val="115000"/>
               </a:lnSpc>
@@ -5707,7 +5878,7 @@
                 </a:solidFill>
               </a:defRPr>
             </a:lvl8pPr>
-            <a:lvl9pPr indent="-317500" lvl="8" marL="4114800">
+            <a:lvl9pPr marL="4114800" lvl="8" indent="-317500">
               <a:lnSpc>
                 <a:spcPct val="115000"/>
               </a:lnSpc>
@@ -5729,15 +5900,19 @@
               </a:defRPr>
             </a:lvl9pPr>
           </a:lstStyle>
-          <a:p/>
+          <a:p>
+            <a:endParaRPr/>
+          </a:p>
         </p:txBody>
       </p:sp>
       <p:sp>
         <p:nvSpPr>
           <p:cNvPr id="8" name="Google Shape;8;p1"/>
-          <p:cNvSpPr txBox="1"/>
+          <p:cNvSpPr txBox="1">
+            <a:spLocks noGrp="1"/>
+          </p:cNvSpPr>
           <p:nvPr>
-            <p:ph idx="12" type="sldNum"/>
+            <p:ph type="sldNum" idx="12"/>
           </p:nvPr>
         </p:nvSpPr>
         <p:spPr>
@@ -5754,7 +5929,7 @@
           </a:ln>
         </p:spPr>
         <p:txBody>
-          <a:bodyPr anchorCtr="0" anchor="ctr" bIns="91425" lIns="91425" spcFirstLastPara="1" rIns="91425" wrap="square" tIns="91425">
+          <a:bodyPr spcFirstLastPara="1" wrap="square" lIns="91425" tIns="91425" rIns="91425" bIns="91425" anchor="ctr" anchorCtr="0">
             <a:normAutofit/>
           </a:bodyPr>
           <a:lstStyle>
@@ -5832,7 +6007,7 @@
             </a:lvl9pPr>
           </a:lstStyle>
           <a:p>
-            <a:pPr indent="0" lvl="0" marL="0" rtl="0" algn="r">
+            <a:pPr marL="0" lvl="0" indent="0" algn="r" rtl="0">
               <a:spcBef>
                 <a:spcPts val="0"/>
               </a:spcBef>
@@ -5851,7 +6026,7 @@
       </p:sp>
     </p:spTree>
   </p:cSld>
-  <p:clrMap accent1="accent1" accent2="accent2" accent3="accent3" accent4="accent4" accent5="accent5" accent6="accent6" bg1="lt1" bg2="dk2" tx1="dk1" tx2="lt2" folHlink="folHlink" hlink="hlink"/>
+  <p:clrMap bg1="lt1" tx1="dk1" bg2="dk2" tx2="lt2" accent1="accent1" accent2="accent2" accent3="accent3" accent4="accent4" accent5="accent5" accent6="accent6" hlink="hlink" folHlink="folHlink"/>
   <p:sldLayoutIdLst>
     <p:sldLayoutId id="2147483648" r:id="rId1"/>
     <p:sldLayoutId id="2147483649" r:id="rId2"/>
@@ -5865,10 +6040,10 @@
     <p:sldLayoutId id="2147483657" r:id="rId10"/>
     <p:sldLayoutId id="2147483658" r:id="rId11"/>
   </p:sldLayoutIdLst>
-  <p:hf dt="0" ftr="0" hdr="0"/>
+  <p:hf hdr="0" ftr="0" dt="0"/>
   <p:txStyles>
     <p:titleStyle>
-      <a:defPPr lvl="0" marR="0" rtl="0" algn="l">
+      <a:defPPr marR="0" lvl="0" algn="l" rtl="0">
         <a:lnSpc>
           <a:spcPct val="100000"/>
         </a:lnSpc>
@@ -5879,7 +6054,7 @@
           <a:spcPts val="0"/>
         </a:spcAft>
       </a:defPPr>
-      <a:lvl1pPr lvl="0" marR="0" rtl="0" algn="l">
+      <a:lvl1pPr marR="0" lvl="0" algn="l" rtl="0">
         <a:lnSpc>
           <a:spcPct val="100000"/>
         </a:lnSpc>
@@ -5893,7 +6068,7 @@
           <a:srgbClr val="000000"/>
         </a:buClr>
         <a:buFont typeface="Arial"/>
-        <a:defRPr b="0" i="0" sz="1400" u="none" cap="none" strike="noStrike">
+        <a:defRPr sz="1400" b="0" i="0" u="none" strike="noStrike" cap="none">
           <a:solidFill>
             <a:srgbClr val="000000"/>
           </a:solidFill>
@@ -5903,7 +6078,7 @@
           <a:sym typeface="Arial"/>
         </a:defRPr>
       </a:lvl1pPr>
-      <a:lvl2pPr lvl="1" marR="0" rtl="0" algn="l">
+      <a:lvl2pPr marR="0" lvl="1" algn="l" rtl="0">
         <a:lnSpc>
           <a:spcPct val="100000"/>
         </a:lnSpc>
@@ -5917,7 +6092,7 @@
           <a:srgbClr val="000000"/>
         </a:buClr>
         <a:buFont typeface="Arial"/>
-        <a:defRPr b="0" i="0" sz="1400" u="none" cap="none" strike="noStrike">
+        <a:defRPr sz="1400" b="0" i="0" u="none" strike="noStrike" cap="none">
           <a:solidFill>
             <a:srgbClr val="000000"/>
           </a:solidFill>
@@ -5927,7 +6102,7 @@
           <a:sym typeface="Arial"/>
         </a:defRPr>
       </a:lvl2pPr>
-      <a:lvl3pPr lvl="2" marR="0" rtl="0" algn="l">
+      <a:lvl3pPr marR="0" lvl="2" algn="l" rtl="0">
         <a:lnSpc>
           <a:spcPct val="100000"/>
         </a:lnSpc>
@@ -5941,7 +6116,7 @@
           <a:srgbClr val="000000"/>
         </a:buClr>
         <a:buFont typeface="Arial"/>
-        <a:defRPr b="0" i="0" sz="1400" u="none" cap="none" strike="noStrike">
+        <a:defRPr sz="1400" b="0" i="0" u="none" strike="noStrike" cap="none">
           <a:solidFill>
             <a:srgbClr val="000000"/>
           </a:solidFill>
@@ -5951,7 +6126,7 @@
           <a:sym typeface="Arial"/>
         </a:defRPr>
       </a:lvl3pPr>
-      <a:lvl4pPr lvl="3" marR="0" rtl="0" algn="l">
+      <a:lvl4pPr marR="0" lvl="3" algn="l" rtl="0">
         <a:lnSpc>
           <a:spcPct val="100000"/>
         </a:lnSpc>
@@ -5965,7 +6140,7 @@
           <a:srgbClr val="000000"/>
         </a:buClr>
         <a:buFont typeface="Arial"/>
-        <a:defRPr b="0" i="0" sz="1400" u="none" cap="none" strike="noStrike">
+        <a:defRPr sz="1400" b="0" i="0" u="none" strike="noStrike" cap="none">
           <a:solidFill>
             <a:srgbClr val="000000"/>
           </a:solidFill>
@@ -5975,7 +6150,7 @@
           <a:sym typeface="Arial"/>
         </a:defRPr>
       </a:lvl4pPr>
-      <a:lvl5pPr lvl="4" marR="0" rtl="0" algn="l">
+      <a:lvl5pPr marR="0" lvl="4" algn="l" rtl="0">
         <a:lnSpc>
           <a:spcPct val="100000"/>
         </a:lnSpc>
@@ -5989,7 +6164,7 @@
           <a:srgbClr val="000000"/>
         </a:buClr>
         <a:buFont typeface="Arial"/>
-        <a:defRPr b="0" i="0" sz="1400" u="none" cap="none" strike="noStrike">
+        <a:defRPr sz="1400" b="0" i="0" u="none" strike="noStrike" cap="none">
           <a:solidFill>
             <a:srgbClr val="000000"/>
           </a:solidFill>
@@ -5999,7 +6174,7 @@
           <a:sym typeface="Arial"/>
         </a:defRPr>
       </a:lvl5pPr>
-      <a:lvl6pPr lvl="5" marR="0" rtl="0" algn="l">
+      <a:lvl6pPr marR="0" lvl="5" algn="l" rtl="0">
         <a:lnSpc>
           <a:spcPct val="100000"/>
         </a:lnSpc>
@@ -6013,7 +6188,7 @@
           <a:srgbClr val="000000"/>
         </a:buClr>
         <a:buFont typeface="Arial"/>
-        <a:defRPr b="0" i="0" sz="1400" u="none" cap="none" strike="noStrike">
+        <a:defRPr sz="1400" b="0" i="0" u="none" strike="noStrike" cap="none">
           <a:solidFill>
             <a:srgbClr val="000000"/>
           </a:solidFill>
@@ -6023,7 +6198,7 @@
           <a:sym typeface="Arial"/>
         </a:defRPr>
       </a:lvl6pPr>
-      <a:lvl7pPr lvl="6" marR="0" rtl="0" algn="l">
+      <a:lvl7pPr marR="0" lvl="6" algn="l" rtl="0">
         <a:lnSpc>
           <a:spcPct val="100000"/>
         </a:lnSpc>
@@ -6037,7 +6212,7 @@
           <a:srgbClr val="000000"/>
         </a:buClr>
         <a:buFont typeface="Arial"/>
-        <a:defRPr b="0" i="0" sz="1400" u="none" cap="none" strike="noStrike">
+        <a:defRPr sz="1400" b="0" i="0" u="none" strike="noStrike" cap="none">
           <a:solidFill>
             <a:srgbClr val="000000"/>
           </a:solidFill>
@@ -6047,7 +6222,7 @@
           <a:sym typeface="Arial"/>
         </a:defRPr>
       </a:lvl7pPr>
-      <a:lvl8pPr lvl="7" marR="0" rtl="0" algn="l">
+      <a:lvl8pPr marR="0" lvl="7" algn="l" rtl="0">
         <a:lnSpc>
           <a:spcPct val="100000"/>
         </a:lnSpc>
@@ -6061,7 +6236,7 @@
           <a:srgbClr val="000000"/>
         </a:buClr>
         <a:buFont typeface="Arial"/>
-        <a:defRPr b="0" i="0" sz="1400" u="none" cap="none" strike="noStrike">
+        <a:defRPr sz="1400" b="0" i="0" u="none" strike="noStrike" cap="none">
           <a:solidFill>
             <a:srgbClr val="000000"/>
           </a:solidFill>
@@ -6071,7 +6246,7 @@
           <a:sym typeface="Arial"/>
         </a:defRPr>
       </a:lvl8pPr>
-      <a:lvl9pPr lvl="8" marR="0" rtl="0" algn="l">
+      <a:lvl9pPr marR="0" lvl="8" algn="l" rtl="0">
         <a:lnSpc>
           <a:spcPct val="100000"/>
         </a:lnSpc>
@@ -6085,7 +6260,7 @@
           <a:srgbClr val="000000"/>
         </a:buClr>
         <a:buFont typeface="Arial"/>
-        <a:defRPr b="0" i="0" sz="1400" u="none" cap="none" strike="noStrike">
+        <a:defRPr sz="1400" b="0" i="0" u="none" strike="noStrike" cap="none">
           <a:solidFill>
             <a:srgbClr val="000000"/>
           </a:solidFill>
@@ -6097,7 +6272,7 @@
       </a:lvl9pPr>
     </p:titleStyle>
     <p:bodyStyle>
-      <a:defPPr lvl="0" marR="0" rtl="0" algn="l">
+      <a:defPPr marR="0" lvl="0" algn="l" rtl="0">
         <a:lnSpc>
           <a:spcPct val="100000"/>
         </a:lnSpc>
@@ -6108,7 +6283,7 @@
           <a:spcPts val="0"/>
         </a:spcAft>
       </a:defPPr>
-      <a:lvl1pPr lvl="0" marR="0" rtl="0" algn="l">
+      <a:lvl1pPr marR="0" lvl="0" algn="l" rtl="0">
         <a:lnSpc>
           <a:spcPct val="100000"/>
         </a:lnSpc>
@@ -6122,7 +6297,7 @@
           <a:srgbClr val="000000"/>
         </a:buClr>
         <a:buFont typeface="Arial"/>
-        <a:defRPr b="0" i="0" sz="1400" u="none" cap="none" strike="noStrike">
+        <a:defRPr sz="1400" b="0" i="0" u="none" strike="noStrike" cap="none">
           <a:solidFill>
             <a:srgbClr val="000000"/>
           </a:solidFill>
@@ -6132,7 +6307,7 @@
           <a:sym typeface="Arial"/>
         </a:defRPr>
       </a:lvl1pPr>
-      <a:lvl2pPr lvl="1" marR="0" rtl="0" algn="l">
+      <a:lvl2pPr marR="0" lvl="1" algn="l" rtl="0">
         <a:lnSpc>
           <a:spcPct val="100000"/>
         </a:lnSpc>
@@ -6146,7 +6321,7 @@
           <a:srgbClr val="000000"/>
         </a:buClr>
         <a:buFont typeface="Arial"/>
-        <a:defRPr b="0" i="0" sz="1400" u="none" cap="none" strike="noStrike">
+        <a:defRPr sz="1400" b="0" i="0" u="none" strike="noStrike" cap="none">
           <a:solidFill>
             <a:srgbClr val="000000"/>
           </a:solidFill>
@@ -6156,7 +6331,7 @@
           <a:sym typeface="Arial"/>
         </a:defRPr>
       </a:lvl2pPr>
-      <a:lvl3pPr lvl="2" marR="0" rtl="0" algn="l">
+      <a:lvl3pPr marR="0" lvl="2" algn="l" rtl="0">
         <a:lnSpc>
           <a:spcPct val="100000"/>
         </a:lnSpc>
@@ -6170,7 +6345,7 @@
           <a:srgbClr val="000000"/>
         </a:buClr>
         <a:buFont typeface="Arial"/>
-        <a:defRPr b="0" i="0" sz="1400" u="none" cap="none" strike="noStrike">
+        <a:defRPr sz="1400" b="0" i="0" u="none" strike="noStrike" cap="none">
           <a:solidFill>
             <a:srgbClr val="000000"/>
           </a:solidFill>
@@ -6180,7 +6355,7 @@
           <a:sym typeface="Arial"/>
         </a:defRPr>
       </a:lvl3pPr>
-      <a:lvl4pPr lvl="3" marR="0" rtl="0" algn="l">
+      <a:lvl4pPr marR="0" lvl="3" algn="l" rtl="0">
         <a:lnSpc>
           <a:spcPct val="100000"/>
         </a:lnSpc>
@@ -6194,7 +6369,7 @@
           <a:srgbClr val="000000"/>
         </a:buClr>
         <a:buFont typeface="Arial"/>
-        <a:defRPr b="0" i="0" sz="1400" u="none" cap="none" strike="noStrike">
+        <a:defRPr sz="1400" b="0" i="0" u="none" strike="noStrike" cap="none">
           <a:solidFill>
             <a:srgbClr val="000000"/>
           </a:solidFill>
@@ -6204,7 +6379,7 @@
           <a:sym typeface="Arial"/>
         </a:defRPr>
       </a:lvl4pPr>
-      <a:lvl5pPr lvl="4" marR="0" rtl="0" algn="l">
+      <a:lvl5pPr marR="0" lvl="4" algn="l" rtl="0">
         <a:lnSpc>
           <a:spcPct val="100000"/>
         </a:lnSpc>
@@ -6218,7 +6393,7 @@
           <a:srgbClr val="000000"/>
         </a:buClr>
         <a:buFont typeface="Arial"/>
-        <a:defRPr b="0" i="0" sz="1400" u="none" cap="none" strike="noStrike">
+        <a:defRPr sz="1400" b="0" i="0" u="none" strike="noStrike" cap="none">
           <a:solidFill>
             <a:srgbClr val="000000"/>
           </a:solidFill>
@@ -6228,7 +6403,7 @@
           <a:sym typeface="Arial"/>
         </a:defRPr>
       </a:lvl5pPr>
-      <a:lvl6pPr lvl="5" marR="0" rtl="0" algn="l">
+      <a:lvl6pPr marR="0" lvl="5" algn="l" rtl="0">
         <a:lnSpc>
           <a:spcPct val="100000"/>
         </a:lnSpc>
@@ -6242,7 +6417,7 @@
           <a:srgbClr val="000000"/>
         </a:buClr>
         <a:buFont typeface="Arial"/>
-        <a:defRPr b="0" i="0" sz="1400" u="none" cap="none" strike="noStrike">
+        <a:defRPr sz="1400" b="0" i="0" u="none" strike="noStrike" cap="none">
           <a:solidFill>
             <a:srgbClr val="000000"/>
           </a:solidFill>
@@ -6252,7 +6427,7 @@
           <a:sym typeface="Arial"/>
         </a:defRPr>
       </a:lvl6pPr>
-      <a:lvl7pPr lvl="6" marR="0" rtl="0" algn="l">
+      <a:lvl7pPr marR="0" lvl="6" algn="l" rtl="0">
         <a:lnSpc>
           <a:spcPct val="100000"/>
         </a:lnSpc>
@@ -6266,7 +6441,7 @@
           <a:srgbClr val="000000"/>
         </a:buClr>
         <a:buFont typeface="Arial"/>
-        <a:defRPr b="0" i="0" sz="1400" u="none" cap="none" strike="noStrike">
+        <a:defRPr sz="1400" b="0" i="0" u="none" strike="noStrike" cap="none">
           <a:solidFill>
             <a:srgbClr val="000000"/>
           </a:solidFill>
@@ -6276,7 +6451,7 @@
           <a:sym typeface="Arial"/>
         </a:defRPr>
       </a:lvl7pPr>
-      <a:lvl8pPr lvl="7" marR="0" rtl="0" algn="l">
+      <a:lvl8pPr marR="0" lvl="7" algn="l" rtl="0">
         <a:lnSpc>
           <a:spcPct val="100000"/>
         </a:lnSpc>
@@ -6290,7 +6465,7 @@
           <a:srgbClr val="000000"/>
         </a:buClr>
         <a:buFont typeface="Arial"/>
-        <a:defRPr b="0" i="0" sz="1400" u="none" cap="none" strike="noStrike">
+        <a:defRPr sz="1400" b="0" i="0" u="none" strike="noStrike" cap="none">
           <a:solidFill>
             <a:srgbClr val="000000"/>
           </a:solidFill>
@@ -6300,7 +6475,7 @@
           <a:sym typeface="Arial"/>
         </a:defRPr>
       </a:lvl8pPr>
-      <a:lvl9pPr lvl="8" marR="0" rtl="0" algn="l">
+      <a:lvl9pPr marR="0" lvl="8" algn="l" rtl="0">
         <a:lnSpc>
           <a:spcPct val="100000"/>
         </a:lnSpc>
@@ -6314,7 +6489,7 @@
           <a:srgbClr val="000000"/>
         </a:buClr>
         <a:buFont typeface="Arial"/>
-        <a:defRPr b="0" i="0" sz="1400" u="none" cap="none" strike="noStrike">
+        <a:defRPr sz="1400" b="0" i="0" u="none" strike="noStrike" cap="none">
           <a:solidFill>
             <a:srgbClr val="000000"/>
           </a:solidFill>
@@ -6326,7 +6501,7 @@
       </a:lvl9pPr>
     </p:bodyStyle>
     <p:otherStyle>
-      <a:defPPr lvl="0" marR="0" rtl="0" algn="l">
+      <a:defPPr marR="0" lvl="0" algn="l" rtl="0">
         <a:lnSpc>
           <a:spcPct val="100000"/>
         </a:lnSpc>
@@ -6337,7 +6512,7 @@
           <a:spcPts val="0"/>
         </a:spcAft>
       </a:defPPr>
-      <a:lvl1pPr lvl="0" marR="0" rtl="0" algn="l">
+      <a:lvl1pPr marR="0" lvl="0" algn="l" rtl="0">
         <a:lnSpc>
           <a:spcPct val="100000"/>
         </a:lnSpc>
@@ -6351,7 +6526,7 @@
           <a:srgbClr val="000000"/>
         </a:buClr>
         <a:buFont typeface="Arial"/>
-        <a:defRPr b="0" i="0" sz="1400" u="none" cap="none" strike="noStrike">
+        <a:defRPr sz="1400" b="0" i="0" u="none" strike="noStrike" cap="none">
           <a:solidFill>
             <a:srgbClr val="000000"/>
           </a:solidFill>
@@ -6361,7 +6536,7 @@
           <a:sym typeface="Arial"/>
         </a:defRPr>
       </a:lvl1pPr>
-      <a:lvl2pPr lvl="1" marR="0" rtl="0" algn="l">
+      <a:lvl2pPr marR="0" lvl="1" algn="l" rtl="0">
         <a:lnSpc>
           <a:spcPct val="100000"/>
         </a:lnSpc>
@@ -6375,7 +6550,7 @@
           <a:srgbClr val="000000"/>
         </a:buClr>
         <a:buFont typeface="Arial"/>
-        <a:defRPr b="0" i="0" sz="1400" u="none" cap="none" strike="noStrike">
+        <a:defRPr sz="1400" b="0" i="0" u="none" strike="noStrike" cap="none">
           <a:solidFill>
             <a:srgbClr val="000000"/>
           </a:solidFill>
@@ -6385,7 +6560,7 @@
           <a:sym typeface="Arial"/>
         </a:defRPr>
       </a:lvl2pPr>
-      <a:lvl3pPr lvl="2" marR="0" rtl="0" algn="l">
+      <a:lvl3pPr marR="0" lvl="2" algn="l" rtl="0">
         <a:lnSpc>
           <a:spcPct val="100000"/>
         </a:lnSpc>
@@ -6399,7 +6574,7 @@
           <a:srgbClr val="000000"/>
         </a:buClr>
         <a:buFont typeface="Arial"/>
-        <a:defRPr b="0" i="0" sz="1400" u="none" cap="none" strike="noStrike">
+        <a:defRPr sz="1400" b="0" i="0" u="none" strike="noStrike" cap="none">
           <a:solidFill>
             <a:srgbClr val="000000"/>
           </a:solidFill>
@@ -6409,7 +6584,7 @@
           <a:sym typeface="Arial"/>
         </a:defRPr>
       </a:lvl3pPr>
-      <a:lvl4pPr lvl="3" marR="0" rtl="0" algn="l">
+      <a:lvl4pPr marR="0" lvl="3" algn="l" rtl="0">
         <a:lnSpc>
           <a:spcPct val="100000"/>
         </a:lnSpc>
@@ -6423,7 +6598,7 @@
           <a:srgbClr val="000000"/>
         </a:buClr>
         <a:buFont typeface="Arial"/>
-        <a:defRPr b="0" i="0" sz="1400" u="none" cap="none" strike="noStrike">
+        <a:defRPr sz="1400" b="0" i="0" u="none" strike="noStrike" cap="none">
           <a:solidFill>
             <a:srgbClr val="000000"/>
           </a:solidFill>
@@ -6433,7 +6608,7 @@
           <a:sym typeface="Arial"/>
         </a:defRPr>
       </a:lvl4pPr>
-      <a:lvl5pPr lvl="4" marR="0" rtl="0" algn="l">
+      <a:lvl5pPr marR="0" lvl="4" algn="l" rtl="0">
         <a:lnSpc>
           <a:spcPct val="100000"/>
         </a:lnSpc>
@@ -6447,7 +6622,7 @@
           <a:srgbClr val="000000"/>
         </a:buClr>
         <a:buFont typeface="Arial"/>
-        <a:defRPr b="0" i="0" sz="1400" u="none" cap="none" strike="noStrike">
+        <a:defRPr sz="1400" b="0" i="0" u="none" strike="noStrike" cap="none">
           <a:solidFill>
             <a:srgbClr val="000000"/>
           </a:solidFill>
@@ -6457,7 +6632,7 @@
           <a:sym typeface="Arial"/>
         </a:defRPr>
       </a:lvl5pPr>
-      <a:lvl6pPr lvl="5" marR="0" rtl="0" algn="l">
+      <a:lvl6pPr marR="0" lvl="5" algn="l" rtl="0">
         <a:lnSpc>
           <a:spcPct val="100000"/>
         </a:lnSpc>
@@ -6471,7 +6646,7 @@
           <a:srgbClr val="000000"/>
         </a:buClr>
         <a:buFont typeface="Arial"/>
-        <a:defRPr b="0" i="0" sz="1400" u="none" cap="none" strike="noStrike">
+        <a:defRPr sz="1400" b="0" i="0" u="none" strike="noStrike" cap="none">
           <a:solidFill>
             <a:srgbClr val="000000"/>
           </a:solidFill>
@@ -6481,7 +6656,7 @@
           <a:sym typeface="Arial"/>
         </a:defRPr>
       </a:lvl6pPr>
-      <a:lvl7pPr lvl="6" marR="0" rtl="0" algn="l">
+      <a:lvl7pPr marR="0" lvl="6" algn="l" rtl="0">
         <a:lnSpc>
           <a:spcPct val="100000"/>
         </a:lnSpc>
@@ -6495,7 +6670,7 @@
           <a:srgbClr val="000000"/>
         </a:buClr>
         <a:buFont typeface="Arial"/>
-        <a:defRPr b="0" i="0" sz="1400" u="none" cap="none" strike="noStrike">
+        <a:defRPr sz="1400" b="0" i="0" u="none" strike="noStrike" cap="none">
           <a:solidFill>
             <a:srgbClr val="000000"/>
           </a:solidFill>
@@ -6505,7 +6680,7 @@
           <a:sym typeface="Arial"/>
         </a:defRPr>
       </a:lvl7pPr>
-      <a:lvl8pPr lvl="7" marR="0" rtl="0" algn="l">
+      <a:lvl8pPr marR="0" lvl="7" algn="l" rtl="0">
         <a:lnSpc>
           <a:spcPct val="100000"/>
         </a:lnSpc>
@@ -6519,7 +6694,7 @@
           <a:srgbClr val="000000"/>
         </a:buClr>
         <a:buFont typeface="Arial"/>
-        <a:defRPr b="0" i="0" sz="1400" u="none" cap="none" strike="noStrike">
+        <a:defRPr sz="1400" b="0" i="0" u="none" strike="noStrike" cap="none">
           <a:solidFill>
             <a:srgbClr val="000000"/>
           </a:solidFill>
@@ -6529,7 +6704,7 @@
           <a:sym typeface="Arial"/>
         </a:defRPr>
       </a:lvl8pPr>
-      <a:lvl9pPr lvl="8" marR="0" rtl="0" algn="l">
+      <a:lvl9pPr marR="0" lvl="8" algn="l" rtl="0">
         <a:lnSpc>
           <a:spcPct val="100000"/>
         </a:lnSpc>
@@ -6543,7 +6718,7 @@
           <a:srgbClr val="000000"/>
         </a:buClr>
         <a:buFont typeface="Arial"/>
-        <a:defRPr b="0" i="0" sz="1400" u="none" cap="none" strike="noStrike">
+        <a:defRPr sz="1400" b="0" i="0" u="none" strike="noStrike" cap="none">
           <a:solidFill>
             <a:srgbClr val="000000"/>
           </a:solidFill>
@@ -6559,11 +6734,11 @@
 </file>
 
 <file path=ppt/slides/slide1.xml><?xml version="1.0" encoding="utf-8"?>
-<p:sld xmlns:a="http://schemas.openxmlformats.org/drawingml/2006/main" xmlns:r="http://schemas.openxmlformats.org/officeDocument/2006/relationships" xmlns:mc="http://schemas.openxmlformats.org/markup-compatibility/2006" xmlns:mv="urn:schemas-microsoft-com:mac:vml" xmlns:p="http://schemas.openxmlformats.org/presentationml/2006/main" xmlns:c="http://schemas.openxmlformats.org/drawingml/2006/chart" xmlns:dgm="http://schemas.openxmlformats.org/drawingml/2006/diagram" xmlns:o="urn:schemas-microsoft-com:office:office" xmlns:v="urn:schemas-microsoft-com:vml" xmlns:pvml="urn:schemas-microsoft-com:office:powerpoint" xmlns:com="http://schemas.openxmlformats.org/drawingml/2006/compatibility" xmlns:p14="http://schemas.microsoft.com/office/powerpoint/2010/main" xmlns:p15="http://schemas.microsoft.com/office/powerpoint/2012/main" xmlns:ahyp="http://schemas.microsoft.com/office/drawing/2018/hyperlinkcolor">
+<p:sld xmlns:a="http://schemas.openxmlformats.org/drawingml/2006/main" xmlns:r="http://schemas.openxmlformats.org/officeDocument/2006/relationships" xmlns:p="http://schemas.openxmlformats.org/presentationml/2006/main">
   <p:cSld>
     <p:spTree>
       <p:nvGrpSpPr>
-        <p:cNvPr id="53" name="Shape 53"/>
+        <p:cNvPr id="1" name="Shape 53"/>
         <p:cNvGrpSpPr/>
         <p:nvPr/>
       </p:nvGrpSpPr>
@@ -6578,7 +6753,9 @@
       <p:sp>
         <p:nvSpPr>
           <p:cNvPr id="54" name="Google Shape;54;p13"/>
-          <p:cNvSpPr txBox="1"/>
+          <p:cNvSpPr txBox="1">
+            <a:spLocks noGrp="1"/>
+          </p:cNvSpPr>
           <p:nvPr>
             <p:ph type="ctrTitle"/>
           </p:nvPr>
@@ -6593,12 +6770,12 @@
           </a:prstGeom>
         </p:spPr>
         <p:txBody>
-          <a:bodyPr anchorCtr="0" anchor="b" bIns="91425" lIns="91425" spcFirstLastPara="1" rIns="91425" wrap="square" tIns="91425">
+          <a:bodyPr spcFirstLastPara="1" wrap="square" lIns="91425" tIns="91425" rIns="91425" bIns="91425" anchor="b" anchorCtr="0">
             <a:normAutofit/>
           </a:bodyPr>
           <a:lstStyle/>
           <a:p>
-            <a:pPr indent="0" lvl="0" marL="0" rtl="0" algn="ctr">
+            <a:pPr marL="0" lvl="0" indent="0" algn="ctr" rtl="0">
               <a:spcBef>
                 <a:spcPts val="0"/>
               </a:spcBef>
@@ -6618,9 +6795,11 @@
       <p:sp>
         <p:nvSpPr>
           <p:cNvPr id="55" name="Google Shape;55;p13"/>
-          <p:cNvSpPr txBox="1"/>
+          <p:cNvSpPr txBox="1">
+            <a:spLocks noGrp="1"/>
+          </p:cNvSpPr>
           <p:nvPr>
-            <p:ph idx="1" type="subTitle"/>
+            <p:ph type="subTitle" idx="1"/>
           </p:nvPr>
         </p:nvSpPr>
         <p:spPr>
@@ -6633,12 +6812,12 @@
           </a:prstGeom>
         </p:spPr>
         <p:txBody>
-          <a:bodyPr anchorCtr="0" anchor="t" bIns="91425" lIns="91425" spcFirstLastPara="1" rIns="91425" wrap="square" tIns="91425">
+          <a:bodyPr spcFirstLastPara="1" wrap="square" lIns="91425" tIns="91425" rIns="91425" bIns="91425" anchor="t" anchorCtr="0">
             <a:normAutofit fontScale="85000" lnSpcReduction="20000"/>
           </a:bodyPr>
           <a:lstStyle/>
           <a:p>
-            <a:pPr indent="0" lvl="0" marL="0" rtl="0" algn="r">
+            <a:pPr marL="0" lvl="0" indent="0" algn="r" rtl="0">
               <a:spcBef>
                 <a:spcPts val="0"/>
               </a:spcBef>
@@ -6654,7 +6833,7 @@
             <a:endParaRPr/>
           </a:p>
           <a:p>
-            <a:pPr indent="0" lvl="0" marL="0" rtl="0" algn="r">
+            <a:pPr marL="0" lvl="0" indent="0" algn="r" rtl="0">
               <a:spcBef>
                 <a:spcPts val="0"/>
               </a:spcBef>
@@ -6680,11 +6859,11 @@
 </file>
 
 <file path=ppt/slides/slide10.xml><?xml version="1.0" encoding="utf-8"?>
-<p:sld xmlns:a="http://schemas.openxmlformats.org/drawingml/2006/main" xmlns:r="http://schemas.openxmlformats.org/officeDocument/2006/relationships" xmlns:mc="http://schemas.openxmlformats.org/markup-compatibility/2006" xmlns:mv="urn:schemas-microsoft-com:mac:vml" xmlns:p="http://schemas.openxmlformats.org/presentationml/2006/main" xmlns:c="http://schemas.openxmlformats.org/drawingml/2006/chart" xmlns:dgm="http://schemas.openxmlformats.org/drawingml/2006/diagram" xmlns:o="urn:schemas-microsoft-com:office:office" xmlns:v="urn:schemas-microsoft-com:vml" xmlns:pvml="urn:schemas-microsoft-com:office:powerpoint" xmlns:com="http://schemas.openxmlformats.org/drawingml/2006/compatibility" xmlns:p14="http://schemas.microsoft.com/office/powerpoint/2010/main" xmlns:p15="http://schemas.microsoft.com/office/powerpoint/2012/main" xmlns:ahyp="http://schemas.microsoft.com/office/drawing/2018/hyperlinkcolor">
+<p:sld xmlns:a="http://schemas.openxmlformats.org/drawingml/2006/main" xmlns:r="http://schemas.openxmlformats.org/officeDocument/2006/relationships" xmlns:p="http://schemas.openxmlformats.org/presentationml/2006/main">
   <p:cSld>
     <p:spTree>
       <p:nvGrpSpPr>
-        <p:cNvPr id="122" name="Shape 122"/>
+        <p:cNvPr id="1" name="Shape 122"/>
         <p:cNvGrpSpPr/>
         <p:nvPr/>
       </p:nvGrpSpPr>
@@ -6699,7 +6878,9 @@
       <p:sp>
         <p:nvSpPr>
           <p:cNvPr id="123" name="Google Shape;123;p22"/>
-          <p:cNvSpPr txBox="1"/>
+          <p:cNvSpPr txBox="1">
+            <a:spLocks noGrp="1"/>
+          </p:cNvSpPr>
           <p:nvPr>
             <p:ph type="title"/>
           </p:nvPr>
@@ -6714,12 +6895,12 @@
           </a:prstGeom>
         </p:spPr>
         <p:txBody>
-          <a:bodyPr anchorCtr="0" anchor="t" bIns="91425" lIns="91425" spcFirstLastPara="1" rIns="91425" wrap="square" tIns="91425">
+          <a:bodyPr spcFirstLastPara="1" wrap="square" lIns="91425" tIns="91425" rIns="91425" bIns="91425" anchor="t" anchorCtr="0">
             <a:normAutofit fontScale="90000"/>
           </a:bodyPr>
           <a:lstStyle/>
           <a:p>
-            <a:pPr indent="0" lvl="0" marL="0" rtl="0" algn="l">
+            <a:pPr marL="0" lvl="0" indent="0" algn="l" rtl="0">
               <a:spcBef>
                 <a:spcPts val="0"/>
               </a:spcBef>
@@ -6740,7 +6921,7 @@
             <a:endParaRPr/>
           </a:p>
           <a:p>
-            <a:pPr indent="0" lvl="0" marL="0" rtl="0" algn="l">
+            <a:pPr marL="0" lvl="0" indent="0" algn="l" rtl="0">
               <a:spcBef>
                 <a:spcPts val="0"/>
               </a:spcBef>
@@ -6749,9 +6930,6 @@
               </a:spcAft>
               <a:buNone/>
             </a:pPr>
-            <a:r>
-              <a:t/>
-            </a:r>
             <a:endParaRPr/>
           </a:p>
         </p:txBody>
@@ -6759,9 +6937,11 @@
       <p:sp>
         <p:nvSpPr>
           <p:cNvPr id="124" name="Google Shape;124;p22"/>
-          <p:cNvSpPr txBox="1"/>
+          <p:cNvSpPr txBox="1">
+            <a:spLocks noGrp="1"/>
+          </p:cNvSpPr>
           <p:nvPr>
-            <p:ph idx="1" type="body"/>
+            <p:ph type="body" idx="1"/>
           </p:nvPr>
         </p:nvSpPr>
         <p:spPr>
@@ -6774,12 +6954,12 @@
           </a:prstGeom>
         </p:spPr>
         <p:txBody>
-          <a:bodyPr anchorCtr="0" anchor="t" bIns="91425" lIns="91425" spcFirstLastPara="1" rIns="91425" wrap="square" tIns="91425">
+          <a:bodyPr spcFirstLastPara="1" wrap="square" lIns="91425" tIns="91425" rIns="91425" bIns="91425" anchor="t" anchorCtr="0">
             <a:normAutofit/>
           </a:bodyPr>
           <a:lstStyle/>
           <a:p>
-            <a:pPr indent="0" lvl="0" marL="0" rtl="0" algn="l">
+            <a:pPr marL="0" lvl="0" indent="0" algn="l" rtl="0">
               <a:spcBef>
                 <a:spcPts val="0"/>
               </a:spcBef>
@@ -6788,9 +6968,6 @@
               </a:spcAft>
               <a:buNone/>
             </a:pPr>
-            <a:r>
-              <a:t/>
-            </a:r>
             <a:endParaRPr/>
           </a:p>
         </p:txBody>
@@ -6798,9 +6975,11 @@
       <p:sp>
         <p:nvSpPr>
           <p:cNvPr id="125" name="Google Shape;125;p22"/>
-          <p:cNvSpPr txBox="1"/>
+          <p:cNvSpPr txBox="1">
+            <a:spLocks noGrp="1"/>
+          </p:cNvSpPr>
           <p:nvPr>
-            <p:ph idx="12" type="sldNum"/>
+            <p:ph type="sldNum" idx="12"/>
           </p:nvPr>
         </p:nvSpPr>
         <p:spPr>
@@ -6813,12 +6992,12 @@
           </a:prstGeom>
         </p:spPr>
         <p:txBody>
-          <a:bodyPr anchorCtr="0" anchor="ctr" bIns="91425" lIns="91425" spcFirstLastPara="1" rIns="91425" wrap="square" tIns="91425">
+          <a:bodyPr spcFirstLastPara="1" wrap="square" lIns="91425" tIns="91425" rIns="91425" bIns="91425" anchor="ctr" anchorCtr="0">
             <a:normAutofit/>
           </a:bodyPr>
           <a:lstStyle/>
           <a:p>
-            <a:pPr indent="0" lvl="0" marL="0" rtl="0" algn="r">
+            <a:pPr marL="0" lvl="0" indent="0" algn="r" rtl="0">
               <a:spcBef>
                 <a:spcPts val="0"/>
               </a:spcBef>
@@ -6829,7 +7008,7 @@
             </a:pPr>
             <a:fld id="{00000000-1234-1234-1234-123412341234}" type="slidenum">
               <a:rPr lang="ru"/>
-              <a:t>‹#›</a:t>
+              <a:t>10</a:t>
             </a:fld>
             <a:endParaRPr/>
           </a:p>
@@ -6872,11 +7051,11 @@
 </file>
 
 <file path=ppt/slides/slide11.xml><?xml version="1.0" encoding="utf-8"?>
-<p:sld xmlns:a="http://schemas.openxmlformats.org/drawingml/2006/main" xmlns:r="http://schemas.openxmlformats.org/officeDocument/2006/relationships" xmlns:mc="http://schemas.openxmlformats.org/markup-compatibility/2006" xmlns:mv="urn:schemas-microsoft-com:mac:vml" xmlns:p="http://schemas.openxmlformats.org/presentationml/2006/main" xmlns:c="http://schemas.openxmlformats.org/drawingml/2006/chart" xmlns:dgm="http://schemas.openxmlformats.org/drawingml/2006/diagram" xmlns:o="urn:schemas-microsoft-com:office:office" xmlns:v="urn:schemas-microsoft-com:vml" xmlns:pvml="urn:schemas-microsoft-com:office:powerpoint" xmlns:com="http://schemas.openxmlformats.org/drawingml/2006/compatibility" xmlns:p14="http://schemas.microsoft.com/office/powerpoint/2010/main" xmlns:p15="http://schemas.microsoft.com/office/powerpoint/2012/main" xmlns:ahyp="http://schemas.microsoft.com/office/drawing/2018/hyperlinkcolor">
+<p:sld xmlns:a="http://schemas.openxmlformats.org/drawingml/2006/main" xmlns:r="http://schemas.openxmlformats.org/officeDocument/2006/relationships" xmlns:p="http://schemas.openxmlformats.org/presentationml/2006/main">
   <p:cSld>
     <p:spTree>
       <p:nvGrpSpPr>
-        <p:cNvPr id="130" name="Shape 130"/>
+        <p:cNvPr id="1" name="Shape 130"/>
         <p:cNvGrpSpPr/>
         <p:nvPr/>
       </p:nvGrpSpPr>
@@ -6891,7 +7070,9 @@
       <p:sp>
         <p:nvSpPr>
           <p:cNvPr id="131" name="Google Shape;131;p23"/>
-          <p:cNvSpPr txBox="1"/>
+          <p:cNvSpPr txBox="1">
+            <a:spLocks noGrp="1"/>
+          </p:cNvSpPr>
           <p:nvPr>
             <p:ph type="title"/>
           </p:nvPr>
@@ -6906,12 +7087,12 @@
           </a:prstGeom>
         </p:spPr>
         <p:txBody>
-          <a:bodyPr anchorCtr="0" anchor="t" bIns="91425" lIns="91425" spcFirstLastPara="1" rIns="91425" wrap="square" tIns="91425">
+          <a:bodyPr spcFirstLastPara="1" wrap="square" lIns="91425" tIns="91425" rIns="91425" bIns="91425" anchor="t" anchorCtr="0">
             <a:normAutofit fontScale="90000"/>
           </a:bodyPr>
           <a:lstStyle/>
           <a:p>
-            <a:pPr indent="0" lvl="0" marL="0" rtl="0" algn="l">
+            <a:pPr marL="0" lvl="0" indent="0" algn="l" rtl="0">
               <a:spcBef>
                 <a:spcPts val="0"/>
               </a:spcBef>
@@ -6931,9 +7112,11 @@
       <p:sp>
         <p:nvSpPr>
           <p:cNvPr id="132" name="Google Shape;132;p23"/>
-          <p:cNvSpPr txBox="1"/>
+          <p:cNvSpPr txBox="1">
+            <a:spLocks noGrp="1"/>
+          </p:cNvSpPr>
           <p:nvPr>
-            <p:ph idx="1" type="body"/>
+            <p:ph type="body" idx="1"/>
           </p:nvPr>
         </p:nvSpPr>
         <p:spPr>
@@ -6946,12 +7129,12 @@
           </a:prstGeom>
         </p:spPr>
         <p:txBody>
-          <a:bodyPr anchorCtr="0" anchor="t" bIns="91425" lIns="91425" spcFirstLastPara="1" rIns="91425" wrap="square" tIns="91425">
+          <a:bodyPr spcFirstLastPara="1" wrap="square" lIns="91425" tIns="91425" rIns="91425" bIns="91425" anchor="t" anchorCtr="0">
             <a:normAutofit/>
           </a:bodyPr>
           <a:lstStyle/>
           <a:p>
-            <a:pPr indent="0" lvl="0" marL="0" rtl="0" algn="l">
+            <a:pPr marL="0" lvl="0" indent="0" algn="l" rtl="0">
               <a:spcBef>
                 <a:spcPts val="0"/>
               </a:spcBef>
@@ -6960,9 +7143,6 @@
               </a:spcAft>
               <a:buNone/>
             </a:pPr>
-            <a:r>
-              <a:t/>
-            </a:r>
             <a:endParaRPr/>
           </a:p>
         </p:txBody>
@@ -6970,9 +7150,11 @@
       <p:sp>
         <p:nvSpPr>
           <p:cNvPr id="133" name="Google Shape;133;p23"/>
-          <p:cNvSpPr txBox="1"/>
+          <p:cNvSpPr txBox="1">
+            <a:spLocks noGrp="1"/>
+          </p:cNvSpPr>
           <p:nvPr>
-            <p:ph idx="12" type="sldNum"/>
+            <p:ph type="sldNum" idx="12"/>
           </p:nvPr>
         </p:nvSpPr>
         <p:spPr>
@@ -6985,12 +7167,12 @@
           </a:prstGeom>
         </p:spPr>
         <p:txBody>
-          <a:bodyPr anchorCtr="0" anchor="ctr" bIns="91425" lIns="91425" spcFirstLastPara="1" rIns="91425" wrap="square" tIns="91425">
+          <a:bodyPr spcFirstLastPara="1" wrap="square" lIns="91425" tIns="91425" rIns="91425" bIns="91425" anchor="ctr" anchorCtr="0">
             <a:normAutofit/>
           </a:bodyPr>
           <a:lstStyle/>
           <a:p>
-            <a:pPr indent="0" lvl="0" marL="0" rtl="0" algn="r">
+            <a:pPr marL="0" lvl="0" indent="0" algn="r" rtl="0">
               <a:spcBef>
                 <a:spcPts val="0"/>
               </a:spcBef>
@@ -7001,7 +7183,7 @@
             </a:pPr>
             <a:fld id="{00000000-1234-1234-1234-123412341234}" type="slidenum">
               <a:rPr lang="ru"/>
-              <a:t>‹#›</a:t>
+              <a:t>11</a:t>
             </a:fld>
             <a:endParaRPr/>
           </a:p>
@@ -7100,11 +7282,11 @@
 </file>
 
 <file path=ppt/slides/slide12.xml><?xml version="1.0" encoding="utf-8"?>
-<p:sld xmlns:a="http://schemas.openxmlformats.org/drawingml/2006/main" xmlns:r="http://schemas.openxmlformats.org/officeDocument/2006/relationships" xmlns:mc="http://schemas.openxmlformats.org/markup-compatibility/2006" xmlns:mv="urn:schemas-microsoft-com:mac:vml" xmlns:p="http://schemas.openxmlformats.org/presentationml/2006/main" xmlns:c="http://schemas.openxmlformats.org/drawingml/2006/chart" xmlns:dgm="http://schemas.openxmlformats.org/drawingml/2006/diagram" xmlns:o="urn:schemas-microsoft-com:office:office" xmlns:v="urn:schemas-microsoft-com:vml" xmlns:pvml="urn:schemas-microsoft-com:office:powerpoint" xmlns:com="http://schemas.openxmlformats.org/drawingml/2006/compatibility" xmlns:p14="http://schemas.microsoft.com/office/powerpoint/2010/main" xmlns:p15="http://schemas.microsoft.com/office/powerpoint/2012/main" xmlns:ahyp="http://schemas.microsoft.com/office/drawing/2018/hyperlinkcolor">
+<p:sld xmlns:a="http://schemas.openxmlformats.org/drawingml/2006/main" xmlns:r="http://schemas.openxmlformats.org/officeDocument/2006/relationships" xmlns:p="http://schemas.openxmlformats.org/presentationml/2006/main">
   <p:cSld>
     <p:spTree>
       <p:nvGrpSpPr>
-        <p:cNvPr id="140" name="Shape 140"/>
+        <p:cNvPr id="1" name="Shape 140"/>
         <p:cNvGrpSpPr/>
         <p:nvPr/>
       </p:nvGrpSpPr>
@@ -7119,7 +7301,9 @@
       <p:sp>
         <p:nvSpPr>
           <p:cNvPr id="141" name="Google Shape;141;p24"/>
-          <p:cNvSpPr txBox="1"/>
+          <p:cNvSpPr txBox="1">
+            <a:spLocks noGrp="1"/>
+          </p:cNvSpPr>
           <p:nvPr>
             <p:ph type="title"/>
           </p:nvPr>
@@ -7134,12 +7318,12 @@
           </a:prstGeom>
         </p:spPr>
         <p:txBody>
-          <a:bodyPr anchorCtr="0" anchor="t" bIns="91425" lIns="91425" spcFirstLastPara="1" rIns="91425" wrap="square" tIns="91425">
+          <a:bodyPr spcFirstLastPara="1" wrap="square" lIns="91425" tIns="91425" rIns="91425" bIns="91425" anchor="t" anchorCtr="0">
             <a:normAutofit fontScale="90000"/>
           </a:bodyPr>
           <a:lstStyle/>
           <a:p>
-            <a:pPr indent="0" lvl="0" marL="0" rtl="0" algn="l">
+            <a:pPr marL="0" lvl="0" indent="0" algn="l" rtl="0">
               <a:spcBef>
                 <a:spcPts val="0"/>
               </a:spcBef>
@@ -7159,9 +7343,11 @@
       <p:sp>
         <p:nvSpPr>
           <p:cNvPr id="142" name="Google Shape;142;p24"/>
-          <p:cNvSpPr txBox="1"/>
+          <p:cNvSpPr txBox="1">
+            <a:spLocks noGrp="1"/>
+          </p:cNvSpPr>
           <p:nvPr>
-            <p:ph idx="1" type="body"/>
+            <p:ph type="body" idx="1"/>
           </p:nvPr>
         </p:nvSpPr>
         <p:spPr>
@@ -7174,12 +7360,12 @@
           </a:prstGeom>
         </p:spPr>
         <p:txBody>
-          <a:bodyPr anchorCtr="0" anchor="t" bIns="91425" lIns="91425" spcFirstLastPara="1" rIns="91425" wrap="square" tIns="91425">
+          <a:bodyPr spcFirstLastPara="1" wrap="square" lIns="91425" tIns="91425" rIns="91425" bIns="91425" anchor="t" anchorCtr="0">
             <a:normAutofit/>
           </a:bodyPr>
           <a:lstStyle/>
           <a:p>
-            <a:pPr indent="0" lvl="0" marL="0" rtl="0" algn="l">
+            <a:pPr marL="0" lvl="0" indent="0" algn="l" rtl="0">
               <a:spcBef>
                 <a:spcPts val="0"/>
               </a:spcBef>
@@ -7209,7 +7395,7 @@
             </a:endParaRPr>
           </a:p>
           <a:p>
-            <a:pPr indent="0" lvl="0" marL="0" rtl="0" algn="l">
+            <a:pPr marL="0" lvl="0" indent="0" algn="l" rtl="0">
               <a:spcBef>
                 <a:spcPts val="1200"/>
               </a:spcBef>
@@ -7239,7 +7425,7 @@
             </a:endParaRPr>
           </a:p>
           <a:p>
-            <a:pPr indent="0" lvl="0" marL="0" rtl="0" algn="l">
+            <a:pPr marL="0" lvl="0" indent="0" algn="l" rtl="0">
               <a:spcBef>
                 <a:spcPts val="1200"/>
               </a:spcBef>
@@ -7248,9 +7434,6 @@
               </a:spcAft>
               <a:buNone/>
             </a:pPr>
-            <a:r>
-              <a:t/>
-            </a:r>
             <a:endParaRPr sz="1150">
               <a:solidFill>
                 <a:schemeClr val="dk1"/>
@@ -7265,9 +7448,11 @@
       <p:sp>
         <p:nvSpPr>
           <p:cNvPr id="143" name="Google Shape;143;p24"/>
-          <p:cNvSpPr txBox="1"/>
+          <p:cNvSpPr txBox="1">
+            <a:spLocks noGrp="1"/>
+          </p:cNvSpPr>
           <p:nvPr>
-            <p:ph idx="12" type="sldNum"/>
+            <p:ph type="sldNum" idx="12"/>
           </p:nvPr>
         </p:nvSpPr>
         <p:spPr>
@@ -7280,12 +7465,12 @@
           </a:prstGeom>
         </p:spPr>
         <p:txBody>
-          <a:bodyPr anchorCtr="0" anchor="ctr" bIns="91425" lIns="91425" spcFirstLastPara="1" rIns="91425" wrap="square" tIns="91425">
+          <a:bodyPr spcFirstLastPara="1" wrap="square" lIns="91425" tIns="91425" rIns="91425" bIns="91425" anchor="ctr" anchorCtr="0">
             <a:normAutofit/>
           </a:bodyPr>
           <a:lstStyle/>
           <a:p>
-            <a:pPr indent="0" lvl="0" marL="0" rtl="0" algn="r">
+            <a:pPr marL="0" lvl="0" indent="0" algn="r" rtl="0">
               <a:spcBef>
                 <a:spcPts val="0"/>
               </a:spcBef>
@@ -7296,7 +7481,7 @@
             </a:pPr>
             <a:fld id="{00000000-1234-1234-1234-123412341234}" type="slidenum">
               <a:rPr lang="ru"/>
-              <a:t>‹#›</a:t>
+              <a:t>12</a:t>
             </a:fld>
             <a:endParaRPr/>
           </a:p>
@@ -7311,11 +7496,11 @@
 </file>
 
 <file path=ppt/slides/slide2.xml><?xml version="1.0" encoding="utf-8"?>
-<p:sld xmlns:a="http://schemas.openxmlformats.org/drawingml/2006/main" xmlns:r="http://schemas.openxmlformats.org/officeDocument/2006/relationships" xmlns:mc="http://schemas.openxmlformats.org/markup-compatibility/2006" xmlns:mv="urn:schemas-microsoft-com:mac:vml" xmlns:p="http://schemas.openxmlformats.org/presentationml/2006/main" xmlns:c="http://schemas.openxmlformats.org/drawingml/2006/chart" xmlns:dgm="http://schemas.openxmlformats.org/drawingml/2006/diagram" xmlns:o="urn:schemas-microsoft-com:office:office" xmlns:v="urn:schemas-microsoft-com:vml" xmlns:pvml="urn:schemas-microsoft-com:office:powerpoint" xmlns:com="http://schemas.openxmlformats.org/drawingml/2006/compatibility" xmlns:p14="http://schemas.microsoft.com/office/powerpoint/2010/main" xmlns:p15="http://schemas.microsoft.com/office/powerpoint/2012/main" xmlns:ahyp="http://schemas.microsoft.com/office/drawing/2018/hyperlinkcolor">
+<p:sld xmlns:a="http://schemas.openxmlformats.org/drawingml/2006/main" xmlns:r="http://schemas.openxmlformats.org/officeDocument/2006/relationships" xmlns:p="http://schemas.openxmlformats.org/presentationml/2006/main">
   <p:cSld>
     <p:spTree>
       <p:nvGrpSpPr>
-        <p:cNvPr id="59" name="Shape 59"/>
+        <p:cNvPr id="1" name="Shape 59"/>
         <p:cNvGrpSpPr/>
         <p:nvPr/>
       </p:nvGrpSpPr>
@@ -7330,7 +7515,9 @@
       <p:sp>
         <p:nvSpPr>
           <p:cNvPr id="60" name="Google Shape;60;p14"/>
-          <p:cNvSpPr txBox="1"/>
+          <p:cNvSpPr txBox="1">
+            <a:spLocks noGrp="1"/>
+          </p:cNvSpPr>
           <p:nvPr>
             <p:ph type="title"/>
           </p:nvPr>
@@ -7345,12 +7532,12 @@
           </a:prstGeom>
         </p:spPr>
         <p:txBody>
-          <a:bodyPr anchorCtr="0" anchor="t" bIns="91425" lIns="91425" spcFirstLastPara="1" rIns="91425" wrap="square" tIns="91425">
+          <a:bodyPr spcFirstLastPara="1" wrap="square" lIns="91425" tIns="91425" rIns="91425" bIns="91425" anchor="t" anchorCtr="0">
             <a:normAutofit fontScale="90000"/>
           </a:bodyPr>
           <a:lstStyle/>
           <a:p>
-            <a:pPr indent="0" lvl="0" marL="0" rtl="0" algn="l">
+            <a:pPr marL="0" lvl="0" indent="0" algn="l" rtl="0">
               <a:spcBef>
                 <a:spcPts val="0"/>
               </a:spcBef>
@@ -7370,9 +7557,11 @@
       <p:sp>
         <p:nvSpPr>
           <p:cNvPr id="61" name="Google Shape;61;p14"/>
-          <p:cNvSpPr txBox="1"/>
+          <p:cNvSpPr txBox="1">
+            <a:spLocks noGrp="1"/>
+          </p:cNvSpPr>
           <p:nvPr>
-            <p:ph idx="1" type="body"/>
+            <p:ph type="body" idx="1"/>
           </p:nvPr>
         </p:nvSpPr>
         <p:spPr>
@@ -7385,12 +7574,12 @@
           </a:prstGeom>
         </p:spPr>
         <p:txBody>
-          <a:bodyPr anchorCtr="0" anchor="t" bIns="91425" lIns="91425" spcFirstLastPara="1" rIns="91425" wrap="square" tIns="91425">
+          <a:bodyPr spcFirstLastPara="1" wrap="square" lIns="91425" tIns="91425" rIns="91425" bIns="91425" anchor="t" anchorCtr="0">
             <a:normAutofit/>
           </a:bodyPr>
           <a:lstStyle/>
           <a:p>
-            <a:pPr indent="457200" lvl="0" marL="0" rtl="0" algn="l">
+            <a:pPr marL="0" lvl="0" indent="457200" algn="l" rtl="0">
               <a:spcBef>
                 <a:spcPts val="0"/>
               </a:spcBef>
@@ -7410,9 +7599,11 @@
       <p:sp>
         <p:nvSpPr>
           <p:cNvPr id="62" name="Google Shape;62;p14"/>
-          <p:cNvSpPr txBox="1"/>
+          <p:cNvSpPr txBox="1">
+            <a:spLocks noGrp="1"/>
+          </p:cNvSpPr>
           <p:nvPr>
-            <p:ph idx="12" type="sldNum"/>
+            <p:ph type="sldNum" idx="12"/>
           </p:nvPr>
         </p:nvSpPr>
         <p:spPr>
@@ -7425,12 +7616,12 @@
           </a:prstGeom>
         </p:spPr>
         <p:txBody>
-          <a:bodyPr anchorCtr="0" anchor="ctr" bIns="91425" lIns="91425" spcFirstLastPara="1" rIns="91425" wrap="square" tIns="91425">
+          <a:bodyPr spcFirstLastPara="1" wrap="square" lIns="91425" tIns="91425" rIns="91425" bIns="91425" anchor="ctr" anchorCtr="0">
             <a:normAutofit/>
           </a:bodyPr>
           <a:lstStyle/>
           <a:p>
-            <a:pPr indent="0" lvl="0" marL="0" rtl="0" algn="r">
+            <a:pPr marL="0" lvl="0" indent="0" algn="r" rtl="0">
               <a:spcBef>
                 <a:spcPts val="0"/>
               </a:spcBef>
@@ -7441,7 +7632,7 @@
             </a:pPr>
             <a:fld id="{00000000-1234-1234-1234-123412341234}" type="slidenum">
               <a:rPr lang="ru"/>
-              <a:t>‹#›</a:t>
+              <a:t>2</a:t>
             </a:fld>
             <a:endParaRPr/>
           </a:p>
@@ -7454,17 +7645,15 @@
           <p:nvPr/>
         </p:nvPicPr>
         <p:blipFill>
-          <a:blip r:embed="rId3">
-            <a:alphaModFix/>
-          </a:blip>
+          <a:blip r:embed="rId3"/>
           <a:stretch>
             <a:fillRect/>
           </a:stretch>
         </p:blipFill>
         <p:spPr>
           <a:xfrm>
-            <a:off x="252413" y="1879625"/>
-            <a:ext cx="8639175" cy="2533650"/>
+            <a:off x="252413" y="2009941"/>
+            <a:ext cx="8639175" cy="2273017"/>
           </a:xfrm>
           <a:prstGeom prst="rect">
             <a:avLst/>
@@ -7484,11 +7673,11 @@
 </file>
 
 <file path=ppt/slides/slide3.xml><?xml version="1.0" encoding="utf-8"?>
-<p:sld xmlns:a="http://schemas.openxmlformats.org/drawingml/2006/main" xmlns:r="http://schemas.openxmlformats.org/officeDocument/2006/relationships" xmlns:mc="http://schemas.openxmlformats.org/markup-compatibility/2006" xmlns:mv="urn:schemas-microsoft-com:mac:vml" xmlns:p="http://schemas.openxmlformats.org/presentationml/2006/main" xmlns:c="http://schemas.openxmlformats.org/drawingml/2006/chart" xmlns:dgm="http://schemas.openxmlformats.org/drawingml/2006/diagram" xmlns:o="urn:schemas-microsoft-com:office:office" xmlns:v="urn:schemas-microsoft-com:vml" xmlns:pvml="urn:schemas-microsoft-com:office:powerpoint" xmlns:com="http://schemas.openxmlformats.org/drawingml/2006/compatibility" xmlns:p14="http://schemas.microsoft.com/office/powerpoint/2010/main" xmlns:p15="http://schemas.microsoft.com/office/powerpoint/2012/main" xmlns:ahyp="http://schemas.microsoft.com/office/drawing/2018/hyperlinkcolor">
+<p:sld xmlns:a="http://schemas.openxmlformats.org/drawingml/2006/main" xmlns:r="http://schemas.openxmlformats.org/officeDocument/2006/relationships" xmlns:p="http://schemas.openxmlformats.org/presentationml/2006/main">
   <p:cSld>
     <p:spTree>
       <p:nvGrpSpPr>
-        <p:cNvPr id="67" name="Shape 67"/>
+        <p:cNvPr id="1" name="Shape 67"/>
         <p:cNvGrpSpPr/>
         <p:nvPr/>
       </p:nvGrpSpPr>
@@ -7503,7 +7692,9 @@
       <p:sp>
         <p:nvSpPr>
           <p:cNvPr id="68" name="Google Shape;68;p15"/>
-          <p:cNvSpPr txBox="1"/>
+          <p:cNvSpPr txBox="1">
+            <a:spLocks noGrp="1"/>
+          </p:cNvSpPr>
           <p:nvPr>
             <p:ph type="title"/>
           </p:nvPr>
@@ -7518,12 +7709,12 @@
           </a:prstGeom>
         </p:spPr>
         <p:txBody>
-          <a:bodyPr anchorCtr="0" anchor="t" bIns="91425" lIns="91425" spcFirstLastPara="1" rIns="91425" wrap="square" tIns="91425">
+          <a:bodyPr spcFirstLastPara="1" wrap="square" lIns="91425" tIns="91425" rIns="91425" bIns="91425" anchor="t" anchorCtr="0">
             <a:normAutofit fontScale="90000"/>
           </a:bodyPr>
           <a:lstStyle/>
           <a:p>
-            <a:pPr indent="0" lvl="0" marL="0" rtl="0" algn="l">
+            <a:pPr marL="0" lvl="0" indent="0" algn="l" rtl="0">
               <a:spcBef>
                 <a:spcPts val="0"/>
               </a:spcBef>
@@ -7543,9 +7734,11 @@
       <p:sp>
         <p:nvSpPr>
           <p:cNvPr id="69" name="Google Shape;69;p15"/>
-          <p:cNvSpPr txBox="1"/>
+          <p:cNvSpPr txBox="1">
+            <a:spLocks noGrp="1"/>
+          </p:cNvSpPr>
           <p:nvPr>
-            <p:ph idx="1" type="body"/>
+            <p:ph type="body" idx="1"/>
           </p:nvPr>
         </p:nvSpPr>
         <p:spPr>
@@ -7558,12 +7751,12 @@
           </a:prstGeom>
         </p:spPr>
         <p:txBody>
-          <a:bodyPr anchorCtr="0" anchor="t" bIns="91425" lIns="91425" spcFirstLastPara="1" rIns="91425" wrap="square" tIns="91425">
+          <a:bodyPr spcFirstLastPara="1" wrap="square" lIns="91425" tIns="91425" rIns="91425" bIns="91425" anchor="t" anchorCtr="0">
             <a:normAutofit/>
           </a:bodyPr>
           <a:lstStyle/>
           <a:p>
-            <a:pPr indent="457200" lvl="0" marL="0" rtl="0" algn="l">
+            <a:pPr marL="0" lvl="0" indent="457200" algn="l" rtl="0">
               <a:spcBef>
                 <a:spcPts val="1200"/>
               </a:spcBef>
@@ -7600,7 +7793,7 @@
             </a:endParaRPr>
           </a:p>
           <a:p>
-            <a:pPr indent="457200" lvl="0" marL="0" rtl="0" algn="l">
+            <a:pPr marL="0" lvl="0" indent="457200" algn="l" rtl="0">
               <a:spcBef>
                 <a:spcPts val="1200"/>
               </a:spcBef>
@@ -7628,9 +7821,11 @@
       <p:sp>
         <p:nvSpPr>
           <p:cNvPr id="70" name="Google Shape;70;p15"/>
-          <p:cNvSpPr txBox="1"/>
+          <p:cNvSpPr txBox="1">
+            <a:spLocks noGrp="1"/>
+          </p:cNvSpPr>
           <p:nvPr>
-            <p:ph idx="12" type="sldNum"/>
+            <p:ph type="sldNum" idx="12"/>
           </p:nvPr>
         </p:nvSpPr>
         <p:spPr>
@@ -7643,12 +7838,12 @@
           </a:prstGeom>
         </p:spPr>
         <p:txBody>
-          <a:bodyPr anchorCtr="0" anchor="ctr" bIns="91425" lIns="91425" spcFirstLastPara="1" rIns="91425" wrap="square" tIns="91425">
+          <a:bodyPr spcFirstLastPara="1" wrap="square" lIns="91425" tIns="91425" rIns="91425" bIns="91425" anchor="ctr" anchorCtr="0">
             <a:normAutofit/>
           </a:bodyPr>
           <a:lstStyle/>
           <a:p>
-            <a:pPr indent="0" lvl="0" marL="0" rtl="0" algn="r">
+            <a:pPr marL="0" lvl="0" indent="0" algn="r" rtl="0">
               <a:spcBef>
                 <a:spcPts val="0"/>
               </a:spcBef>
@@ -7659,7 +7854,7 @@
             </a:pPr>
             <a:fld id="{00000000-1234-1234-1234-123412341234}" type="slidenum">
               <a:rPr lang="ru"/>
-              <a:t>‹#›</a:t>
+              <a:t>3</a:t>
             </a:fld>
             <a:endParaRPr/>
           </a:p>
@@ -7674,11 +7869,11 @@
 </file>
 
 <file path=ppt/slides/slide4.xml><?xml version="1.0" encoding="utf-8"?>
-<p:sld xmlns:a="http://schemas.openxmlformats.org/drawingml/2006/main" xmlns:r="http://schemas.openxmlformats.org/officeDocument/2006/relationships" xmlns:mc="http://schemas.openxmlformats.org/markup-compatibility/2006" xmlns:mv="urn:schemas-microsoft-com:mac:vml" xmlns:p="http://schemas.openxmlformats.org/presentationml/2006/main" xmlns:c="http://schemas.openxmlformats.org/drawingml/2006/chart" xmlns:dgm="http://schemas.openxmlformats.org/drawingml/2006/diagram" xmlns:o="urn:schemas-microsoft-com:office:office" xmlns:v="urn:schemas-microsoft-com:vml" xmlns:pvml="urn:schemas-microsoft-com:office:powerpoint" xmlns:com="http://schemas.openxmlformats.org/drawingml/2006/compatibility" xmlns:p14="http://schemas.microsoft.com/office/powerpoint/2010/main" xmlns:p15="http://schemas.microsoft.com/office/powerpoint/2012/main" xmlns:ahyp="http://schemas.microsoft.com/office/drawing/2018/hyperlinkcolor">
+<p:sld xmlns:a="http://schemas.openxmlformats.org/drawingml/2006/main" xmlns:r="http://schemas.openxmlformats.org/officeDocument/2006/relationships" xmlns:p="http://schemas.openxmlformats.org/presentationml/2006/main">
   <p:cSld>
     <p:spTree>
       <p:nvGrpSpPr>
-        <p:cNvPr id="74" name="Shape 74"/>
+        <p:cNvPr id="1" name="Shape 74"/>
         <p:cNvGrpSpPr/>
         <p:nvPr/>
       </p:nvGrpSpPr>
@@ -7693,7 +7888,9 @@
       <p:sp>
         <p:nvSpPr>
           <p:cNvPr id="75" name="Google Shape;75;p16"/>
-          <p:cNvSpPr txBox="1"/>
+          <p:cNvSpPr txBox="1">
+            <a:spLocks noGrp="1"/>
+          </p:cNvSpPr>
           <p:nvPr>
             <p:ph type="title"/>
           </p:nvPr>
@@ -7708,12 +7905,12 @@
           </a:prstGeom>
         </p:spPr>
         <p:txBody>
-          <a:bodyPr anchorCtr="0" anchor="t" bIns="91425" lIns="91425" spcFirstLastPara="1" rIns="91425" wrap="square" tIns="91425">
+          <a:bodyPr spcFirstLastPara="1" wrap="square" lIns="91425" tIns="91425" rIns="91425" bIns="91425" anchor="t" anchorCtr="0">
             <a:normAutofit fontScale="90000"/>
           </a:bodyPr>
           <a:lstStyle/>
           <a:p>
-            <a:pPr indent="0" lvl="0" marL="0" rtl="0" algn="l">
+            <a:pPr marL="0" lvl="0" indent="0" algn="l" rtl="0">
               <a:spcBef>
                 <a:spcPts val="0"/>
               </a:spcBef>
@@ -7733,9 +7930,11 @@
       <p:sp>
         <p:nvSpPr>
           <p:cNvPr id="76" name="Google Shape;76;p16"/>
-          <p:cNvSpPr txBox="1"/>
+          <p:cNvSpPr txBox="1">
+            <a:spLocks noGrp="1"/>
+          </p:cNvSpPr>
           <p:nvPr>
-            <p:ph idx="1" type="body"/>
+            <p:ph type="body" idx="1"/>
           </p:nvPr>
         </p:nvSpPr>
         <p:spPr>
@@ -7748,12 +7947,12 @@
           </a:prstGeom>
         </p:spPr>
         <p:txBody>
-          <a:bodyPr anchorCtr="0" anchor="t" bIns="91425" lIns="91425" spcFirstLastPara="1" rIns="91425" wrap="square" tIns="91425">
+          <a:bodyPr spcFirstLastPara="1" wrap="square" lIns="91425" tIns="91425" rIns="91425" bIns="91425" anchor="t" anchorCtr="0">
             <a:normAutofit/>
           </a:bodyPr>
           <a:lstStyle/>
           <a:p>
-            <a:pPr indent="0" lvl="0" marL="0" rtl="0" algn="l">
+            <a:pPr marL="0" lvl="0" indent="0" algn="l" rtl="0">
               <a:spcBef>
                 <a:spcPts val="0"/>
               </a:spcBef>
@@ -7763,13 +7962,13 @@
               <a:buNone/>
             </a:pPr>
             <a:r>
-              <a:rPr b="1" lang="ru"/>
+              <a:rPr lang="ru" b="1"/>
               <a:t>Т-триггер:</a:t>
             </a:r>
             <a:endParaRPr b="1"/>
           </a:p>
           <a:p>
-            <a:pPr indent="-342900" lvl="0" marL="457200" rtl="0" algn="l">
+            <a:pPr marL="457200" lvl="0" indent="-342900" algn="l" rtl="0">
               <a:spcBef>
                 <a:spcPts val="1200"/>
               </a:spcBef>
@@ -7780,7 +7979,7 @@
               <a:buChar char="●"/>
             </a:pPr>
             <a:r>
-              <a:rPr i="1" lang="ru"/>
+              <a:rPr lang="ru" i="1"/>
               <a:t>T_in</a:t>
             </a:r>
             <a:r>
@@ -7790,7 +7989,7 @@
             <a:endParaRPr/>
           </a:p>
           <a:p>
-            <a:pPr indent="-342900" lvl="0" marL="457200" rtl="0" algn="l">
+            <a:pPr marL="457200" lvl="0" indent="-342900" algn="l" rtl="0">
               <a:spcBef>
                 <a:spcPts val="0"/>
               </a:spcBef>
@@ -7801,7 +8000,7 @@
               <a:buChar char="●"/>
             </a:pPr>
             <a:r>
-              <a:rPr i="1" lang="ru"/>
+              <a:rPr lang="ru" i="1"/>
               <a:t>reset</a:t>
             </a:r>
             <a:r>
@@ -7811,7 +8010,7 @@
             <a:endParaRPr/>
           </a:p>
           <a:p>
-            <a:pPr indent="-342900" lvl="0" marL="457200" rtl="0" algn="l">
+            <a:pPr marL="457200" lvl="0" indent="-342900" algn="l" rtl="0">
               <a:spcBef>
                 <a:spcPts val="0"/>
               </a:spcBef>
@@ -7822,7 +8021,7 @@
               <a:buChar char="●"/>
             </a:pPr>
             <a:r>
-              <a:rPr i="1" lang="ru"/>
+              <a:rPr lang="ru" i="1"/>
               <a:t>Q_out</a:t>
             </a:r>
             <a:r>
@@ -7832,7 +8031,7 @@
             <a:endParaRPr/>
           </a:p>
           <a:p>
-            <a:pPr indent="0" lvl="0" marL="0" rtl="0" algn="l">
+            <a:pPr marL="0" lvl="0" indent="0" algn="l" rtl="0">
               <a:spcBef>
                 <a:spcPts val="1200"/>
               </a:spcBef>
@@ -7841,9 +8040,6 @@
               </a:spcAft>
               <a:buNone/>
             </a:pPr>
-            <a:r>
-              <a:t/>
-            </a:r>
             <a:endParaRPr/>
           </a:p>
         </p:txBody>
@@ -7851,9 +8047,11 @@
       <p:sp>
         <p:nvSpPr>
           <p:cNvPr id="77" name="Google Shape;77;p16"/>
-          <p:cNvSpPr txBox="1"/>
+          <p:cNvSpPr txBox="1">
+            <a:spLocks noGrp="1"/>
+          </p:cNvSpPr>
           <p:nvPr>
-            <p:ph idx="12" type="sldNum"/>
+            <p:ph type="sldNum" idx="12"/>
           </p:nvPr>
         </p:nvSpPr>
         <p:spPr>
@@ -7866,12 +8064,12 @@
           </a:prstGeom>
         </p:spPr>
         <p:txBody>
-          <a:bodyPr anchorCtr="0" anchor="ctr" bIns="91425" lIns="91425" spcFirstLastPara="1" rIns="91425" wrap="square" tIns="91425">
+          <a:bodyPr spcFirstLastPara="1" wrap="square" lIns="91425" tIns="91425" rIns="91425" bIns="91425" anchor="ctr" anchorCtr="0">
             <a:normAutofit/>
           </a:bodyPr>
           <a:lstStyle/>
           <a:p>
-            <a:pPr indent="0" lvl="0" marL="0" rtl="0" algn="r">
+            <a:pPr marL="0" lvl="0" indent="0" algn="r" rtl="0">
               <a:spcBef>
                 <a:spcPts val="0"/>
               </a:spcBef>
@@ -7882,7 +8080,7 @@
             </a:pPr>
             <a:fld id="{00000000-1234-1234-1234-123412341234}" type="slidenum">
               <a:rPr lang="ru"/>
-              <a:t>‹#›</a:t>
+              <a:t>4</a:t>
             </a:fld>
             <a:endParaRPr/>
           </a:p>
@@ -7898,7 +8096,7 @@
           <a:blip r:embed="rId3">
             <a:alphaModFix/>
           </a:blip>
-          <a:srcRect b="0" l="1874" r="0" t="0"/>
+          <a:srcRect l="1874"/>
           <a:stretch/>
         </p:blipFill>
         <p:spPr>
@@ -7924,11 +8122,11 @@
 </file>
 
 <file path=ppt/slides/slide5.xml><?xml version="1.0" encoding="utf-8"?>
-<p:sld xmlns:a="http://schemas.openxmlformats.org/drawingml/2006/main" xmlns:r="http://schemas.openxmlformats.org/officeDocument/2006/relationships" xmlns:mc="http://schemas.openxmlformats.org/markup-compatibility/2006" xmlns:mv="urn:schemas-microsoft-com:mac:vml" xmlns:p="http://schemas.openxmlformats.org/presentationml/2006/main" xmlns:c="http://schemas.openxmlformats.org/drawingml/2006/chart" xmlns:dgm="http://schemas.openxmlformats.org/drawingml/2006/diagram" xmlns:o="urn:schemas-microsoft-com:office:office" xmlns:v="urn:schemas-microsoft-com:vml" xmlns:pvml="urn:schemas-microsoft-com:office:powerpoint" xmlns:com="http://schemas.openxmlformats.org/drawingml/2006/compatibility" xmlns:p14="http://schemas.microsoft.com/office/powerpoint/2010/main" xmlns:p15="http://schemas.microsoft.com/office/powerpoint/2012/main" xmlns:ahyp="http://schemas.microsoft.com/office/drawing/2018/hyperlinkcolor">
+<p:sld xmlns:a="http://schemas.openxmlformats.org/drawingml/2006/main" xmlns:r="http://schemas.openxmlformats.org/officeDocument/2006/relationships" xmlns:p="http://schemas.openxmlformats.org/presentationml/2006/main">
   <p:cSld>
     <p:spTree>
       <p:nvGrpSpPr>
-        <p:cNvPr id="82" name="Shape 82"/>
+        <p:cNvPr id="1" name="Shape 82"/>
         <p:cNvGrpSpPr/>
         <p:nvPr/>
       </p:nvGrpSpPr>
@@ -7943,7 +8141,9 @@
       <p:sp>
         <p:nvSpPr>
           <p:cNvPr id="83" name="Google Shape;83;p17"/>
-          <p:cNvSpPr txBox="1"/>
+          <p:cNvSpPr txBox="1">
+            <a:spLocks noGrp="1"/>
+          </p:cNvSpPr>
           <p:nvPr>
             <p:ph type="title"/>
           </p:nvPr>
@@ -7958,12 +8158,12 @@
           </a:prstGeom>
         </p:spPr>
         <p:txBody>
-          <a:bodyPr anchorCtr="0" anchor="t" bIns="91425" lIns="91425" spcFirstLastPara="1" rIns="91425" wrap="square" tIns="91425">
+          <a:bodyPr spcFirstLastPara="1" wrap="square" lIns="91425" tIns="91425" rIns="91425" bIns="91425" anchor="t" anchorCtr="0">
             <a:normAutofit fontScale="90000"/>
           </a:bodyPr>
           <a:lstStyle/>
           <a:p>
-            <a:pPr indent="0" lvl="0" marL="0" rtl="0" algn="l">
+            <a:pPr marL="0" lvl="0" indent="0" algn="l" rtl="0">
               <a:spcBef>
                 <a:spcPts val="0"/>
               </a:spcBef>
@@ -7988,9 +8188,11 @@
       <p:sp>
         <p:nvSpPr>
           <p:cNvPr id="84" name="Google Shape;84;p17"/>
-          <p:cNvSpPr txBox="1"/>
+          <p:cNvSpPr txBox="1">
+            <a:spLocks noGrp="1"/>
+          </p:cNvSpPr>
           <p:nvPr>
-            <p:ph idx="1" type="body"/>
+            <p:ph type="body" idx="1"/>
           </p:nvPr>
         </p:nvSpPr>
         <p:spPr>
@@ -8003,12 +8205,12 @@
           </a:prstGeom>
         </p:spPr>
         <p:txBody>
-          <a:bodyPr anchorCtr="0" anchor="t" bIns="91425" lIns="91425" spcFirstLastPara="1" rIns="91425" wrap="square" tIns="91425">
+          <a:bodyPr spcFirstLastPara="1" wrap="square" lIns="91425" tIns="91425" rIns="91425" bIns="91425" anchor="t" anchorCtr="0">
             <a:normAutofit/>
           </a:bodyPr>
           <a:lstStyle/>
           <a:p>
-            <a:pPr indent="0" lvl="0" marL="0" rtl="0" algn="l">
+            <a:pPr marL="0" lvl="0" indent="0" algn="l" rtl="0">
               <a:spcBef>
                 <a:spcPts val="0"/>
               </a:spcBef>
@@ -8018,17 +8220,13 @@
               <a:buNone/>
             </a:pPr>
             <a:r>
-              <a:rPr b="1" lang="ru"/>
-              <a:t>С</a:t>
-            </a:r>
-            <a:r>
-              <a:rPr b="1" lang="ru"/>
-              <a:t>четчик: </a:t>
+              <a:rPr lang="ru" b="1"/>
+              <a:t>Счетчик: </a:t>
             </a:r>
             <a:endParaRPr b="1"/>
           </a:p>
           <a:p>
-            <a:pPr indent="-342900" lvl="0" marL="457200" rtl="0" algn="l">
+            <a:pPr marL="457200" lvl="0" indent="-342900" algn="l" rtl="0">
               <a:spcBef>
                 <a:spcPts val="1200"/>
               </a:spcBef>
@@ -8039,7 +8237,7 @@
               <a:buChar char="●"/>
             </a:pPr>
             <a:r>
-              <a:rPr i="1" lang="ru"/>
+              <a:rPr lang="ru" i="1"/>
               <a:t>clock</a:t>
             </a:r>
             <a:r>
@@ -8049,7 +8247,7 @@
             <a:endParaRPr/>
           </a:p>
           <a:p>
-            <a:pPr indent="-342900" lvl="0" marL="457200" rtl="0" algn="l">
+            <a:pPr marL="457200" lvl="0" indent="-342900" algn="l" rtl="0">
               <a:spcBef>
                 <a:spcPts val="0"/>
               </a:spcBef>
@@ -8060,25 +8258,17 @@
               <a:buChar char="●"/>
             </a:pPr>
             <a:r>
-              <a:rPr i="1" lang="ru"/>
+              <a:rPr lang="ru" i="1"/>
               <a:t>summing</a:t>
             </a:r>
             <a:r>
               <a:rPr lang="ru"/>
-              <a:t> - режим работы счетчика</a:t>
-            </a:r>
-            <a:r>
-              <a:rPr lang="ru"/>
-              <a:t>:                                                  </a:t>
-            </a:r>
-            <a:r>
-              <a:rPr lang="ru"/>
-              <a:t>суммирование или вычитание</a:t>
+              <a:t> - режим работы счетчика:                                                  суммирование или вычитание</a:t>
             </a:r>
             <a:endParaRPr/>
           </a:p>
           <a:p>
-            <a:pPr indent="-342900" lvl="0" marL="457200" rtl="0" algn="l">
+            <a:pPr marL="457200" lvl="0" indent="-342900" algn="l" rtl="0">
               <a:spcBef>
                 <a:spcPts val="0"/>
               </a:spcBef>
@@ -8089,7 +8279,7 @@
               <a:buChar char="●"/>
             </a:pPr>
             <a:r>
-              <a:rPr i="1" lang="ru"/>
+              <a:rPr lang="ru" i="1"/>
               <a:t>reset</a:t>
             </a:r>
             <a:r>
@@ -8099,7 +8289,7 @@
             <a:endParaRPr/>
           </a:p>
           <a:p>
-            <a:pPr indent="-342900" lvl="0" marL="457200" rtl="0" algn="l">
+            <a:pPr marL="457200" lvl="0" indent="-342900" algn="l" rtl="0">
               <a:spcBef>
                 <a:spcPts val="0"/>
               </a:spcBef>
@@ -8110,21 +8300,17 @@
               <a:buChar char="●"/>
             </a:pPr>
             <a:r>
-              <a:rPr i="1" lang="ru"/>
+              <a:rPr lang="ru" i="1"/>
               <a:t>Q_out</a:t>
             </a:r>
             <a:r>
               <a:rPr lang="ru"/>
-              <a:t> - вектор </a:t>
-            </a:r>
-            <a:r>
-              <a:rPr lang="ru"/>
-              <a:t>из 4 сигналов,                                                                 являющийся десятичным числом</a:t>
+              <a:t> - вектор из 4 сигналов,                                                                 являющийся десятичным числом</a:t>
             </a:r>
             <a:endParaRPr/>
           </a:p>
           <a:p>
-            <a:pPr indent="-342900" lvl="0" marL="457200" rtl="0" algn="l">
+            <a:pPr marL="457200" lvl="0" indent="-342900" algn="l" rtl="0">
               <a:spcBef>
                 <a:spcPts val="0"/>
               </a:spcBef>
@@ -8135,7 +8321,7 @@
               <a:buChar char="●"/>
             </a:pPr>
             <a:r>
-              <a:rPr i="1" lang="ru"/>
+              <a:rPr lang="ru" i="1"/>
               <a:t>overflow</a:t>
             </a:r>
             <a:r>
@@ -8149,9 +8335,11 @@
       <p:sp>
         <p:nvSpPr>
           <p:cNvPr id="85" name="Google Shape;85;p17"/>
-          <p:cNvSpPr txBox="1"/>
+          <p:cNvSpPr txBox="1">
+            <a:spLocks noGrp="1"/>
+          </p:cNvSpPr>
           <p:nvPr>
-            <p:ph idx="12" type="sldNum"/>
+            <p:ph type="sldNum" idx="12"/>
           </p:nvPr>
         </p:nvSpPr>
         <p:spPr>
@@ -8164,12 +8352,12 @@
           </a:prstGeom>
         </p:spPr>
         <p:txBody>
-          <a:bodyPr anchorCtr="0" anchor="ctr" bIns="91425" lIns="91425" spcFirstLastPara="1" rIns="91425" wrap="square" tIns="91425">
+          <a:bodyPr spcFirstLastPara="1" wrap="square" lIns="91425" tIns="91425" rIns="91425" bIns="91425" anchor="ctr" anchorCtr="0">
             <a:normAutofit/>
           </a:bodyPr>
           <a:lstStyle/>
           <a:p>
-            <a:pPr indent="0" lvl="0" marL="0" rtl="0" algn="r">
+            <a:pPr marL="0" lvl="0" indent="0" algn="r" rtl="0">
               <a:spcBef>
                 <a:spcPts val="0"/>
               </a:spcBef>
@@ -8180,7 +8368,7 @@
             </a:pPr>
             <a:fld id="{00000000-1234-1234-1234-123412341234}" type="slidenum">
               <a:rPr lang="ru"/>
-              <a:t>‹#›</a:t>
+              <a:t>5</a:t>
             </a:fld>
             <a:endParaRPr/>
           </a:p>
@@ -8196,7 +8384,7 @@
           <a:blip r:embed="rId3">
             <a:alphaModFix/>
           </a:blip>
-          <a:srcRect b="0" l="0" r="0" t="0"/>
+          <a:srcRect/>
           <a:stretch/>
         </p:blipFill>
         <p:spPr>
@@ -8222,11 +8410,11 @@
 </file>
 
 <file path=ppt/slides/slide6.xml><?xml version="1.0" encoding="utf-8"?>
-<p:sld xmlns:a="http://schemas.openxmlformats.org/drawingml/2006/main" xmlns:r="http://schemas.openxmlformats.org/officeDocument/2006/relationships" xmlns:mc="http://schemas.openxmlformats.org/markup-compatibility/2006" xmlns:mv="urn:schemas-microsoft-com:mac:vml" xmlns:p="http://schemas.openxmlformats.org/presentationml/2006/main" xmlns:c="http://schemas.openxmlformats.org/drawingml/2006/chart" xmlns:dgm="http://schemas.openxmlformats.org/drawingml/2006/diagram" xmlns:o="urn:schemas-microsoft-com:office:office" xmlns:v="urn:schemas-microsoft-com:vml" xmlns:pvml="urn:schemas-microsoft-com:office:powerpoint" xmlns:com="http://schemas.openxmlformats.org/drawingml/2006/compatibility" xmlns:p14="http://schemas.microsoft.com/office/powerpoint/2010/main" xmlns:p15="http://schemas.microsoft.com/office/powerpoint/2012/main" xmlns:ahyp="http://schemas.microsoft.com/office/drawing/2018/hyperlinkcolor">
+<p:sld xmlns:a="http://schemas.openxmlformats.org/drawingml/2006/main" xmlns:r="http://schemas.openxmlformats.org/officeDocument/2006/relationships" xmlns:p="http://schemas.openxmlformats.org/presentationml/2006/main">
   <p:cSld>
     <p:spTree>
       <p:nvGrpSpPr>
-        <p:cNvPr id="90" name="Shape 90"/>
+        <p:cNvPr id="1" name="Shape 90"/>
         <p:cNvGrpSpPr/>
         <p:nvPr/>
       </p:nvGrpSpPr>
@@ -8241,7 +8429,9 @@
       <p:sp>
         <p:nvSpPr>
           <p:cNvPr id="91" name="Google Shape;91;p18"/>
-          <p:cNvSpPr txBox="1"/>
+          <p:cNvSpPr txBox="1">
+            <a:spLocks noGrp="1"/>
+          </p:cNvSpPr>
           <p:nvPr>
             <p:ph type="title"/>
           </p:nvPr>
@@ -8256,12 +8446,12 @@
           </a:prstGeom>
         </p:spPr>
         <p:txBody>
-          <a:bodyPr anchorCtr="0" anchor="t" bIns="91425" lIns="91425" spcFirstLastPara="1" rIns="91425" wrap="square" tIns="91425">
+          <a:bodyPr spcFirstLastPara="1" wrap="square" lIns="91425" tIns="91425" rIns="91425" bIns="91425" anchor="t" anchorCtr="0">
             <a:normAutofit fontScale="90000"/>
           </a:bodyPr>
           <a:lstStyle/>
           <a:p>
-            <a:pPr indent="0" lvl="0" marL="0" rtl="0" algn="l">
+            <a:pPr marL="0" lvl="0" indent="0" algn="l" rtl="0">
               <a:spcBef>
                 <a:spcPts val="0"/>
               </a:spcBef>
@@ -8281,9 +8471,11 @@
       <p:sp>
         <p:nvSpPr>
           <p:cNvPr id="92" name="Google Shape;92;p18"/>
-          <p:cNvSpPr txBox="1"/>
+          <p:cNvSpPr txBox="1">
+            <a:spLocks noGrp="1"/>
+          </p:cNvSpPr>
           <p:nvPr>
-            <p:ph idx="1" type="body"/>
+            <p:ph type="body" idx="1"/>
           </p:nvPr>
         </p:nvSpPr>
         <p:spPr>
@@ -8296,12 +8488,12 @@
           </a:prstGeom>
         </p:spPr>
         <p:txBody>
-          <a:bodyPr anchorCtr="0" anchor="t" bIns="91425" lIns="91425" spcFirstLastPara="1" rIns="91425" wrap="square" tIns="91425">
-            <a:normAutofit lnSpcReduction="10000"/>
+          <a:bodyPr spcFirstLastPara="1" wrap="square" lIns="91425" tIns="91425" rIns="91425" bIns="91425" anchor="t" anchorCtr="0">
+            <a:normAutofit/>
           </a:bodyPr>
           <a:lstStyle/>
           <a:p>
-            <a:pPr indent="457200" lvl="0" marL="0" rtl="0" algn="l">
+            <a:pPr marL="0" lvl="0" indent="457200" algn="l" rtl="0">
               <a:spcBef>
                 <a:spcPts val="0"/>
               </a:spcBef>
@@ -8321,7 +8513,7 @@
             <a:endParaRPr/>
           </a:p>
           <a:p>
-            <a:pPr indent="457200" lvl="0" marL="0" rtl="0" algn="l">
+            <a:pPr marL="0" lvl="0" indent="457200" algn="l" rtl="0">
               <a:spcBef>
                 <a:spcPts val="1200"/>
               </a:spcBef>
@@ -8337,7 +8529,7 @@
             <a:endParaRPr/>
           </a:p>
           <a:p>
-            <a:pPr indent="457200" lvl="0" marL="0" rtl="0" algn="l">
+            <a:pPr marL="0" lvl="0" indent="457200" algn="l" rtl="0">
               <a:spcBef>
                 <a:spcPts val="1200"/>
               </a:spcBef>
@@ -8346,13 +8538,10 @@
               </a:spcAft>
               <a:buNone/>
             </a:pPr>
-            <a:r>
-              <a:t/>
-            </a:r>
             <a:endParaRPr/>
           </a:p>
           <a:p>
-            <a:pPr indent="0" lvl="0" marL="0" rtl="0" algn="l">
+            <a:pPr marL="0" lvl="0" indent="0" algn="l" rtl="0">
               <a:spcBef>
                 <a:spcPts val="1200"/>
               </a:spcBef>
@@ -8361,9 +8550,6 @@
               </a:spcAft>
               <a:buNone/>
             </a:pPr>
-            <a:r>
-              <a:t/>
-            </a:r>
             <a:endParaRPr/>
           </a:p>
         </p:txBody>
@@ -8371,9 +8557,11 @@
       <p:sp>
         <p:nvSpPr>
           <p:cNvPr id="93" name="Google Shape;93;p18"/>
-          <p:cNvSpPr txBox="1"/>
+          <p:cNvSpPr txBox="1">
+            <a:spLocks noGrp="1"/>
+          </p:cNvSpPr>
           <p:nvPr>
-            <p:ph idx="12" type="sldNum"/>
+            <p:ph type="sldNum" idx="12"/>
           </p:nvPr>
         </p:nvSpPr>
         <p:spPr>
@@ -8386,12 +8574,12 @@
           </a:prstGeom>
         </p:spPr>
         <p:txBody>
-          <a:bodyPr anchorCtr="0" anchor="ctr" bIns="91425" lIns="91425" spcFirstLastPara="1" rIns="91425" wrap="square" tIns="91425">
+          <a:bodyPr spcFirstLastPara="1" wrap="square" lIns="91425" tIns="91425" rIns="91425" bIns="91425" anchor="ctr" anchorCtr="0">
             <a:normAutofit/>
           </a:bodyPr>
           <a:lstStyle/>
           <a:p>
-            <a:pPr indent="0" lvl="0" marL="0" rtl="0" algn="r">
+            <a:pPr marL="0" lvl="0" indent="0" algn="r" rtl="0">
               <a:spcBef>
                 <a:spcPts val="0"/>
               </a:spcBef>
@@ -8402,7 +8590,7 @@
             </a:pPr>
             <a:fld id="{00000000-1234-1234-1234-123412341234}" type="slidenum">
               <a:rPr lang="ru"/>
-              <a:t>‹#›</a:t>
+              <a:t>6</a:t>
             </a:fld>
             <a:endParaRPr/>
           </a:p>
@@ -8417,11 +8605,11 @@
 </file>
 
 <file path=ppt/slides/slide7.xml><?xml version="1.0" encoding="utf-8"?>
-<p:sld xmlns:a="http://schemas.openxmlformats.org/drawingml/2006/main" xmlns:r="http://schemas.openxmlformats.org/officeDocument/2006/relationships" xmlns:mc="http://schemas.openxmlformats.org/markup-compatibility/2006" xmlns:mv="urn:schemas-microsoft-com:mac:vml" xmlns:p="http://schemas.openxmlformats.org/presentationml/2006/main" xmlns:c="http://schemas.openxmlformats.org/drawingml/2006/chart" xmlns:dgm="http://schemas.openxmlformats.org/drawingml/2006/diagram" xmlns:o="urn:schemas-microsoft-com:office:office" xmlns:v="urn:schemas-microsoft-com:vml" xmlns:pvml="urn:schemas-microsoft-com:office:powerpoint" xmlns:com="http://schemas.openxmlformats.org/drawingml/2006/compatibility" xmlns:p14="http://schemas.microsoft.com/office/powerpoint/2010/main" xmlns:p15="http://schemas.microsoft.com/office/powerpoint/2012/main" xmlns:ahyp="http://schemas.microsoft.com/office/drawing/2018/hyperlinkcolor">
+<p:sld xmlns:a="http://schemas.openxmlformats.org/drawingml/2006/main" xmlns:r="http://schemas.openxmlformats.org/officeDocument/2006/relationships" xmlns:p="http://schemas.openxmlformats.org/presentationml/2006/main">
   <p:cSld>
     <p:spTree>
       <p:nvGrpSpPr>
-        <p:cNvPr id="97" name="Shape 97"/>
+        <p:cNvPr id="1" name="Shape 97"/>
         <p:cNvGrpSpPr/>
         <p:nvPr/>
       </p:nvGrpSpPr>
@@ -8436,7 +8624,9 @@
       <p:sp>
         <p:nvSpPr>
           <p:cNvPr id="98" name="Google Shape;98;p19"/>
-          <p:cNvSpPr txBox="1"/>
+          <p:cNvSpPr txBox="1">
+            <a:spLocks noGrp="1"/>
+          </p:cNvSpPr>
           <p:nvPr>
             <p:ph type="title"/>
           </p:nvPr>
@@ -8451,12 +8641,12 @@
           </a:prstGeom>
         </p:spPr>
         <p:txBody>
-          <a:bodyPr anchorCtr="0" anchor="t" bIns="91425" lIns="91425" spcFirstLastPara="1" rIns="91425" wrap="square" tIns="91425">
+          <a:bodyPr spcFirstLastPara="1" wrap="square" lIns="91425" tIns="91425" rIns="91425" bIns="91425" anchor="t" anchorCtr="0">
             <a:normAutofit fontScale="90000"/>
           </a:bodyPr>
           <a:lstStyle/>
           <a:p>
-            <a:pPr indent="0" lvl="0" marL="0" rtl="0" algn="l">
+            <a:pPr marL="0" lvl="0" indent="0" algn="l" rtl="0">
               <a:spcBef>
                 <a:spcPts val="0"/>
               </a:spcBef>
@@ -8476,9 +8666,11 @@
       <p:sp>
         <p:nvSpPr>
           <p:cNvPr id="99" name="Google Shape;99;p19"/>
-          <p:cNvSpPr txBox="1"/>
+          <p:cNvSpPr txBox="1">
+            <a:spLocks noGrp="1"/>
+          </p:cNvSpPr>
           <p:nvPr>
-            <p:ph idx="1" type="body"/>
+            <p:ph type="body" idx="1"/>
           </p:nvPr>
         </p:nvSpPr>
         <p:spPr>
@@ -8491,12 +8683,12 @@
           </a:prstGeom>
         </p:spPr>
         <p:txBody>
-          <a:bodyPr anchorCtr="0" anchor="t" bIns="91425" lIns="91425" spcFirstLastPara="1" rIns="91425" wrap="square" tIns="91425">
+          <a:bodyPr spcFirstLastPara="1" wrap="square" lIns="91425" tIns="91425" rIns="91425" bIns="91425" anchor="t" anchorCtr="0">
             <a:normAutofit/>
           </a:bodyPr>
           <a:lstStyle/>
           <a:p>
-            <a:pPr indent="0" lvl="0" marL="0" rtl="0" algn="l">
+            <a:pPr marL="0" lvl="0" indent="0" algn="l" rtl="0">
               <a:spcBef>
                 <a:spcPts val="0"/>
               </a:spcBef>
@@ -8505,9 +8697,6 @@
               </a:spcAft>
               <a:buNone/>
             </a:pPr>
-            <a:r>
-              <a:t/>
-            </a:r>
             <a:endParaRPr/>
           </a:p>
         </p:txBody>
@@ -8515,9 +8704,11 @@
       <p:sp>
         <p:nvSpPr>
           <p:cNvPr id="100" name="Google Shape;100;p19"/>
-          <p:cNvSpPr txBox="1"/>
+          <p:cNvSpPr txBox="1">
+            <a:spLocks noGrp="1"/>
+          </p:cNvSpPr>
           <p:nvPr>
-            <p:ph idx="12" type="sldNum"/>
+            <p:ph type="sldNum" idx="12"/>
           </p:nvPr>
         </p:nvSpPr>
         <p:spPr>
@@ -8530,12 +8721,12 @@
           </a:prstGeom>
         </p:spPr>
         <p:txBody>
-          <a:bodyPr anchorCtr="0" anchor="ctr" bIns="91425" lIns="91425" spcFirstLastPara="1" rIns="91425" wrap="square" tIns="91425">
+          <a:bodyPr spcFirstLastPara="1" wrap="square" lIns="91425" tIns="91425" rIns="91425" bIns="91425" anchor="ctr" anchorCtr="0">
             <a:normAutofit/>
           </a:bodyPr>
           <a:lstStyle/>
           <a:p>
-            <a:pPr indent="0" lvl="0" marL="0" rtl="0" algn="r">
+            <a:pPr marL="0" lvl="0" indent="0" algn="r" rtl="0">
               <a:spcBef>
                 <a:spcPts val="0"/>
               </a:spcBef>
@@ -8546,7 +8737,7 @@
             </a:pPr>
             <a:fld id="{00000000-1234-1234-1234-123412341234}" type="slidenum">
               <a:rPr lang="ru"/>
-              <a:t>‹#›</a:t>
+              <a:t>7</a:t>
             </a:fld>
             <a:endParaRPr/>
           </a:p>
@@ -8589,11 +8780,11 @@
 </file>
 
 <file path=ppt/slides/slide8.xml><?xml version="1.0" encoding="utf-8"?>
-<p:sld xmlns:a="http://schemas.openxmlformats.org/drawingml/2006/main" xmlns:r="http://schemas.openxmlformats.org/officeDocument/2006/relationships" xmlns:mc="http://schemas.openxmlformats.org/markup-compatibility/2006" xmlns:mv="urn:schemas-microsoft-com:mac:vml" xmlns:p="http://schemas.openxmlformats.org/presentationml/2006/main" xmlns:c="http://schemas.openxmlformats.org/drawingml/2006/chart" xmlns:dgm="http://schemas.openxmlformats.org/drawingml/2006/diagram" xmlns:o="urn:schemas-microsoft-com:office:office" xmlns:v="urn:schemas-microsoft-com:vml" xmlns:pvml="urn:schemas-microsoft-com:office:powerpoint" xmlns:com="http://schemas.openxmlformats.org/drawingml/2006/compatibility" xmlns:p14="http://schemas.microsoft.com/office/powerpoint/2010/main" xmlns:p15="http://schemas.microsoft.com/office/powerpoint/2012/main" xmlns:ahyp="http://schemas.microsoft.com/office/drawing/2018/hyperlinkcolor">
+<p:sld xmlns:a="http://schemas.openxmlformats.org/drawingml/2006/main" xmlns:r="http://schemas.openxmlformats.org/officeDocument/2006/relationships" xmlns:p="http://schemas.openxmlformats.org/presentationml/2006/main">
   <p:cSld>
     <p:spTree>
       <p:nvGrpSpPr>
-        <p:cNvPr id="105" name="Shape 105"/>
+        <p:cNvPr id="1" name="Shape 105"/>
         <p:cNvGrpSpPr/>
         <p:nvPr/>
       </p:nvGrpSpPr>
@@ -8608,7 +8799,9 @@
       <p:sp>
         <p:nvSpPr>
           <p:cNvPr id="106" name="Google Shape;106;p20"/>
-          <p:cNvSpPr txBox="1"/>
+          <p:cNvSpPr txBox="1">
+            <a:spLocks noGrp="1"/>
+          </p:cNvSpPr>
           <p:nvPr>
             <p:ph type="title"/>
           </p:nvPr>
@@ -8623,12 +8816,12 @@
           </a:prstGeom>
         </p:spPr>
         <p:txBody>
-          <a:bodyPr anchorCtr="0" anchor="t" bIns="91425" lIns="91425" spcFirstLastPara="1" rIns="91425" wrap="square" tIns="91425">
+          <a:bodyPr spcFirstLastPara="1" wrap="square" lIns="91425" tIns="91425" rIns="91425" bIns="91425" anchor="t" anchorCtr="0">
             <a:normAutofit fontScale="90000"/>
           </a:bodyPr>
           <a:lstStyle/>
           <a:p>
-            <a:pPr indent="0" lvl="0" marL="0" rtl="0" algn="l">
+            <a:pPr marL="0" lvl="0" indent="0" algn="l" rtl="0">
               <a:spcBef>
                 <a:spcPts val="0"/>
               </a:spcBef>
@@ -8648,9 +8841,11 @@
       <p:sp>
         <p:nvSpPr>
           <p:cNvPr id="107" name="Google Shape;107;p20"/>
-          <p:cNvSpPr txBox="1"/>
+          <p:cNvSpPr txBox="1">
+            <a:spLocks noGrp="1"/>
+          </p:cNvSpPr>
           <p:nvPr>
-            <p:ph idx="1" type="body"/>
+            <p:ph type="body" idx="1"/>
           </p:nvPr>
         </p:nvSpPr>
         <p:spPr>
@@ -8663,12 +8858,12 @@
           </a:prstGeom>
         </p:spPr>
         <p:txBody>
-          <a:bodyPr anchorCtr="0" anchor="t" bIns="91425" lIns="91425" spcFirstLastPara="1" rIns="91425" wrap="square" tIns="91425">
+          <a:bodyPr spcFirstLastPara="1" wrap="square" lIns="91425" tIns="91425" rIns="91425" bIns="91425" anchor="t" anchorCtr="0">
             <a:normAutofit/>
           </a:bodyPr>
           <a:lstStyle/>
           <a:p>
-            <a:pPr indent="0" lvl="0" marL="0" rtl="0" algn="l">
+            <a:pPr marL="0" lvl="0" indent="0" algn="l" rtl="0">
               <a:spcBef>
                 <a:spcPts val="0"/>
               </a:spcBef>
@@ -8677,9 +8872,6 @@
               </a:spcAft>
               <a:buNone/>
             </a:pPr>
-            <a:r>
-              <a:t/>
-            </a:r>
             <a:endParaRPr/>
           </a:p>
         </p:txBody>
@@ -8687,9 +8879,11 @@
       <p:sp>
         <p:nvSpPr>
           <p:cNvPr id="108" name="Google Shape;108;p20"/>
-          <p:cNvSpPr txBox="1"/>
+          <p:cNvSpPr txBox="1">
+            <a:spLocks noGrp="1"/>
+          </p:cNvSpPr>
           <p:nvPr>
-            <p:ph idx="12" type="sldNum"/>
+            <p:ph type="sldNum" idx="12"/>
           </p:nvPr>
         </p:nvSpPr>
         <p:spPr>
@@ -8702,12 +8896,12 @@
           </a:prstGeom>
         </p:spPr>
         <p:txBody>
-          <a:bodyPr anchorCtr="0" anchor="ctr" bIns="91425" lIns="91425" spcFirstLastPara="1" rIns="91425" wrap="square" tIns="91425">
+          <a:bodyPr spcFirstLastPara="1" wrap="square" lIns="91425" tIns="91425" rIns="91425" bIns="91425" anchor="ctr" anchorCtr="0">
             <a:normAutofit/>
           </a:bodyPr>
           <a:lstStyle/>
           <a:p>
-            <a:pPr indent="0" lvl="0" marL="0" rtl="0" algn="r">
+            <a:pPr marL="0" lvl="0" indent="0" algn="r" rtl="0">
               <a:spcBef>
                 <a:spcPts val="0"/>
               </a:spcBef>
@@ -8718,7 +8912,7 @@
             </a:pPr>
             <a:fld id="{00000000-1234-1234-1234-123412341234}" type="slidenum">
               <a:rPr lang="ru"/>
-              <a:t>‹#›</a:t>
+              <a:t>8</a:t>
             </a:fld>
             <a:endParaRPr/>
           </a:p>
@@ -8789,11 +8983,11 @@
 </file>
 
 <file path=ppt/slides/slide9.xml><?xml version="1.0" encoding="utf-8"?>
-<p:sld xmlns:a="http://schemas.openxmlformats.org/drawingml/2006/main" xmlns:r="http://schemas.openxmlformats.org/officeDocument/2006/relationships" xmlns:mc="http://schemas.openxmlformats.org/markup-compatibility/2006" xmlns:mv="urn:schemas-microsoft-com:mac:vml" xmlns:p="http://schemas.openxmlformats.org/presentationml/2006/main" xmlns:c="http://schemas.openxmlformats.org/drawingml/2006/chart" xmlns:dgm="http://schemas.openxmlformats.org/drawingml/2006/diagram" xmlns:o="urn:schemas-microsoft-com:office:office" xmlns:v="urn:schemas-microsoft-com:vml" xmlns:pvml="urn:schemas-microsoft-com:office:powerpoint" xmlns:com="http://schemas.openxmlformats.org/drawingml/2006/compatibility" xmlns:p14="http://schemas.microsoft.com/office/powerpoint/2010/main" xmlns:p15="http://schemas.microsoft.com/office/powerpoint/2012/main" xmlns:ahyp="http://schemas.microsoft.com/office/drawing/2018/hyperlinkcolor">
+<p:sld xmlns:a="http://schemas.openxmlformats.org/drawingml/2006/main" xmlns:r="http://schemas.openxmlformats.org/officeDocument/2006/relationships" xmlns:p="http://schemas.openxmlformats.org/presentationml/2006/main">
   <p:cSld>
     <p:spTree>
       <p:nvGrpSpPr>
-        <p:cNvPr id="114" name="Shape 114"/>
+        <p:cNvPr id="1" name="Shape 114"/>
         <p:cNvGrpSpPr/>
         <p:nvPr/>
       </p:nvGrpSpPr>
@@ -8808,7 +9002,9 @@
       <p:sp>
         <p:nvSpPr>
           <p:cNvPr id="115" name="Google Shape;115;p21"/>
-          <p:cNvSpPr txBox="1"/>
+          <p:cNvSpPr txBox="1">
+            <a:spLocks noGrp="1"/>
+          </p:cNvSpPr>
           <p:nvPr>
             <p:ph type="title"/>
           </p:nvPr>
@@ -8823,12 +9019,12 @@
           </a:prstGeom>
         </p:spPr>
         <p:txBody>
-          <a:bodyPr anchorCtr="0" anchor="t" bIns="91425" lIns="91425" spcFirstLastPara="1" rIns="91425" wrap="square" tIns="91425">
+          <a:bodyPr spcFirstLastPara="1" wrap="square" lIns="91425" tIns="91425" rIns="91425" bIns="91425" anchor="t" anchorCtr="0">
             <a:normAutofit fontScale="90000"/>
           </a:bodyPr>
           <a:lstStyle/>
           <a:p>
-            <a:pPr indent="0" lvl="0" marL="0" rtl="0" algn="l">
+            <a:pPr marL="0" lvl="0" indent="0" algn="l" rtl="0">
               <a:spcBef>
                 <a:spcPts val="0"/>
               </a:spcBef>
@@ -8849,7 +9045,7 @@
             <a:endParaRPr/>
           </a:p>
           <a:p>
-            <a:pPr indent="0" lvl="0" marL="0" rtl="0" algn="l">
+            <a:pPr marL="0" lvl="0" indent="0" algn="l" rtl="0">
               <a:spcBef>
                 <a:spcPts val="0"/>
               </a:spcBef>
@@ -8858,9 +9054,6 @@
               </a:spcAft>
               <a:buNone/>
             </a:pPr>
-            <a:r>
-              <a:t/>
-            </a:r>
             <a:endParaRPr/>
           </a:p>
         </p:txBody>
@@ -8868,9 +9061,11 @@
       <p:sp>
         <p:nvSpPr>
           <p:cNvPr id="116" name="Google Shape;116;p21"/>
-          <p:cNvSpPr txBox="1"/>
+          <p:cNvSpPr txBox="1">
+            <a:spLocks noGrp="1"/>
+          </p:cNvSpPr>
           <p:nvPr>
-            <p:ph idx="1" type="body"/>
+            <p:ph type="body" idx="1"/>
           </p:nvPr>
         </p:nvSpPr>
         <p:spPr>
@@ -8883,12 +9078,12 @@
           </a:prstGeom>
         </p:spPr>
         <p:txBody>
-          <a:bodyPr anchorCtr="0" anchor="t" bIns="91425" lIns="91425" spcFirstLastPara="1" rIns="91425" wrap="square" tIns="91425">
+          <a:bodyPr spcFirstLastPara="1" wrap="square" lIns="91425" tIns="91425" rIns="91425" bIns="91425" anchor="t" anchorCtr="0">
             <a:normAutofit/>
           </a:bodyPr>
           <a:lstStyle/>
           <a:p>
-            <a:pPr indent="0" lvl="0" marL="0" rtl="0" algn="l">
+            <a:pPr marL="0" lvl="0" indent="0" algn="l" rtl="0">
               <a:spcBef>
                 <a:spcPts val="0"/>
               </a:spcBef>
@@ -8897,9 +9092,6 @@
               </a:spcAft>
               <a:buNone/>
             </a:pPr>
-            <a:r>
-              <a:t/>
-            </a:r>
             <a:endParaRPr/>
           </a:p>
         </p:txBody>
@@ -8907,9 +9099,11 @@
       <p:sp>
         <p:nvSpPr>
           <p:cNvPr id="117" name="Google Shape;117;p21"/>
-          <p:cNvSpPr txBox="1"/>
+          <p:cNvSpPr txBox="1">
+            <a:spLocks noGrp="1"/>
+          </p:cNvSpPr>
           <p:nvPr>
-            <p:ph idx="12" type="sldNum"/>
+            <p:ph type="sldNum" idx="12"/>
           </p:nvPr>
         </p:nvSpPr>
         <p:spPr>
@@ -8922,12 +9116,12 @@
           </a:prstGeom>
         </p:spPr>
         <p:txBody>
-          <a:bodyPr anchorCtr="0" anchor="ctr" bIns="91425" lIns="91425" spcFirstLastPara="1" rIns="91425" wrap="square" tIns="91425">
+          <a:bodyPr spcFirstLastPara="1" wrap="square" lIns="91425" tIns="91425" rIns="91425" bIns="91425" anchor="ctr" anchorCtr="0">
             <a:normAutofit/>
           </a:bodyPr>
           <a:lstStyle/>
           <a:p>
-            <a:pPr indent="0" lvl="0" marL="0" rtl="0" algn="r">
+            <a:pPr marL="0" lvl="0" indent="0" algn="r" rtl="0">
               <a:spcBef>
                 <a:spcPts val="0"/>
               </a:spcBef>
@@ -8938,7 +9132,7 @@
             </a:pPr>
             <a:fld id="{00000000-1234-1234-1234-123412341234}" type="slidenum">
               <a:rPr lang="ru"/>
-              <a:t>‹#›</a:t>
+              <a:t>9</a:t>
             </a:fld>
             <a:endParaRPr/>
           </a:p>
@@ -8981,7 +9175,288 @@
 </file>
 
 <file path=ppt/theme/theme1.xml><?xml version="1.0" encoding="utf-8"?>
-<a:theme xmlns:a="http://schemas.openxmlformats.org/drawingml/2006/main" xmlns:r="http://schemas.openxmlformats.org/officeDocument/2006/relationships">
+<a:theme xmlns:a="http://schemas.openxmlformats.org/drawingml/2006/main" name="Simple Light">
+  <a:themeElements>
+    <a:clrScheme name="Simple Light">
+      <a:dk1>
+        <a:srgbClr val="000000"/>
+      </a:dk1>
+      <a:lt1>
+        <a:srgbClr val="FFFFFF"/>
+      </a:lt1>
+      <a:dk2>
+        <a:srgbClr val="595959"/>
+      </a:dk2>
+      <a:lt2>
+        <a:srgbClr val="EEEEEE"/>
+      </a:lt2>
+      <a:accent1>
+        <a:srgbClr val="4285F4"/>
+      </a:accent1>
+      <a:accent2>
+        <a:srgbClr val="212121"/>
+      </a:accent2>
+      <a:accent3>
+        <a:srgbClr val="78909C"/>
+      </a:accent3>
+      <a:accent4>
+        <a:srgbClr val="FFAB40"/>
+      </a:accent4>
+      <a:accent5>
+        <a:srgbClr val="0097A7"/>
+      </a:accent5>
+      <a:accent6>
+        <a:srgbClr val="EEFF41"/>
+      </a:accent6>
+      <a:hlink>
+        <a:srgbClr val="0097A7"/>
+      </a:hlink>
+      <a:folHlink>
+        <a:srgbClr val="0097A7"/>
+      </a:folHlink>
+    </a:clrScheme>
+    <a:fontScheme name="Office">
+      <a:majorFont>
+        <a:latin typeface="Arial"/>
+        <a:ea typeface=""/>
+        <a:cs typeface=""/>
+        <a:font script="Jpan" typeface="ＭＳ Ｐゴシック"/>
+        <a:font script="Hang" typeface="맑은 고딕"/>
+        <a:font script="Hans" typeface="宋体"/>
+        <a:font script="Hant" typeface="新細明體"/>
+        <a:font script="Arab" typeface="Times New Roman"/>
+        <a:font script="Hebr" typeface="Times New Roman"/>
+        <a:font script="Thai" typeface="Angsana New"/>
+        <a:font script="Ethi" typeface="Nyala"/>
+        <a:font script="Beng" typeface="Vrinda"/>
+        <a:font script="Gujr" typeface="Shruti"/>
+        <a:font script="Khmr" typeface="MoolBoran"/>
+        <a:font script="Knda" typeface="Tunga"/>
+        <a:font script="Guru" typeface="Raavi"/>
+        <a:font script="Cans" typeface="Euphemia"/>
+        <a:font script="Cher" typeface="Plantagenet Cherokee"/>
+        <a:font script="Yiii" typeface="Microsoft Yi Baiti"/>
+        <a:font script="Tibt" typeface="Microsoft Himalaya"/>
+        <a:font script="Thaa" typeface="MV Boli"/>
+        <a:font script="Deva" typeface="Mangal"/>
+        <a:font script="Telu" typeface="Gautami"/>
+        <a:font script="Taml" typeface="Latha"/>
+        <a:font script="Syrc" typeface="Estrangelo Edessa"/>
+        <a:font script="Orya" typeface="Kalinga"/>
+        <a:font script="Mlym" typeface="Kartika"/>
+        <a:font script="Laoo" typeface="DokChampa"/>
+        <a:font script="Sinh" typeface="Iskoola Pota"/>
+        <a:font script="Mong" typeface="Mongolian Baiti"/>
+        <a:font script="Viet" typeface="Times New Roman"/>
+        <a:font script="Uigh" typeface="Microsoft Uighur"/>
+        <a:font script="Geor" typeface="Sylfaen"/>
+      </a:majorFont>
+      <a:minorFont>
+        <a:latin typeface="Arial"/>
+        <a:ea typeface=""/>
+        <a:cs typeface=""/>
+        <a:font script="Jpan" typeface="ＭＳ Ｐゴシック"/>
+        <a:font script="Hang" typeface="맑은 고딕"/>
+        <a:font script="Hans" typeface="宋体"/>
+        <a:font script="Hant" typeface="新細明體"/>
+        <a:font script="Arab" typeface="Arial"/>
+        <a:font script="Hebr" typeface="Arial"/>
+        <a:font script="Thai" typeface="Cordia New"/>
+        <a:font script="Ethi" typeface="Nyala"/>
+        <a:font script="Beng" typeface="Vrinda"/>
+        <a:font script="Gujr" typeface="Shruti"/>
+        <a:font script="Khmr" typeface="DaunPenh"/>
+        <a:font script="Knda" typeface="Tunga"/>
+        <a:font script="Guru" typeface="Raavi"/>
+        <a:font script="Cans" typeface="Euphemia"/>
+        <a:font script="Cher" typeface="Plantagenet Cherokee"/>
+        <a:font script="Yiii" typeface="Microsoft Yi Baiti"/>
+        <a:font script="Tibt" typeface="Microsoft Himalaya"/>
+        <a:font script="Thaa" typeface="MV Boli"/>
+        <a:font script="Deva" typeface="Mangal"/>
+        <a:font script="Telu" typeface="Gautami"/>
+        <a:font script="Taml" typeface="Latha"/>
+        <a:font script="Syrc" typeface="Estrangelo Edessa"/>
+        <a:font script="Orya" typeface="Kalinga"/>
+        <a:font script="Mlym" typeface="Kartika"/>
+        <a:font script="Laoo" typeface="DokChampa"/>
+        <a:font script="Sinh" typeface="Iskoola Pota"/>
+        <a:font script="Mong" typeface="Mongolian Baiti"/>
+        <a:font script="Viet" typeface="Arial"/>
+        <a:font script="Uigh" typeface="Microsoft Uighur"/>
+        <a:font script="Geor" typeface="Sylfaen"/>
+      </a:minorFont>
+    </a:fontScheme>
+    <a:fmtScheme name="Office">
+      <a:fillStyleLst>
+        <a:solidFill>
+          <a:schemeClr val="phClr"/>
+        </a:solidFill>
+        <a:gradFill rotWithShape="1">
+          <a:gsLst>
+            <a:gs pos="0">
+              <a:schemeClr val="phClr">
+                <a:tint val="50000"/>
+                <a:satMod val="300000"/>
+              </a:schemeClr>
+            </a:gs>
+            <a:gs pos="35000">
+              <a:schemeClr val="phClr">
+                <a:tint val="37000"/>
+                <a:satMod val="300000"/>
+              </a:schemeClr>
+            </a:gs>
+            <a:gs pos="100000">
+              <a:schemeClr val="phClr">
+                <a:tint val="15000"/>
+                <a:satMod val="350000"/>
+              </a:schemeClr>
+            </a:gs>
+          </a:gsLst>
+          <a:lin ang="16200000" scaled="1"/>
+        </a:gradFill>
+        <a:gradFill rotWithShape="1">
+          <a:gsLst>
+            <a:gs pos="0">
+              <a:schemeClr val="phClr">
+                <a:tint val="100000"/>
+                <a:shade val="100000"/>
+                <a:satMod val="130000"/>
+              </a:schemeClr>
+            </a:gs>
+            <a:gs pos="100000">
+              <a:schemeClr val="phClr">
+                <a:tint val="50000"/>
+                <a:shade val="100000"/>
+                <a:satMod val="350000"/>
+              </a:schemeClr>
+            </a:gs>
+          </a:gsLst>
+          <a:lin ang="16200000" scaled="0"/>
+        </a:gradFill>
+      </a:fillStyleLst>
+      <a:lnStyleLst>
+        <a:ln w="9525" cap="flat" cmpd="sng" algn="ctr">
+          <a:solidFill>
+            <a:schemeClr val="phClr">
+              <a:shade val="95000"/>
+              <a:satMod val="105000"/>
+            </a:schemeClr>
+          </a:solidFill>
+          <a:prstDash val="solid"/>
+        </a:ln>
+        <a:ln w="25400" cap="flat" cmpd="sng" algn="ctr">
+          <a:solidFill>
+            <a:schemeClr val="phClr"/>
+          </a:solidFill>
+          <a:prstDash val="solid"/>
+        </a:ln>
+        <a:ln w="38100" cap="flat" cmpd="sng" algn="ctr">
+          <a:solidFill>
+            <a:schemeClr val="phClr"/>
+          </a:solidFill>
+          <a:prstDash val="solid"/>
+        </a:ln>
+      </a:lnStyleLst>
+      <a:effectStyleLst>
+        <a:effectStyle>
+          <a:effectLst>
+            <a:outerShdw blurRad="40000" dist="20000" dir="5400000" rotWithShape="0">
+              <a:srgbClr val="000000">
+                <a:alpha val="38000"/>
+              </a:srgbClr>
+            </a:outerShdw>
+          </a:effectLst>
+        </a:effectStyle>
+        <a:effectStyle>
+          <a:effectLst>
+            <a:outerShdw blurRad="40000" dist="23000" dir="5400000" rotWithShape="0">
+              <a:srgbClr val="000000">
+                <a:alpha val="35000"/>
+              </a:srgbClr>
+            </a:outerShdw>
+          </a:effectLst>
+        </a:effectStyle>
+        <a:effectStyle>
+          <a:effectLst>
+            <a:outerShdw blurRad="40000" dist="23000" dir="5400000" rotWithShape="0">
+              <a:srgbClr val="000000">
+                <a:alpha val="35000"/>
+              </a:srgbClr>
+            </a:outerShdw>
+          </a:effectLst>
+          <a:scene3d>
+            <a:camera prst="orthographicFront">
+              <a:rot lat="0" lon="0" rev="0"/>
+            </a:camera>
+            <a:lightRig rig="threePt" dir="t">
+              <a:rot lat="0" lon="0" rev="1200000"/>
+            </a:lightRig>
+          </a:scene3d>
+          <a:sp3d>
+            <a:bevelT w="63500" h="25400"/>
+          </a:sp3d>
+        </a:effectStyle>
+      </a:effectStyleLst>
+      <a:bgFillStyleLst>
+        <a:solidFill>
+          <a:schemeClr val="phClr"/>
+        </a:solidFill>
+        <a:gradFill rotWithShape="1">
+          <a:gsLst>
+            <a:gs pos="0">
+              <a:schemeClr val="phClr">
+                <a:tint val="40000"/>
+                <a:satMod val="350000"/>
+              </a:schemeClr>
+            </a:gs>
+            <a:gs pos="40000">
+              <a:schemeClr val="phClr">
+                <a:tint val="45000"/>
+                <a:shade val="99000"/>
+                <a:satMod val="350000"/>
+              </a:schemeClr>
+            </a:gs>
+            <a:gs pos="100000">
+              <a:schemeClr val="phClr">
+                <a:shade val="20000"/>
+                <a:satMod val="255000"/>
+              </a:schemeClr>
+            </a:gs>
+          </a:gsLst>
+          <a:path path="circle">
+            <a:fillToRect l="50000" t="-80000" r="50000" b="180000"/>
+          </a:path>
+        </a:gradFill>
+        <a:gradFill rotWithShape="1">
+          <a:gsLst>
+            <a:gs pos="0">
+              <a:schemeClr val="phClr">
+                <a:tint val="80000"/>
+                <a:satMod val="300000"/>
+              </a:schemeClr>
+            </a:gs>
+            <a:gs pos="100000">
+              <a:schemeClr val="phClr">
+                <a:shade val="30000"/>
+                <a:satMod val="200000"/>
+              </a:schemeClr>
+            </a:gs>
+          </a:gsLst>
+          <a:path path="circle">
+            <a:fillToRect l="50000" t="50000" r="50000" b="50000"/>
+          </a:path>
+        </a:gradFill>
+      </a:bgFillStyleLst>
+    </a:fmtScheme>
+  </a:themeElements>
+  <a:objectDefaults/>
+  <a:extraClrSchemeLst/>
+</a:theme>
+</file>
+
+<file path=ppt/theme/theme2.xml><?xml version="1.0" encoding="utf-8"?>
+<a:theme xmlns:a="http://schemas.openxmlformats.org/drawingml/2006/main">
   <a:themeElements>
     <a:clrScheme name="Default">
       <a:dk1>
@@ -9256,284 +9731,7 @@
       </a:bgFillStyleLst>
     </a:fmtScheme>
   </a:themeElements>
-</a:theme>
-</file>
-
-<file path=ppt/theme/theme2.xml><?xml version="1.0" encoding="utf-8"?>
-<a:theme xmlns:a="http://schemas.openxmlformats.org/drawingml/2006/main" xmlns:r="http://schemas.openxmlformats.org/officeDocument/2006/relationships" name="Simple Light">
-  <a:themeElements>
-    <a:clrScheme name="Simple Light">
-      <a:dk1>
-        <a:srgbClr val="000000"/>
-      </a:dk1>
-      <a:lt1>
-        <a:srgbClr val="FFFFFF"/>
-      </a:lt1>
-      <a:dk2>
-        <a:srgbClr val="595959"/>
-      </a:dk2>
-      <a:lt2>
-        <a:srgbClr val="EEEEEE"/>
-      </a:lt2>
-      <a:accent1>
-        <a:srgbClr val="4285F4"/>
-      </a:accent1>
-      <a:accent2>
-        <a:srgbClr val="212121"/>
-      </a:accent2>
-      <a:accent3>
-        <a:srgbClr val="78909C"/>
-      </a:accent3>
-      <a:accent4>
-        <a:srgbClr val="FFAB40"/>
-      </a:accent4>
-      <a:accent5>
-        <a:srgbClr val="0097A7"/>
-      </a:accent5>
-      <a:accent6>
-        <a:srgbClr val="EEFF41"/>
-      </a:accent6>
-      <a:hlink>
-        <a:srgbClr val="0097A7"/>
-      </a:hlink>
-      <a:folHlink>
-        <a:srgbClr val="0097A7"/>
-      </a:folHlink>
-    </a:clrScheme>
-    <a:fontScheme name="Office">
-      <a:majorFont>
-        <a:latin typeface="Arial"/>
-        <a:ea typeface=""/>
-        <a:cs typeface=""/>
-        <a:font script="Jpan" typeface="ＭＳ Ｐゴシック"/>
-        <a:font script="Hang" typeface="맑은 고딕"/>
-        <a:font script="Hans" typeface="宋体"/>
-        <a:font script="Hant" typeface="新細明體"/>
-        <a:font script="Arab" typeface="Times New Roman"/>
-        <a:font script="Hebr" typeface="Times New Roman"/>
-        <a:font script="Thai" typeface="Angsana New"/>
-        <a:font script="Ethi" typeface="Nyala"/>
-        <a:font script="Beng" typeface="Vrinda"/>
-        <a:font script="Gujr" typeface="Shruti"/>
-        <a:font script="Khmr" typeface="MoolBoran"/>
-        <a:font script="Knda" typeface="Tunga"/>
-        <a:font script="Guru" typeface="Raavi"/>
-        <a:font script="Cans" typeface="Euphemia"/>
-        <a:font script="Cher" typeface="Plantagenet Cherokee"/>
-        <a:font script="Yiii" typeface="Microsoft Yi Baiti"/>
-        <a:font script="Tibt" typeface="Microsoft Himalaya"/>
-        <a:font script="Thaa" typeface="MV Boli"/>
-        <a:font script="Deva" typeface="Mangal"/>
-        <a:font script="Telu" typeface="Gautami"/>
-        <a:font script="Taml" typeface="Latha"/>
-        <a:font script="Syrc" typeface="Estrangelo Edessa"/>
-        <a:font script="Orya" typeface="Kalinga"/>
-        <a:font script="Mlym" typeface="Kartika"/>
-        <a:font script="Laoo" typeface="DokChampa"/>
-        <a:font script="Sinh" typeface="Iskoola Pota"/>
-        <a:font script="Mong" typeface="Mongolian Baiti"/>
-        <a:font script="Viet" typeface="Times New Roman"/>
-        <a:font script="Uigh" typeface="Microsoft Uighur"/>
-        <a:font script="Geor" typeface="Sylfaen"/>
-      </a:majorFont>
-      <a:minorFont>
-        <a:latin typeface="Arial"/>
-        <a:ea typeface=""/>
-        <a:cs typeface=""/>
-        <a:font script="Jpan" typeface="ＭＳ Ｐゴシック"/>
-        <a:font script="Hang" typeface="맑은 고딕"/>
-        <a:font script="Hans" typeface="宋体"/>
-        <a:font script="Hant" typeface="新細明體"/>
-        <a:font script="Arab" typeface="Arial"/>
-        <a:font script="Hebr" typeface="Arial"/>
-        <a:font script="Thai" typeface="Cordia New"/>
-        <a:font script="Ethi" typeface="Nyala"/>
-        <a:font script="Beng" typeface="Vrinda"/>
-        <a:font script="Gujr" typeface="Shruti"/>
-        <a:font script="Khmr" typeface="DaunPenh"/>
-        <a:font script="Knda" typeface="Tunga"/>
-        <a:font script="Guru" typeface="Raavi"/>
-        <a:font script="Cans" typeface="Euphemia"/>
-        <a:font script="Cher" typeface="Plantagenet Cherokee"/>
-        <a:font script="Yiii" typeface="Microsoft Yi Baiti"/>
-        <a:font script="Tibt" typeface="Microsoft Himalaya"/>
-        <a:font script="Thaa" typeface="MV Boli"/>
-        <a:font script="Deva" typeface="Mangal"/>
-        <a:font script="Telu" typeface="Gautami"/>
-        <a:font script="Taml" typeface="Latha"/>
-        <a:font script="Syrc" typeface="Estrangelo Edessa"/>
-        <a:font script="Orya" typeface="Kalinga"/>
-        <a:font script="Mlym" typeface="Kartika"/>
-        <a:font script="Laoo" typeface="DokChampa"/>
-        <a:font script="Sinh" typeface="Iskoola Pota"/>
-        <a:font script="Mong" typeface="Mongolian Baiti"/>
-        <a:font script="Viet" typeface="Arial"/>
-        <a:font script="Uigh" typeface="Microsoft Uighur"/>
-        <a:font script="Geor" typeface="Sylfaen"/>
-      </a:minorFont>
-    </a:fontScheme>
-    <a:fmtScheme name="Office">
-      <a:fillStyleLst>
-        <a:solidFill>
-          <a:schemeClr val="phClr"/>
-        </a:solidFill>
-        <a:gradFill rotWithShape="1">
-          <a:gsLst>
-            <a:gs pos="0">
-              <a:schemeClr val="phClr">
-                <a:tint val="50000"/>
-                <a:satMod val="300000"/>
-              </a:schemeClr>
-            </a:gs>
-            <a:gs pos="35000">
-              <a:schemeClr val="phClr">
-                <a:tint val="37000"/>
-                <a:satMod val="300000"/>
-              </a:schemeClr>
-            </a:gs>
-            <a:gs pos="100000">
-              <a:schemeClr val="phClr">
-                <a:tint val="15000"/>
-                <a:satMod val="350000"/>
-              </a:schemeClr>
-            </a:gs>
-          </a:gsLst>
-          <a:lin ang="16200000" scaled="1"/>
-        </a:gradFill>
-        <a:gradFill rotWithShape="1">
-          <a:gsLst>
-            <a:gs pos="0">
-              <a:schemeClr val="phClr">
-                <a:tint val="100000"/>
-                <a:shade val="100000"/>
-                <a:satMod val="130000"/>
-              </a:schemeClr>
-            </a:gs>
-            <a:gs pos="100000">
-              <a:schemeClr val="phClr">
-                <a:tint val="50000"/>
-                <a:shade val="100000"/>
-                <a:satMod val="350000"/>
-              </a:schemeClr>
-            </a:gs>
-          </a:gsLst>
-          <a:lin ang="16200000" scaled="0"/>
-        </a:gradFill>
-      </a:fillStyleLst>
-      <a:lnStyleLst>
-        <a:ln w="9525" cap="flat" cmpd="sng" algn="ctr">
-          <a:solidFill>
-            <a:schemeClr val="phClr">
-              <a:shade val="95000"/>
-              <a:satMod val="105000"/>
-            </a:schemeClr>
-          </a:solidFill>
-          <a:prstDash val="solid"/>
-        </a:ln>
-        <a:ln w="25400" cap="flat" cmpd="sng" algn="ctr">
-          <a:solidFill>
-            <a:schemeClr val="phClr"/>
-          </a:solidFill>
-          <a:prstDash val="solid"/>
-        </a:ln>
-        <a:ln w="38100" cap="flat" cmpd="sng" algn="ctr">
-          <a:solidFill>
-            <a:schemeClr val="phClr"/>
-          </a:solidFill>
-          <a:prstDash val="solid"/>
-        </a:ln>
-      </a:lnStyleLst>
-      <a:effectStyleLst>
-        <a:effectStyle>
-          <a:effectLst>
-            <a:outerShdw blurRad="40000" dist="20000" dir="5400000" rotWithShape="0">
-              <a:srgbClr val="000000">
-                <a:alpha val="38000"/>
-              </a:srgbClr>
-            </a:outerShdw>
-          </a:effectLst>
-        </a:effectStyle>
-        <a:effectStyle>
-          <a:effectLst>
-            <a:outerShdw blurRad="40000" dist="23000" dir="5400000" rotWithShape="0">
-              <a:srgbClr val="000000">
-                <a:alpha val="35000"/>
-              </a:srgbClr>
-            </a:outerShdw>
-          </a:effectLst>
-        </a:effectStyle>
-        <a:effectStyle>
-          <a:effectLst>
-            <a:outerShdw blurRad="40000" dist="23000" dir="5400000" rotWithShape="0">
-              <a:srgbClr val="000000">
-                <a:alpha val="35000"/>
-              </a:srgbClr>
-            </a:outerShdw>
-          </a:effectLst>
-          <a:scene3d>
-            <a:camera prst="orthographicFront">
-              <a:rot lat="0" lon="0" rev="0"/>
-            </a:camera>
-            <a:lightRig rig="threePt" dir="t">
-              <a:rot lat="0" lon="0" rev="1200000"/>
-            </a:lightRig>
-          </a:scene3d>
-          <a:sp3d>
-            <a:bevelT w="63500" h="25400"/>
-          </a:sp3d>
-        </a:effectStyle>
-      </a:effectStyleLst>
-      <a:bgFillStyleLst>
-        <a:solidFill>
-          <a:schemeClr val="phClr"/>
-        </a:solidFill>
-        <a:gradFill rotWithShape="1">
-          <a:gsLst>
-            <a:gs pos="0">
-              <a:schemeClr val="phClr">
-                <a:tint val="40000"/>
-                <a:satMod val="350000"/>
-              </a:schemeClr>
-            </a:gs>
-            <a:gs pos="40000">
-              <a:schemeClr val="phClr">
-                <a:tint val="45000"/>
-                <a:shade val="99000"/>
-                <a:satMod val="350000"/>
-              </a:schemeClr>
-            </a:gs>
-            <a:gs pos="100000">
-              <a:schemeClr val="phClr">
-                <a:shade val="20000"/>
-                <a:satMod val="255000"/>
-              </a:schemeClr>
-            </a:gs>
-          </a:gsLst>
-          <a:path path="circle">
-            <a:fillToRect l="50000" t="-80000" r="50000" b="180000"/>
-          </a:path>
-        </a:gradFill>
-        <a:gradFill rotWithShape="1">
-          <a:gsLst>
-            <a:gs pos="0">
-              <a:schemeClr val="phClr">
-                <a:tint val="80000"/>
-                <a:satMod val="300000"/>
-              </a:schemeClr>
-            </a:gs>
-            <a:gs pos="100000">
-              <a:schemeClr val="phClr">
-                <a:shade val="30000"/>
-                <a:satMod val="200000"/>
-              </a:schemeClr>
-            </a:gs>
-          </a:gsLst>
-          <a:path path="circle">
-            <a:fillToRect l="50000" t="50000" r="50000" b="50000"/>
-          </a:path>
-        </a:gradFill>
-      </a:bgFillStyleLst>
-    </a:fmtScheme>
-  </a:themeElements>
+  <a:objectDefaults/>
+  <a:extraClrSchemeLst/>
 </a:theme>
 </file>